--- a/Documents/Week 1/EnterpriseJava1.pptx
+++ b/Documents/Week 1/EnterpriseJava1.pptx
@@ -19,10 +19,10 @@
     <p:sldId id="320" r:id="rId7"/>
     <p:sldId id="321" r:id="rId8"/>
     <p:sldId id="319" r:id="rId9"/>
-    <p:sldId id="347" r:id="rId10"/>
-    <p:sldId id="323" r:id="rId11"/>
-    <p:sldId id="324" r:id="rId12"/>
-    <p:sldId id="325" r:id="rId13"/>
+    <p:sldId id="323" r:id="rId10"/>
+    <p:sldId id="324" r:id="rId11"/>
+    <p:sldId id="325" r:id="rId12"/>
+    <p:sldId id="347" r:id="rId13"/>
     <p:sldId id="346" r:id="rId14"/>
     <p:sldId id="327" r:id="rId15"/>
     <p:sldId id="328" r:id="rId16"/>
@@ -224,6 +224,7 @@
           <a:p>
             <a:fld id="{E613903A-B8B5-4602-B0B5-8C472DB8A55D}" type="datetimeFigureOut">
               <a:rPr lang="en-US" smtClean="0"/>
+              <a:pPr/>
               <a:t>2/26/2014</a:t>
             </a:fld>
             <a:endParaRPr lang="en-NZ"/>
@@ -290,6 +291,7 @@
           <a:p>
             <a:fld id="{C326E040-DADD-4441-A94F-F7D8FA5B71BC}" type="slidenum">
               <a:rPr lang="en-NZ" smtClean="0"/>
+              <a:pPr/>
               <a:t>‹#›</a:t>
             </a:fld>
             <a:endParaRPr lang="en-NZ"/>
@@ -299,7 +301,7 @@
     </p:spTree>
     <p:extLst>
       <p:ext uri="{BB962C8B-B14F-4D97-AF65-F5344CB8AC3E}">
-        <p14:creationId xmlns:p14="http://schemas.microsoft.com/office/powerpoint/2010/main" val="2781077519"/>
+        <p14:creationId xmlns:p14="http://schemas.microsoft.com/office/powerpoint/2010/main" xmlns="" val="2781077519"/>
       </p:ext>
     </p:extLst>
   </p:cSld>
@@ -570,7 +572,7 @@
     </p:spTree>
     <p:extLst>
       <p:ext uri="{BB962C8B-B14F-4D97-AF65-F5344CB8AC3E}">
-        <p14:creationId xmlns:p14="http://schemas.microsoft.com/office/powerpoint/2010/main" val="3228770503"/>
+        <p14:creationId xmlns:p14="http://schemas.microsoft.com/office/powerpoint/2010/main" xmlns="" val="3228770503"/>
       </p:ext>
     </p:extLst>
   </p:cSld>
@@ -3952,7 +3954,12 @@
             <a:extLst/>
           </a:lstStyle>
           <a:p>
-            <a:endParaRPr lang="en-US"/>
+            <a:pPr algn="l"/>
+            <a:r>
+              <a:rPr lang="en-US" dirty="0" smtClean="0"/>
+              <a:t>John Casey</a:t>
+            </a:r>
+            <a:endParaRPr lang="en-US" dirty="0"/>
           </a:p>
         </p:txBody>
       </p:sp>
@@ -4749,7 +4756,11 @@
             <a:extLst/>
           </a:lstStyle>
           <a:p>
-            <a:endParaRPr lang="en-US"/>
+            <a:r>
+              <a:rPr lang="en-US" smtClean="0"/>
+              <a:t>John Casey</a:t>
+            </a:r>
+            <a:endParaRPr lang="en-US" dirty="0"/>
           </a:p>
         </p:txBody>
       </p:sp>
@@ -6250,12 +6261,11 @@
             <a:extLst/>
           </a:lstStyle>
           <a:p>
-            <a:pPr algn="r"/>
-            <a:endParaRPr lang="en-US" sz="1400" dirty="0">
-              <a:solidFill>
-                <a:schemeClr val="tx2"/>
-              </a:solidFill>
-            </a:endParaRPr>
+            <a:r>
+              <a:rPr lang="en-US" smtClean="0"/>
+              <a:t>John Casey</a:t>
+            </a:r>
+            <a:endParaRPr lang="en-US" dirty="0"/>
           </a:p>
         </p:txBody>
       </p:sp>
@@ -6967,70 +6977,54 @@
         </p:nvSpPr>
         <p:spPr/>
         <p:txBody>
-          <a:bodyPr>
-            <a:normAutofit fontScale="92500" lnSpcReduction="10000"/>
-          </a:bodyPr>
+          <a:bodyPr/>
           <a:lstStyle/>
           <a:p>
             <a:r>
               <a:rPr lang="en-NZ" dirty="0" smtClean="0"/>
-              <a:t>Java Server Faces</a:t>
+              <a:t>Spring Framework</a:t>
             </a:r>
           </a:p>
           <a:p>
             <a:pPr lvl="1"/>
             <a:r>
               <a:rPr lang="en-NZ" dirty="0" smtClean="0"/>
-              <a:t>Another Model View Controller framework</a:t>
+              <a:t>Acts as a router for different system components</a:t>
             </a:r>
           </a:p>
           <a:p>
             <a:pPr lvl="1"/>
             <a:r>
               <a:rPr lang="en-NZ" dirty="0" smtClean="0"/>
-              <a:t>Component based and event oriented</a:t>
+              <a:t>Looks at class / method properties using Java Reflection</a:t>
             </a:r>
           </a:p>
           <a:p>
             <a:pPr lvl="1"/>
             <a:r>
               <a:rPr lang="en-NZ" dirty="0" smtClean="0"/>
-              <a:t>Uses </a:t>
-            </a:r>
-            <a:r>
-              <a:rPr lang="en-NZ" dirty="0" err="1" smtClean="0"/>
-              <a:t>Facelets</a:t>
-            </a:r>
-            <a:r>
-              <a:rPr lang="en-NZ" dirty="0" smtClean="0"/>
-              <a:t> which is another presentation tech (similar to JSP)</a:t>
-            </a:r>
-          </a:p>
-          <a:p>
-            <a:r>
-              <a:rPr lang="en-NZ" dirty="0" smtClean="0"/>
-              <a:t>Hibernate</a:t>
+              <a:t>Objects bound at runtime instead of at compile time</a:t>
+            </a:r>
+          </a:p>
+          <a:p>
+            <a:pPr lvl="2"/>
+            <a:r>
+              <a:rPr lang="en-NZ" dirty="0" smtClean="0"/>
+              <a:t>Allows system components to be swapped</a:t>
+            </a:r>
+          </a:p>
+          <a:p>
+            <a:pPr lvl="2"/>
+            <a:r>
+              <a:rPr lang="en-NZ" dirty="0" smtClean="0"/>
+              <a:t>Allows testing using mock objects</a:t>
             </a:r>
           </a:p>
           <a:p>
             <a:pPr lvl="1"/>
             <a:r>
               <a:rPr lang="en-NZ" dirty="0" smtClean="0"/>
-              <a:t>Object-Relational Mapping between code and database</a:t>
-            </a:r>
-          </a:p>
-          <a:p>
-            <a:pPr lvl="1"/>
-            <a:r>
-              <a:rPr lang="en-NZ" dirty="0" smtClean="0"/>
-              <a:t>Auto generates code and database mappings based on either class files or database schema</a:t>
-            </a:r>
-          </a:p>
-          <a:p>
-            <a:pPr lvl="1"/>
-            <a:r>
-              <a:rPr lang="en-NZ" dirty="0" smtClean="0"/>
-              <a:t>Saves lots of time as you do not have to embed SQL in your application</a:t>
+              <a:t>Handles transactions and data access layer</a:t>
             </a:r>
           </a:p>
           <a:p>
@@ -7106,55 +7100,89 @@
         </p:nvSpPr>
         <p:spPr/>
         <p:txBody>
-          <a:bodyPr/>
+          <a:bodyPr>
+            <a:normAutofit fontScale="92500" lnSpcReduction="10000"/>
+          </a:bodyPr>
           <a:lstStyle/>
           <a:p>
             <a:r>
               <a:rPr lang="en-NZ" dirty="0" smtClean="0"/>
-              <a:t>Spring Framework</a:t>
+              <a:t>Socket Programming</a:t>
             </a:r>
           </a:p>
           <a:p>
             <a:pPr lvl="1"/>
             <a:r>
               <a:rPr lang="en-NZ" dirty="0" smtClean="0"/>
-              <a:t>Acts as a router for different system components</a:t>
+              <a:t>Synchronous and Asynchronous Sockets</a:t>
+            </a:r>
+          </a:p>
+          <a:p>
+            <a:r>
+              <a:rPr lang="en-NZ" dirty="0" smtClean="0"/>
+              <a:t>Java Enterprise Edition</a:t>
             </a:r>
           </a:p>
           <a:p>
             <a:pPr lvl="1"/>
             <a:r>
               <a:rPr lang="en-NZ" dirty="0" smtClean="0"/>
-              <a:t>Looks at class / method properties using Java Reflection</a:t>
-            </a:r>
+              <a:t>Servers like </a:t>
+            </a:r>
+            <a:r>
+              <a:rPr lang="en-NZ" dirty="0" err="1" smtClean="0"/>
+              <a:t>Jboss</a:t>
+            </a:r>
+            <a:endParaRPr lang="en-NZ" dirty="0" smtClean="0"/>
           </a:p>
           <a:p>
             <a:pPr lvl="1"/>
             <a:r>
               <a:rPr lang="en-NZ" dirty="0" smtClean="0"/>
-              <a:t>Objects bound at runtime instead of at compile time</a:t>
-            </a:r>
-          </a:p>
-          <a:p>
-            <a:pPr lvl="2"/>
-            <a:r>
-              <a:rPr lang="en-NZ" dirty="0" smtClean="0"/>
-              <a:t>Allows system components to be swapped</a:t>
-            </a:r>
-          </a:p>
-          <a:p>
-            <a:pPr lvl="2"/>
-            <a:r>
-              <a:rPr lang="en-NZ" dirty="0" smtClean="0"/>
-              <a:t>Allows testing using mock objects</a:t>
+              <a:t>Java Beans</a:t>
+            </a:r>
+          </a:p>
+          <a:p>
+            <a:r>
+              <a:rPr lang="en-NZ" dirty="0" smtClean="0"/>
+              <a:t>Mule – Enterprise Service Bus</a:t>
             </a:r>
           </a:p>
           <a:p>
             <a:pPr lvl="1"/>
             <a:r>
               <a:rPr lang="en-NZ" dirty="0" smtClean="0"/>
-              <a:t>Handles transactions and data access layer</a:t>
-            </a:r>
+              <a:t>Event-driven batching system</a:t>
+            </a:r>
+          </a:p>
+          <a:p>
+            <a:r>
+              <a:rPr lang="en-NZ" dirty="0" smtClean="0"/>
+              <a:t>Reports</a:t>
+            </a:r>
+          </a:p>
+          <a:p>
+            <a:pPr lvl="1"/>
+            <a:r>
+              <a:rPr lang="en-NZ" dirty="0" smtClean="0"/>
+              <a:t>BIRT</a:t>
+            </a:r>
+          </a:p>
+          <a:p>
+            <a:pPr lvl="1"/>
+            <a:r>
+              <a:rPr lang="en-NZ" dirty="0" smtClean="0"/>
+              <a:t>Jasper Reports</a:t>
+            </a:r>
+          </a:p>
+          <a:p>
+            <a:endParaRPr lang="en-NZ" dirty="0" smtClean="0"/>
+          </a:p>
+          <a:p>
+            <a:pPr>
+              <a:buNone/>
+            </a:pPr>
+            <a:endParaRPr lang="en-NZ" dirty="0" smtClean="0"/>
           </a:p>
           <a:p>
             <a:pPr lvl="1"/>
@@ -7211,7 +7239,7 @@
           <a:p>
             <a:r>
               <a:rPr lang="en-NZ" dirty="0" smtClean="0"/>
-              <a:t>Technologies</a:t>
+              <a:t>Assessments</a:t>
             </a:r>
             <a:endParaRPr lang="en-NZ" dirty="0"/>
           </a:p>
@@ -7230,92 +7258,59 @@
         <p:spPr/>
         <p:txBody>
           <a:bodyPr>
-            <a:normAutofit fontScale="92500" lnSpcReduction="10000"/>
+            <a:normAutofit/>
           </a:bodyPr>
           <a:lstStyle/>
           <a:p>
             <a:r>
               <a:rPr lang="en-NZ" dirty="0" smtClean="0"/>
-              <a:t>Socket Programming</a:t>
+              <a:t>Lab Exercises: 30%</a:t>
             </a:r>
           </a:p>
           <a:p>
             <a:pPr lvl="1"/>
             <a:r>
               <a:rPr lang="en-NZ" dirty="0" smtClean="0"/>
-              <a:t>Synchronous and Asynchronous Sockets</a:t>
-            </a:r>
-          </a:p>
-          <a:p>
-            <a:r>
-              <a:rPr lang="en-NZ" dirty="0" smtClean="0"/>
-              <a:t>Java Enterprise Edition</a:t>
+              <a:t>In class practical exercises due every week, can be submitted by email up to one week late.</a:t>
+            </a:r>
+          </a:p>
+          <a:p>
+            <a:r>
+              <a:rPr lang="en-NZ" dirty="0" smtClean="0"/>
+              <a:t>Assignment</a:t>
+            </a:r>
+            <a:r>
+              <a:rPr lang="en-NZ" dirty="0" smtClean="0"/>
+              <a:t>: </a:t>
+            </a:r>
+            <a:r>
+              <a:rPr lang="en-NZ" dirty="0" smtClean="0"/>
+              <a:t>45</a:t>
+            </a:r>
+            <a:r>
+              <a:rPr lang="en-NZ" dirty="0" smtClean="0"/>
+              <a:t>%</a:t>
             </a:r>
           </a:p>
           <a:p>
             <a:pPr lvl="1"/>
             <a:r>
               <a:rPr lang="en-NZ" dirty="0" smtClean="0"/>
-              <a:t>Servers like </a:t>
-            </a:r>
-            <a:r>
-              <a:rPr lang="en-NZ" dirty="0" err="1" smtClean="0"/>
-              <a:t>Jboss</a:t>
-            </a:r>
-            <a:endParaRPr lang="en-NZ" dirty="0" smtClean="0"/>
+              <a:t>Two major assignments</a:t>
+            </a:r>
+          </a:p>
+          <a:p>
+            <a:r>
+              <a:rPr lang="en-NZ" dirty="0" smtClean="0"/>
+              <a:t>Final exam: 25%</a:t>
+            </a:r>
           </a:p>
           <a:p>
             <a:pPr lvl="1"/>
             <a:r>
               <a:rPr lang="en-NZ" dirty="0" smtClean="0"/>
-              <a:t>Java Beans</a:t>
-            </a:r>
-          </a:p>
-          <a:p>
-            <a:r>
-              <a:rPr lang="en-NZ" dirty="0" smtClean="0"/>
-              <a:t>Mule – Enterprise Service Bus</a:t>
-            </a:r>
-          </a:p>
-          <a:p>
-            <a:pPr lvl="1"/>
-            <a:r>
-              <a:rPr lang="en-NZ" dirty="0" smtClean="0"/>
-              <a:t>Event-driven batching system</a:t>
-            </a:r>
-          </a:p>
-          <a:p>
-            <a:r>
-              <a:rPr lang="en-NZ" dirty="0" smtClean="0"/>
-              <a:t>Reports</a:t>
-            </a:r>
-          </a:p>
-          <a:p>
-            <a:pPr lvl="1"/>
-            <a:r>
-              <a:rPr lang="en-NZ" dirty="0" smtClean="0"/>
-              <a:t>BIRT</a:t>
-            </a:r>
-          </a:p>
-          <a:p>
-            <a:pPr lvl="1"/>
-            <a:r>
-              <a:rPr lang="en-NZ" dirty="0" smtClean="0"/>
-              <a:t>Jasper Reports</a:t>
-            </a:r>
-          </a:p>
-          <a:p>
-            <a:endParaRPr lang="en-NZ" dirty="0" smtClean="0"/>
-          </a:p>
-          <a:p>
-            <a:pPr>
-              <a:buNone/>
-            </a:pPr>
-            <a:endParaRPr lang="en-NZ" dirty="0" smtClean="0"/>
-          </a:p>
-          <a:p>
-            <a:pPr lvl="1"/>
-            <a:endParaRPr lang="en-NZ" dirty="0"/>
+              <a:t>Code and theory</a:t>
+            </a:r>
           </a:p>
         </p:txBody>
       </p:sp>
@@ -7324,13 +7319,6 @@
   <p:clrMapOvr>
     <a:masterClrMapping/>
   </p:clrMapOvr>
-  <p:timing>
-    <p:tnLst>
-      <p:par>
-        <p:cTn id="1" dur="indefinite" restart="never" nodeType="tmRoot"/>
-      </p:par>
-    </p:tnLst>
-  </p:timing>
 </p:sld>
 </file>
 
@@ -7746,12 +7734,7 @@
             <p:ph sz="quarter" idx="13"/>
           </p:nvPr>
         </p:nvSpPr>
-        <p:spPr>
-          <a:xfrm>
-            <a:off x="609600" y="1803400"/>
-            <a:ext cx="8153400" cy="5054600"/>
-          </a:xfrm>
-        </p:spPr>
+        <p:spPr/>
         <p:txBody>
           <a:bodyPr>
             <a:noAutofit/>
@@ -10971,8 +10954,8 @@
         </p:nvSpPr>
         <p:spPr>
           <a:xfrm>
-            <a:off x="609600" y="3286124"/>
-            <a:ext cx="8153400" cy="2886076"/>
+            <a:off x="609600" y="3284984"/>
+            <a:ext cx="8153400" cy="2887216"/>
           </a:xfrm>
         </p:spPr>
         <p:txBody>
@@ -11775,6 +11758,32 @@
           </a:p>
         </p:txBody>
       </p:sp>
+      <p:pic>
+        <p:nvPicPr>
+          <p:cNvPr id="1026" name="Picture 2" descr="C:\Users\JCASEY\Downloads\10135_157205102274_5205428_n.jpg"/>
+          <p:cNvPicPr>
+            <a:picLocks noChangeAspect="1" noChangeArrowheads="1"/>
+          </p:cNvPicPr>
+          <p:nvPr/>
+        </p:nvPicPr>
+        <p:blipFill>
+          <a:blip r:embed="rId4" cstate="print"/>
+          <a:srcRect l="20030"/>
+          <a:stretch>
+            <a:fillRect/>
+          </a:stretch>
+        </p:blipFill>
+        <p:spPr bwMode="auto">
+          <a:xfrm>
+            <a:off x="6660232" y="1844824"/>
+            <a:ext cx="2299935" cy="1942728"/>
+          </a:xfrm>
+          <a:prstGeom prst="rect">
+            <a:avLst/>
+          </a:prstGeom>
+          <a:noFill/>
+        </p:spPr>
+      </p:pic>
     </p:spTree>
   </p:cSld>
   <p:clrMapOvr>
@@ -12209,7 +12218,9 @@
         </p:nvSpPr>
         <p:spPr/>
         <p:txBody>
-          <a:bodyPr/>
+          <a:bodyPr>
+            <a:normAutofit fontScale="85000" lnSpcReduction="10000"/>
+          </a:bodyPr>
           <a:lstStyle/>
           <a:p>
             <a:r>
@@ -12227,19 +12238,54 @@
             <a:pPr lvl="1"/>
             <a:r>
               <a:rPr lang="en-NZ" dirty="0" smtClean="0"/>
-              <a:t>Academic Programmer</a:t>
-            </a:r>
-            <a:endParaRPr lang="en-NZ" dirty="0"/>
+              <a:t>P2P, Sockets, Distributed Systems, Information Retrieval</a:t>
+            </a:r>
           </a:p>
           <a:p>
             <a:pPr lvl="1"/>
             <a:r>
               <a:rPr lang="en-NZ" dirty="0" smtClean="0"/>
-              <a:t>Business </a:t>
-            </a:r>
-            <a:r>
-              <a:rPr lang="en-NZ" dirty="0"/>
-              <a:t>Programmer</a:t>
+              <a:t>Motor Registry System – State of Tasmania</a:t>
+            </a:r>
+          </a:p>
+          <a:p>
+            <a:pPr lvl="1"/>
+            <a:r>
+              <a:rPr lang="en-NZ" dirty="0" smtClean="0"/>
+              <a:t>Fines and Infringement Notices </a:t>
+            </a:r>
+            <a:r>
+              <a:rPr lang="en-NZ" dirty="0" smtClean="0"/>
+              <a:t>Database – State of Tasmania</a:t>
+            </a:r>
+          </a:p>
+          <a:p>
+            <a:pPr lvl="1"/>
+            <a:r>
+              <a:rPr lang="en-NZ" dirty="0" err="1" smtClean="0"/>
+              <a:t>PayGlobal</a:t>
+            </a:r>
+            <a:r>
+              <a:rPr lang="en-NZ" dirty="0" smtClean="0"/>
+              <a:t> – Victorian Country Fire Authority</a:t>
+            </a:r>
+          </a:p>
+          <a:p>
+            <a:pPr lvl="1"/>
+            <a:r>
+              <a:rPr lang="en-NZ" dirty="0" err="1" smtClean="0"/>
+              <a:t>LifeLink</a:t>
+            </a:r>
+            <a:r>
+              <a:rPr lang="en-NZ" dirty="0" smtClean="0"/>
+              <a:t> - Births, Deaths and Marriages State of NSW</a:t>
+            </a:r>
+          </a:p>
+          <a:p>
+            <a:pPr lvl="1"/>
+            <a:r>
+              <a:rPr lang="en-NZ" dirty="0" smtClean="0"/>
+              <a:t>…</a:t>
             </a:r>
           </a:p>
           <a:p>
@@ -12247,17 +12293,12 @@
               <a:rPr lang="en-NZ" dirty="0" smtClean="0"/>
               <a:t>Educator</a:t>
             </a:r>
-            <a:endParaRPr lang="en-NZ" dirty="0"/>
           </a:p>
           <a:p>
             <a:pPr lvl="1"/>
             <a:r>
-              <a:rPr lang="en-NZ" dirty="0" err="1" smtClean="0"/>
-              <a:t>Deakin</a:t>
-            </a:r>
-            <a:r>
-              <a:rPr lang="en-NZ" dirty="0" smtClean="0"/>
-              <a:t> </a:t>
+              <a:rPr lang="en-NZ" dirty="0" smtClean="0"/>
+              <a:t>Deakin </a:t>
             </a:r>
             <a:r>
               <a:rPr lang="en-NZ" dirty="0"/>
@@ -12285,7 +12326,7 @@
     </p:spTree>
     <p:extLst>
       <p:ext uri="{BB962C8B-B14F-4D97-AF65-F5344CB8AC3E}">
-        <p14:creationId xmlns:p14="http://schemas.microsoft.com/office/powerpoint/2010/main" val="2755129392"/>
+        <p14:creationId xmlns:p14="http://schemas.microsoft.com/office/powerpoint/2010/main" xmlns="" val="2755129392"/>
       </p:ext>
     </p:extLst>
   </p:cSld>
@@ -12809,7 +12850,7 @@
           <a:p>
             <a:r>
               <a:rPr lang="en-NZ" dirty="0" smtClean="0"/>
-              <a:t>Assessments</a:t>
+              <a:t>Technologies</a:t>
             </a:r>
             <a:endParaRPr lang="en-NZ" dirty="0"/>
           </a:p>
@@ -12828,64 +12869,74 @@
         <p:spPr/>
         <p:txBody>
           <a:bodyPr>
-            <a:normAutofit lnSpcReduction="10000"/>
+            <a:normAutofit fontScale="92500" lnSpcReduction="10000"/>
           </a:bodyPr>
           <a:lstStyle/>
           <a:p>
             <a:r>
               <a:rPr lang="en-NZ" dirty="0" smtClean="0"/>
-              <a:t>Lab Exercises: 30%</a:t>
+              <a:t>Java Server Faces</a:t>
             </a:r>
           </a:p>
           <a:p>
             <a:pPr lvl="1"/>
             <a:r>
               <a:rPr lang="en-NZ" dirty="0" smtClean="0"/>
-              <a:t>In class practical exercises due every week, can be submitted by email up to one week late.</a:t>
-            </a:r>
-          </a:p>
-          <a:p>
+              <a:t>Another Model View Controller framework</a:t>
+            </a:r>
+          </a:p>
+          <a:p>
+            <a:pPr lvl="1"/>
+            <a:r>
+              <a:rPr lang="en-NZ" dirty="0" smtClean="0"/>
+              <a:t>Component based and event oriented</a:t>
+            </a:r>
+          </a:p>
+          <a:p>
+            <a:pPr lvl="1"/>
+            <a:r>
+              <a:rPr lang="en-NZ" dirty="0" smtClean="0"/>
+              <a:t>Uses </a:t>
+            </a:r>
             <a:r>
               <a:rPr lang="en-NZ" dirty="0" err="1" smtClean="0"/>
-              <a:t>PeerWise</a:t>
-            </a:r>
-            <a:r>
-              <a:rPr lang="en-NZ" dirty="0" smtClean="0"/>
-              <a:t> Contribution: 10%</a:t>
+              <a:t>Facelets</a:t>
+            </a:r>
+            <a:r>
+              <a:rPr lang="en-NZ" dirty="0" smtClean="0"/>
+              <a:t> which is another presentation tech (similar to JSP)</a:t>
+            </a:r>
+          </a:p>
+          <a:p>
+            <a:r>
+              <a:rPr lang="en-NZ" dirty="0" smtClean="0"/>
+              <a:t>Hibernate</a:t>
             </a:r>
           </a:p>
           <a:p>
             <a:pPr lvl="1"/>
             <a:r>
               <a:rPr lang="en-NZ" dirty="0" smtClean="0"/>
-              <a:t>Online question / answer forum</a:t>
-            </a:r>
-          </a:p>
-          <a:p>
-            <a:r>
-              <a:rPr lang="en-NZ" dirty="0" smtClean="0"/>
-              <a:t>Assignment: 35%</a:t>
+              <a:t>Object-Relational Mapping between code and database</a:t>
             </a:r>
           </a:p>
           <a:p>
             <a:pPr lvl="1"/>
             <a:r>
               <a:rPr lang="en-NZ" dirty="0" smtClean="0"/>
-              <a:t>Two major assignments</a:t>
-            </a:r>
-          </a:p>
-          <a:p>
-            <a:r>
-              <a:rPr lang="en-NZ" dirty="0" smtClean="0"/>
-              <a:t>Final exam: 25%</a:t>
+              <a:t>Auto generates code and database mappings based on either class files or database schema</a:t>
             </a:r>
           </a:p>
           <a:p>
             <a:pPr lvl="1"/>
             <a:r>
               <a:rPr lang="en-NZ" dirty="0" smtClean="0"/>
-              <a:t>Code and theory</a:t>
-            </a:r>
+              <a:t>Saves lots of time as you do not have to embed SQL in your application</a:t>
+            </a:r>
+          </a:p>
+          <a:p>
+            <a:pPr lvl="1"/>
+            <a:endParaRPr lang="en-NZ" dirty="0"/>
           </a:p>
         </p:txBody>
       </p:sp>
@@ -12894,6 +12945,13 @@
   <p:clrMapOvr>
     <a:masterClrMapping/>
   </p:clrMapOvr>
+  <p:timing>
+    <p:tnLst>
+      <p:par>
+        <p:cTn id="1" dur="indefinite" restart="never" nodeType="tmRoot"/>
+      </p:par>
+    </p:tnLst>
+  </p:timing>
 </p:sld>
 </file>
 

--- a/Documents/Week 1/EnterpriseJava1.pptx
+++ b/Documents/Week 1/EnterpriseJava1.pptx
@@ -5,10 +5,10 @@
     <p:sldMasterId id="2147483648" r:id="rId1"/>
   </p:sldMasterIdLst>
   <p:notesMasterIdLst>
-    <p:notesMasterId r:id="rId34"/>
+    <p:notesMasterId r:id="rId36"/>
   </p:notesMasterIdLst>
   <p:handoutMasterIdLst>
-    <p:handoutMasterId r:id="rId35"/>
+    <p:handoutMasterId r:id="rId37"/>
   </p:handoutMasterIdLst>
   <p:sldIdLst>
     <p:sldId id="256" r:id="rId2"/>
@@ -18,31 +18,33 @@
     <p:sldId id="318" r:id="rId6"/>
     <p:sldId id="320" r:id="rId7"/>
     <p:sldId id="321" r:id="rId8"/>
-    <p:sldId id="319" r:id="rId9"/>
-    <p:sldId id="323" r:id="rId10"/>
-    <p:sldId id="324" r:id="rId11"/>
-    <p:sldId id="325" r:id="rId12"/>
-    <p:sldId id="347" r:id="rId13"/>
-    <p:sldId id="346" r:id="rId14"/>
-    <p:sldId id="327" r:id="rId15"/>
-    <p:sldId id="328" r:id="rId16"/>
-    <p:sldId id="329" r:id="rId17"/>
-    <p:sldId id="330" r:id="rId18"/>
-    <p:sldId id="331" r:id="rId19"/>
-    <p:sldId id="332" r:id="rId20"/>
-    <p:sldId id="333" r:id="rId21"/>
-    <p:sldId id="334" r:id="rId22"/>
-    <p:sldId id="335" r:id="rId23"/>
-    <p:sldId id="336" r:id="rId24"/>
-    <p:sldId id="337" r:id="rId25"/>
-    <p:sldId id="338" r:id="rId26"/>
-    <p:sldId id="339" r:id="rId27"/>
-    <p:sldId id="340" r:id="rId28"/>
-    <p:sldId id="341" r:id="rId29"/>
-    <p:sldId id="342" r:id="rId30"/>
-    <p:sldId id="344" r:id="rId31"/>
-    <p:sldId id="345" r:id="rId32"/>
-    <p:sldId id="322" r:id="rId33"/>
+    <p:sldId id="349" r:id="rId9"/>
+    <p:sldId id="350" r:id="rId10"/>
+    <p:sldId id="319" r:id="rId11"/>
+    <p:sldId id="323" r:id="rId12"/>
+    <p:sldId id="324" r:id="rId13"/>
+    <p:sldId id="325" r:id="rId14"/>
+    <p:sldId id="347" r:id="rId15"/>
+    <p:sldId id="346" r:id="rId16"/>
+    <p:sldId id="327" r:id="rId17"/>
+    <p:sldId id="328" r:id="rId18"/>
+    <p:sldId id="329" r:id="rId19"/>
+    <p:sldId id="330" r:id="rId20"/>
+    <p:sldId id="331" r:id="rId21"/>
+    <p:sldId id="332" r:id="rId22"/>
+    <p:sldId id="333" r:id="rId23"/>
+    <p:sldId id="334" r:id="rId24"/>
+    <p:sldId id="335" r:id="rId25"/>
+    <p:sldId id="336" r:id="rId26"/>
+    <p:sldId id="337" r:id="rId27"/>
+    <p:sldId id="338" r:id="rId28"/>
+    <p:sldId id="339" r:id="rId29"/>
+    <p:sldId id="340" r:id="rId30"/>
+    <p:sldId id="341" r:id="rId31"/>
+    <p:sldId id="342" r:id="rId32"/>
+    <p:sldId id="344" r:id="rId33"/>
+    <p:sldId id="345" r:id="rId34"/>
+    <p:sldId id="322" r:id="rId35"/>
   </p:sldIdLst>
   <p:sldSz cx="9144000" cy="6858000" type="screen4x3"/>
   <p:notesSz cx="6858000" cy="9144000"/>
@@ -139,6 +141,36 @@
     </a:lvl9pPr>
     <a:extLst/>
   </p:defaultTextStyle>
+  <p:extLst>
+    <p:ext uri="{EFAFB233-063F-42B5-8137-9DF3F51BA10A}">
+      <p15:sldGuideLst xmlns:p15="http://schemas.microsoft.com/office/powerpoint/2012/main">
+        <p15:guide id="1" orient="horz" pos="2160">
+          <p15:clr>
+            <a:srgbClr val="A4A3A4"/>
+          </p15:clr>
+        </p15:guide>
+        <p15:guide id="2" pos="2880">
+          <p15:clr>
+            <a:srgbClr val="A4A3A4"/>
+          </p15:clr>
+        </p15:guide>
+      </p15:sldGuideLst>
+    </p:ext>
+    <p:ext uri="{2D200454-40CA-4A62-9FC3-DE9A4176ACB9}">
+      <p15:notesGuideLst xmlns:p15="http://schemas.microsoft.com/office/powerpoint/2012/main">
+        <p15:guide id="1" orient="horz" pos="2880">
+          <p15:clr>
+            <a:srgbClr val="A4A3A4"/>
+          </p15:clr>
+        </p15:guide>
+        <p15:guide id="2" pos="2160">
+          <p15:clr>
+            <a:srgbClr val="A4A3A4"/>
+          </p15:clr>
+        </p15:guide>
+      </p15:notesGuideLst>
+    </p:ext>
+  </p:extLst>
 </p:presentation>
 </file>
 
@@ -225,7 +257,7 @@
             <a:fld id="{E613903A-B8B5-4602-B0B5-8C472DB8A55D}" type="datetimeFigureOut">
               <a:rPr lang="en-US" smtClean="0"/>
               <a:pPr/>
-              <a:t>2/26/2014</a:t>
+              <a:t>3/1/2015</a:t>
             </a:fld>
             <a:endParaRPr lang="en-NZ"/>
           </a:p>
@@ -301,7 +333,7 @@
     </p:spTree>
     <p:extLst>
       <p:ext uri="{BB962C8B-B14F-4D97-AF65-F5344CB8AC3E}">
-        <p14:creationId xmlns:p14="http://schemas.microsoft.com/office/powerpoint/2010/main" xmlns="" val="2781077519"/>
+        <p14:creationId xmlns:p14="http://schemas.microsoft.com/office/powerpoint/2010/main" val="2781077519"/>
       </p:ext>
     </p:extLst>
   </p:cSld>
@@ -394,7 +426,7 @@
             <a:fld id="{A8ADFD5B-A66C-449C-B6E8-FB716D07777D}" type="datetimeFigureOut">
               <a:rPr lang="en-US" smtClean="0"/>
               <a:pPr/>
-              <a:t>2/26/2014</a:t>
+              <a:t>3/1/2015</a:t>
             </a:fld>
             <a:endParaRPr lang="en-US"/>
           </a:p>
@@ -572,7 +604,7 @@
     </p:spTree>
     <p:extLst>
       <p:ext uri="{BB962C8B-B14F-4D97-AF65-F5344CB8AC3E}">
-        <p14:creationId xmlns:p14="http://schemas.microsoft.com/office/powerpoint/2010/main" xmlns="" val="3228770503"/>
+        <p14:creationId xmlns:p14="http://schemas.microsoft.com/office/powerpoint/2010/main" val="3228770503"/>
       </p:ext>
     </p:extLst>
   </p:cSld>
@@ -755,6 +787,11 @@
         </p:txBody>
       </p:sp>
     </p:spTree>
+    <p:extLst>
+      <p:ext uri="{BB962C8B-B14F-4D97-AF65-F5344CB8AC3E}">
+        <p14:creationId xmlns:p14="http://schemas.microsoft.com/office/powerpoint/2010/main" val="474539377"/>
+      </p:ext>
+    </p:extLst>
   </p:cSld>
   <p:clrMapOvr>
     <a:masterClrMapping/>
@@ -830,13 +867,18 @@
             <a:fld id="{CA5D3BF3-D352-46FC-8343-31F56E6730EA}" type="slidenum">
               <a:rPr lang="en-US" smtClean="0"/>
               <a:pPr/>
-              <a:t>11</a:t>
+              <a:t>13</a:t>
             </a:fld>
             <a:endParaRPr lang="en-US"/>
           </a:p>
         </p:txBody>
       </p:sp>
     </p:spTree>
+    <p:extLst>
+      <p:ext uri="{BB962C8B-B14F-4D97-AF65-F5344CB8AC3E}">
+        <p14:creationId xmlns:p14="http://schemas.microsoft.com/office/powerpoint/2010/main" val="1318261584"/>
+      </p:ext>
+    </p:extLst>
   </p:cSld>
   <p:clrMapOvr>
     <a:masterClrMapping/>
@@ -912,13 +954,18 @@
             <a:fld id="{CA5D3BF3-D352-46FC-8343-31F56E6730EA}" type="slidenum">
               <a:rPr lang="en-US" smtClean="0"/>
               <a:pPr/>
-              <a:t>12</a:t>
+              <a:t>14</a:t>
             </a:fld>
             <a:endParaRPr lang="en-US"/>
           </a:p>
         </p:txBody>
       </p:sp>
     </p:spTree>
+    <p:extLst>
+      <p:ext uri="{BB962C8B-B14F-4D97-AF65-F5344CB8AC3E}">
+        <p14:creationId xmlns:p14="http://schemas.microsoft.com/office/powerpoint/2010/main" val="2110589201"/>
+      </p:ext>
+    </p:extLst>
   </p:cSld>
   <p:clrMapOvr>
     <a:masterClrMapping/>
@@ -994,13 +1041,18 @@
             <a:fld id="{CA5D3BF3-D352-46FC-8343-31F56E6730EA}" type="slidenum">
               <a:rPr lang="en-US" smtClean="0"/>
               <a:pPr/>
-              <a:t>13</a:t>
+              <a:t>15</a:t>
             </a:fld>
             <a:endParaRPr lang="en-US"/>
           </a:p>
         </p:txBody>
       </p:sp>
     </p:spTree>
+    <p:extLst>
+      <p:ext uri="{BB962C8B-B14F-4D97-AF65-F5344CB8AC3E}">
+        <p14:creationId xmlns:p14="http://schemas.microsoft.com/office/powerpoint/2010/main" val="370203909"/>
+      </p:ext>
+    </p:extLst>
   </p:cSld>
   <p:clrMapOvr>
     <a:masterClrMapping/>
@@ -1076,13 +1128,18 @@
             <a:fld id="{CA5D3BF3-D352-46FC-8343-31F56E6730EA}" type="slidenum">
               <a:rPr lang="en-US" smtClean="0"/>
               <a:pPr/>
-              <a:t>14</a:t>
+              <a:t>16</a:t>
             </a:fld>
             <a:endParaRPr lang="en-US"/>
           </a:p>
         </p:txBody>
       </p:sp>
     </p:spTree>
+    <p:extLst>
+      <p:ext uri="{BB962C8B-B14F-4D97-AF65-F5344CB8AC3E}">
+        <p14:creationId xmlns:p14="http://schemas.microsoft.com/office/powerpoint/2010/main" val="4074716680"/>
+      </p:ext>
+    </p:extLst>
   </p:cSld>
   <p:clrMapOvr>
     <a:masterClrMapping/>
@@ -1158,13 +1215,18 @@
             <a:fld id="{CA5D3BF3-D352-46FC-8343-31F56E6730EA}" type="slidenum">
               <a:rPr lang="en-US" smtClean="0"/>
               <a:pPr/>
-              <a:t>15</a:t>
+              <a:t>17</a:t>
             </a:fld>
             <a:endParaRPr lang="en-US"/>
           </a:p>
         </p:txBody>
       </p:sp>
     </p:spTree>
+    <p:extLst>
+      <p:ext uri="{BB962C8B-B14F-4D97-AF65-F5344CB8AC3E}">
+        <p14:creationId xmlns:p14="http://schemas.microsoft.com/office/powerpoint/2010/main" val="2287132733"/>
+      </p:ext>
+    </p:extLst>
   </p:cSld>
   <p:clrMapOvr>
     <a:masterClrMapping/>
@@ -1240,13 +1302,18 @@
             <a:fld id="{CA5D3BF3-D352-46FC-8343-31F56E6730EA}" type="slidenum">
               <a:rPr lang="en-US" smtClean="0"/>
               <a:pPr/>
-              <a:t>16</a:t>
+              <a:t>18</a:t>
             </a:fld>
             <a:endParaRPr lang="en-US"/>
           </a:p>
         </p:txBody>
       </p:sp>
     </p:spTree>
+    <p:extLst>
+      <p:ext uri="{BB962C8B-B14F-4D97-AF65-F5344CB8AC3E}">
+        <p14:creationId xmlns:p14="http://schemas.microsoft.com/office/powerpoint/2010/main" val="701840018"/>
+      </p:ext>
+    </p:extLst>
   </p:cSld>
   <p:clrMapOvr>
     <a:masterClrMapping/>
@@ -1322,13 +1389,18 @@
             <a:fld id="{CA5D3BF3-D352-46FC-8343-31F56E6730EA}" type="slidenum">
               <a:rPr lang="en-US" smtClean="0"/>
               <a:pPr/>
-              <a:t>17</a:t>
+              <a:t>19</a:t>
             </a:fld>
             <a:endParaRPr lang="en-US"/>
           </a:p>
         </p:txBody>
       </p:sp>
     </p:spTree>
+    <p:extLst>
+      <p:ext uri="{BB962C8B-B14F-4D97-AF65-F5344CB8AC3E}">
+        <p14:creationId xmlns:p14="http://schemas.microsoft.com/office/powerpoint/2010/main" val="1887730764"/>
+      </p:ext>
+    </p:extLst>
   </p:cSld>
   <p:clrMapOvr>
     <a:masterClrMapping/>
@@ -1404,13 +1476,18 @@
             <a:fld id="{CA5D3BF3-D352-46FC-8343-31F56E6730EA}" type="slidenum">
               <a:rPr lang="en-US" smtClean="0"/>
               <a:pPr/>
-              <a:t>18</a:t>
+              <a:t>20</a:t>
             </a:fld>
             <a:endParaRPr lang="en-US"/>
           </a:p>
         </p:txBody>
       </p:sp>
     </p:spTree>
+    <p:extLst>
+      <p:ext uri="{BB962C8B-B14F-4D97-AF65-F5344CB8AC3E}">
+        <p14:creationId xmlns:p14="http://schemas.microsoft.com/office/powerpoint/2010/main" val="2651337085"/>
+      </p:ext>
+    </p:extLst>
   </p:cSld>
   <p:clrMapOvr>
     <a:masterClrMapping/>
@@ -1486,13 +1563,18 @@
             <a:fld id="{CA5D3BF3-D352-46FC-8343-31F56E6730EA}" type="slidenum">
               <a:rPr lang="en-US" smtClean="0"/>
               <a:pPr/>
-              <a:t>19</a:t>
+              <a:t>21</a:t>
             </a:fld>
             <a:endParaRPr lang="en-US"/>
           </a:p>
         </p:txBody>
       </p:sp>
     </p:spTree>
+    <p:extLst>
+      <p:ext uri="{BB962C8B-B14F-4D97-AF65-F5344CB8AC3E}">
+        <p14:creationId xmlns:p14="http://schemas.microsoft.com/office/powerpoint/2010/main" val="1720652621"/>
+      </p:ext>
+    </p:extLst>
   </p:cSld>
   <p:clrMapOvr>
     <a:masterClrMapping/>
@@ -1568,13 +1650,18 @@
             <a:fld id="{CA5D3BF3-D352-46FC-8343-31F56E6730EA}" type="slidenum">
               <a:rPr lang="en-US" smtClean="0"/>
               <a:pPr/>
-              <a:t>20</a:t>
+              <a:t>22</a:t>
             </a:fld>
             <a:endParaRPr lang="en-US"/>
           </a:p>
         </p:txBody>
       </p:sp>
     </p:spTree>
+    <p:extLst>
+      <p:ext uri="{BB962C8B-B14F-4D97-AF65-F5344CB8AC3E}">
+        <p14:creationId xmlns:p14="http://schemas.microsoft.com/office/powerpoint/2010/main" val="2676953995"/>
+      </p:ext>
+    </p:extLst>
   </p:cSld>
   <p:clrMapOvr>
     <a:masterClrMapping/>
@@ -1657,6 +1744,11 @@
         </p:txBody>
       </p:sp>
     </p:spTree>
+    <p:extLst>
+      <p:ext uri="{BB962C8B-B14F-4D97-AF65-F5344CB8AC3E}">
+        <p14:creationId xmlns:p14="http://schemas.microsoft.com/office/powerpoint/2010/main" val="3737732031"/>
+      </p:ext>
+    </p:extLst>
   </p:cSld>
   <p:clrMapOvr>
     <a:masterClrMapping/>
@@ -1732,13 +1824,18 @@
             <a:fld id="{CA5D3BF3-D352-46FC-8343-31F56E6730EA}" type="slidenum">
               <a:rPr lang="en-US" smtClean="0"/>
               <a:pPr/>
-              <a:t>21</a:t>
+              <a:t>23</a:t>
             </a:fld>
             <a:endParaRPr lang="en-US"/>
           </a:p>
         </p:txBody>
       </p:sp>
     </p:spTree>
+    <p:extLst>
+      <p:ext uri="{BB962C8B-B14F-4D97-AF65-F5344CB8AC3E}">
+        <p14:creationId xmlns:p14="http://schemas.microsoft.com/office/powerpoint/2010/main" val="3853853734"/>
+      </p:ext>
+    </p:extLst>
   </p:cSld>
   <p:clrMapOvr>
     <a:masterClrMapping/>
@@ -1814,13 +1911,18 @@
             <a:fld id="{CA5D3BF3-D352-46FC-8343-31F56E6730EA}" type="slidenum">
               <a:rPr lang="en-US" smtClean="0"/>
               <a:pPr/>
-              <a:t>22</a:t>
+              <a:t>24</a:t>
             </a:fld>
             <a:endParaRPr lang="en-US"/>
           </a:p>
         </p:txBody>
       </p:sp>
     </p:spTree>
+    <p:extLst>
+      <p:ext uri="{BB962C8B-B14F-4D97-AF65-F5344CB8AC3E}">
+        <p14:creationId xmlns:p14="http://schemas.microsoft.com/office/powerpoint/2010/main" val="558243557"/>
+      </p:ext>
+    </p:extLst>
   </p:cSld>
   <p:clrMapOvr>
     <a:masterClrMapping/>
@@ -1896,13 +1998,18 @@
             <a:fld id="{CA5D3BF3-D352-46FC-8343-31F56E6730EA}" type="slidenum">
               <a:rPr lang="en-US" smtClean="0"/>
               <a:pPr/>
-              <a:t>23</a:t>
+              <a:t>25</a:t>
             </a:fld>
             <a:endParaRPr lang="en-US"/>
           </a:p>
         </p:txBody>
       </p:sp>
     </p:spTree>
+    <p:extLst>
+      <p:ext uri="{BB962C8B-B14F-4D97-AF65-F5344CB8AC3E}">
+        <p14:creationId xmlns:p14="http://schemas.microsoft.com/office/powerpoint/2010/main" val="486273172"/>
+      </p:ext>
+    </p:extLst>
   </p:cSld>
   <p:clrMapOvr>
     <a:masterClrMapping/>
@@ -1978,13 +2085,18 @@
             <a:fld id="{CA5D3BF3-D352-46FC-8343-31F56E6730EA}" type="slidenum">
               <a:rPr lang="en-US" smtClean="0"/>
               <a:pPr/>
-              <a:t>24</a:t>
+              <a:t>26</a:t>
             </a:fld>
             <a:endParaRPr lang="en-US"/>
           </a:p>
         </p:txBody>
       </p:sp>
     </p:spTree>
+    <p:extLst>
+      <p:ext uri="{BB962C8B-B14F-4D97-AF65-F5344CB8AC3E}">
+        <p14:creationId xmlns:p14="http://schemas.microsoft.com/office/powerpoint/2010/main" val="1349716805"/>
+      </p:ext>
+    </p:extLst>
   </p:cSld>
   <p:clrMapOvr>
     <a:masterClrMapping/>
@@ -2060,13 +2172,18 @@
             <a:fld id="{CA5D3BF3-D352-46FC-8343-31F56E6730EA}" type="slidenum">
               <a:rPr lang="en-US" smtClean="0"/>
               <a:pPr/>
-              <a:t>25</a:t>
+              <a:t>27</a:t>
             </a:fld>
             <a:endParaRPr lang="en-US"/>
           </a:p>
         </p:txBody>
       </p:sp>
     </p:spTree>
+    <p:extLst>
+      <p:ext uri="{BB962C8B-B14F-4D97-AF65-F5344CB8AC3E}">
+        <p14:creationId xmlns:p14="http://schemas.microsoft.com/office/powerpoint/2010/main" val="46232585"/>
+      </p:ext>
+    </p:extLst>
   </p:cSld>
   <p:clrMapOvr>
     <a:masterClrMapping/>
@@ -2142,13 +2259,18 @@
             <a:fld id="{CA5D3BF3-D352-46FC-8343-31F56E6730EA}" type="slidenum">
               <a:rPr lang="en-US" smtClean="0"/>
               <a:pPr/>
-              <a:t>26</a:t>
+              <a:t>28</a:t>
             </a:fld>
             <a:endParaRPr lang="en-US"/>
           </a:p>
         </p:txBody>
       </p:sp>
     </p:spTree>
+    <p:extLst>
+      <p:ext uri="{BB962C8B-B14F-4D97-AF65-F5344CB8AC3E}">
+        <p14:creationId xmlns:p14="http://schemas.microsoft.com/office/powerpoint/2010/main" val="4029220277"/>
+      </p:ext>
+    </p:extLst>
   </p:cSld>
   <p:clrMapOvr>
     <a:masterClrMapping/>
@@ -2224,13 +2346,18 @@
             <a:fld id="{CA5D3BF3-D352-46FC-8343-31F56E6730EA}" type="slidenum">
               <a:rPr lang="en-US" smtClean="0"/>
               <a:pPr/>
-              <a:t>27</a:t>
+              <a:t>29</a:t>
             </a:fld>
             <a:endParaRPr lang="en-US"/>
           </a:p>
         </p:txBody>
       </p:sp>
     </p:spTree>
+    <p:extLst>
+      <p:ext uri="{BB962C8B-B14F-4D97-AF65-F5344CB8AC3E}">
+        <p14:creationId xmlns:p14="http://schemas.microsoft.com/office/powerpoint/2010/main" val="1827262464"/>
+      </p:ext>
+    </p:extLst>
   </p:cSld>
   <p:clrMapOvr>
     <a:masterClrMapping/>
@@ -2306,13 +2433,18 @@
             <a:fld id="{CA5D3BF3-D352-46FC-8343-31F56E6730EA}" type="slidenum">
               <a:rPr lang="en-US" smtClean="0"/>
               <a:pPr/>
-              <a:t>28</a:t>
+              <a:t>30</a:t>
             </a:fld>
             <a:endParaRPr lang="en-US"/>
           </a:p>
         </p:txBody>
       </p:sp>
     </p:spTree>
+    <p:extLst>
+      <p:ext uri="{BB962C8B-B14F-4D97-AF65-F5344CB8AC3E}">
+        <p14:creationId xmlns:p14="http://schemas.microsoft.com/office/powerpoint/2010/main" val="2837279911"/>
+      </p:ext>
+    </p:extLst>
   </p:cSld>
   <p:clrMapOvr>
     <a:masterClrMapping/>
@@ -2388,13 +2520,18 @@
             <a:fld id="{CA5D3BF3-D352-46FC-8343-31F56E6730EA}" type="slidenum">
               <a:rPr lang="en-US" smtClean="0"/>
               <a:pPr/>
-              <a:t>29</a:t>
+              <a:t>31</a:t>
             </a:fld>
             <a:endParaRPr lang="en-US"/>
           </a:p>
         </p:txBody>
       </p:sp>
     </p:spTree>
+    <p:extLst>
+      <p:ext uri="{BB962C8B-B14F-4D97-AF65-F5344CB8AC3E}">
+        <p14:creationId xmlns:p14="http://schemas.microsoft.com/office/powerpoint/2010/main" val="3240595689"/>
+      </p:ext>
+    </p:extLst>
   </p:cSld>
   <p:clrMapOvr>
     <a:masterClrMapping/>
@@ -2470,13 +2607,18 @@
             <a:fld id="{CA5D3BF3-D352-46FC-8343-31F56E6730EA}" type="slidenum">
               <a:rPr lang="en-US" smtClean="0"/>
               <a:pPr/>
-              <a:t>30</a:t>
+              <a:t>32</a:t>
             </a:fld>
             <a:endParaRPr lang="en-US"/>
           </a:p>
         </p:txBody>
       </p:sp>
     </p:spTree>
+    <p:extLst>
+      <p:ext uri="{BB962C8B-B14F-4D97-AF65-F5344CB8AC3E}">
+        <p14:creationId xmlns:p14="http://schemas.microsoft.com/office/powerpoint/2010/main" val="3774431126"/>
+      </p:ext>
+    </p:extLst>
   </p:cSld>
   <p:clrMapOvr>
     <a:masterClrMapping/>
@@ -2528,6 +2670,11 @@
         </p:txBody>
       </p:sp>
     </p:spTree>
+    <p:extLst>
+      <p:ext uri="{BB962C8B-B14F-4D97-AF65-F5344CB8AC3E}">
+        <p14:creationId xmlns:p14="http://schemas.microsoft.com/office/powerpoint/2010/main" val="2040502961"/>
+      </p:ext>
+    </p:extLst>
   </p:cSld>
   <p:clrMapOvr>
     <a:masterClrMapping/>
@@ -2603,13 +2750,18 @@
             <a:fld id="{CA5D3BF3-D352-46FC-8343-31F56E6730EA}" type="slidenum">
               <a:rPr lang="en-US" smtClean="0"/>
               <a:pPr/>
-              <a:t>31</a:t>
+              <a:t>33</a:t>
             </a:fld>
             <a:endParaRPr lang="en-US"/>
           </a:p>
         </p:txBody>
       </p:sp>
     </p:spTree>
+    <p:extLst>
+      <p:ext uri="{BB962C8B-B14F-4D97-AF65-F5344CB8AC3E}">
+        <p14:creationId xmlns:p14="http://schemas.microsoft.com/office/powerpoint/2010/main" val="707738039"/>
+      </p:ext>
+    </p:extLst>
   </p:cSld>
   <p:clrMapOvr>
     <a:masterClrMapping/>
@@ -2685,13 +2837,18 @@
             <a:fld id="{CA5D3BF3-D352-46FC-8343-31F56E6730EA}" type="slidenum">
               <a:rPr lang="en-US" smtClean="0"/>
               <a:pPr/>
-              <a:t>32</a:t>
+              <a:t>34</a:t>
             </a:fld>
             <a:endParaRPr lang="en-US"/>
           </a:p>
         </p:txBody>
       </p:sp>
     </p:spTree>
+    <p:extLst>
+      <p:ext uri="{BB962C8B-B14F-4D97-AF65-F5344CB8AC3E}">
+        <p14:creationId xmlns:p14="http://schemas.microsoft.com/office/powerpoint/2010/main" val="1395162077"/>
+      </p:ext>
+    </p:extLst>
   </p:cSld>
   <p:clrMapOvr>
     <a:masterClrMapping/>
@@ -2774,6 +2931,11 @@
         </p:txBody>
       </p:sp>
     </p:spTree>
+    <p:extLst>
+      <p:ext uri="{BB962C8B-B14F-4D97-AF65-F5344CB8AC3E}">
+        <p14:creationId xmlns:p14="http://schemas.microsoft.com/office/powerpoint/2010/main" val="1056849589"/>
+      </p:ext>
+    </p:extLst>
   </p:cSld>
   <p:clrMapOvr>
     <a:masterClrMapping/>
@@ -2856,6 +3018,11 @@
         </p:txBody>
       </p:sp>
     </p:spTree>
+    <p:extLst>
+      <p:ext uri="{BB962C8B-B14F-4D97-AF65-F5344CB8AC3E}">
+        <p14:creationId xmlns:p14="http://schemas.microsoft.com/office/powerpoint/2010/main" val="2764021992"/>
+      </p:ext>
+    </p:extLst>
   </p:cSld>
   <p:clrMapOvr>
     <a:masterClrMapping/>
@@ -2938,6 +3105,11 @@
         </p:txBody>
       </p:sp>
     </p:spTree>
+    <p:extLst>
+      <p:ext uri="{BB962C8B-B14F-4D97-AF65-F5344CB8AC3E}">
+        <p14:creationId xmlns:p14="http://schemas.microsoft.com/office/powerpoint/2010/main" val="259806567"/>
+      </p:ext>
+    </p:extLst>
   </p:cSld>
   <p:clrMapOvr>
     <a:masterClrMapping/>
@@ -3013,13 +3185,18 @@
             <a:fld id="{CA5D3BF3-D352-46FC-8343-31F56E6730EA}" type="slidenum">
               <a:rPr lang="en-US" smtClean="0"/>
               <a:pPr/>
-              <a:t>8</a:t>
+              <a:t>10</a:t>
             </a:fld>
             <a:endParaRPr lang="en-US"/>
           </a:p>
         </p:txBody>
       </p:sp>
     </p:spTree>
+    <p:extLst>
+      <p:ext uri="{BB962C8B-B14F-4D97-AF65-F5344CB8AC3E}">
+        <p14:creationId xmlns:p14="http://schemas.microsoft.com/office/powerpoint/2010/main" val="2040113052"/>
+      </p:ext>
+    </p:extLst>
   </p:cSld>
   <p:clrMapOvr>
     <a:masterClrMapping/>
@@ -3095,13 +3272,18 @@
             <a:fld id="{CA5D3BF3-D352-46FC-8343-31F56E6730EA}" type="slidenum">
               <a:rPr lang="en-US" smtClean="0"/>
               <a:pPr/>
-              <a:t>9</a:t>
+              <a:t>11</a:t>
             </a:fld>
             <a:endParaRPr lang="en-US"/>
           </a:p>
         </p:txBody>
       </p:sp>
     </p:spTree>
+    <p:extLst>
+      <p:ext uri="{BB962C8B-B14F-4D97-AF65-F5344CB8AC3E}">
+        <p14:creationId xmlns:p14="http://schemas.microsoft.com/office/powerpoint/2010/main" val="3758604987"/>
+      </p:ext>
+    </p:extLst>
   </p:cSld>
   <p:clrMapOvr>
     <a:masterClrMapping/>
@@ -3177,13 +3359,18 @@
             <a:fld id="{CA5D3BF3-D352-46FC-8343-31F56E6730EA}" type="slidenum">
               <a:rPr lang="en-US" smtClean="0"/>
               <a:pPr/>
-              <a:t>10</a:t>
+              <a:t>12</a:t>
             </a:fld>
             <a:endParaRPr lang="en-US"/>
           </a:p>
         </p:txBody>
       </p:sp>
     </p:spTree>
+    <p:extLst>
+      <p:ext uri="{BB962C8B-B14F-4D97-AF65-F5344CB8AC3E}">
+        <p14:creationId xmlns:p14="http://schemas.microsoft.com/office/powerpoint/2010/main" val="4153657504"/>
+      </p:ext>
+    </p:extLst>
   </p:cSld>
   <p:clrMapOvr>
     <a:masterClrMapping/>
@@ -3462,7 +3649,7 @@
                 </a:solidFill>
               </a:rPr>
               <a:pPr algn="ctr"/>
-              <a:t>2/26/2014</a:t>
+              <a:t>3/1/2015</a:t>
             </a:fld>
             <a:endParaRPr lang="en-US" sz="2000" dirty="0">
               <a:solidFill>
@@ -3931,7 +4118,7 @@
             <a:fld id="{1AD18AD3-3CE8-43DF-9519-0CE09E5A5B13}" type="datetime1">
               <a:rPr lang="en-US" smtClean="0"/>
               <a:pPr/>
-              <a:t>2/26/2014</a:t>
+              <a:t>3/1/2015</a:t>
             </a:fld>
             <a:endParaRPr lang="en-US"/>
           </a:p>
@@ -4436,7 +4623,7 @@
             <a:fld id="{A4F74A13-0F99-4BDF-830A-2C64F08FBEA2}" type="datetime1">
               <a:rPr lang="en-US" smtClean="0"/>
               <a:pPr/>
-              <a:t>2/26/2014</a:t>
+              <a:t>3/1/2015</a:t>
             </a:fld>
             <a:endParaRPr lang="en-US"/>
           </a:p>
@@ -4700,7 +4887,7 @@
             <a:fld id="{AAD27745-9C0E-4338-8AE1-C73B2B0AE541}" type="datetime1">
               <a:rPr lang="en-US" smtClean="0"/>
               <a:pPr/>
-              <a:t>2/26/2014</a:t>
+              <a:t>3/1/2015</a:t>
             </a:fld>
             <a:endParaRPr lang="en-US"/>
           </a:p>
@@ -4960,7 +5147,7 @@
             <a:fld id="{AB7A63FC-A3AF-487E-B6EE-07AF4A4C83CD}" type="datetime1">
               <a:rPr lang="en-US" smtClean="0"/>
               <a:pPr/>
-              <a:t>2/26/2014</a:t>
+              <a:t>3/1/2015</a:t>
             </a:fld>
             <a:endParaRPr lang="en-US"/>
           </a:p>
@@ -5174,7 +5361,7 @@
             <a:fld id="{072F2C37-0788-4C48-A1F0-02CF2F89760A}" type="datetime1">
               <a:rPr lang="en-US" smtClean="0"/>
               <a:pPr/>
-              <a:t>2/26/2014</a:t>
+              <a:t>3/1/2015</a:t>
             </a:fld>
             <a:endParaRPr lang="en-US"/>
           </a:p>
@@ -5279,7 +5466,7 @@
             <a:fld id="{1971D7C2-ECDD-4253-A46B-5D73BD5CD815}" type="datetime1">
               <a:rPr lang="en-US" smtClean="0"/>
               <a:pPr/>
-              <a:t>2/26/2014</a:t>
+              <a:t>3/1/2015</a:t>
             </a:fld>
             <a:endParaRPr lang="en-US"/>
           </a:p>
@@ -5431,7 +5618,7 @@
             <a:fld id="{CE9E1F25-5926-42E7-9751-02D2D00C352F}" type="datetime1">
               <a:rPr lang="en-US" smtClean="0"/>
               <a:pPr/>
-              <a:t>2/26/2014</a:t>
+              <a:t>3/1/2015</a:t>
             </a:fld>
             <a:endParaRPr lang="en-US"/>
           </a:p>
@@ -6019,7 +6206,7 @@
             <a:fld id="{E3965B5F-D443-40C1-9BB4-E8FD76C1056C}" type="datetime1">
               <a:rPr lang="en-US" smtClean="0"/>
               <a:pPr/>
-              <a:t>2/26/2014</a:t>
+              <a:t>3/1/2015</a:t>
             </a:fld>
             <a:endParaRPr lang="en-US"/>
           </a:p>
@@ -6219,7 +6406,7 @@
             <a:fld id="{A9F4B5FD-BA4E-4BA2-81DF-2BA71E9EE121}" type="datetime1">
               <a:rPr lang="en-US" smtClean="0"/>
               <a:pPr/>
-              <a:t>2/26/2014</a:t>
+              <a:t>3/1/2015</a:t>
             </a:fld>
             <a:endParaRPr lang="en-US" sz="1400" dirty="0">
               <a:solidFill>
@@ -6977,59 +7164,60 @@
         </p:nvSpPr>
         <p:spPr/>
         <p:txBody>
-          <a:bodyPr/>
+          <a:bodyPr>
+            <a:normAutofit/>
+          </a:bodyPr>
           <a:lstStyle/>
           <a:p>
             <a:r>
               <a:rPr lang="en-NZ" dirty="0" smtClean="0"/>
-              <a:t>Spring Framework</a:t>
-            </a:r>
+              <a:t>Web Interfaces</a:t>
+            </a:r>
+            <a:endParaRPr lang="en-NZ" dirty="0" smtClean="0"/>
           </a:p>
           <a:p>
             <a:pPr lvl="1"/>
             <a:r>
-              <a:rPr lang="en-NZ" dirty="0" smtClean="0"/>
-              <a:t>Acts as a router for different system components</a:t>
-            </a:r>
+              <a:rPr lang="en-NZ" dirty="0" err="1" smtClean="0"/>
+              <a:t>AngularJS</a:t>
+            </a:r>
+            <a:endParaRPr lang="en-NZ" dirty="0" smtClean="0"/>
           </a:p>
           <a:p>
             <a:pPr lvl="1"/>
             <a:r>
-              <a:rPr lang="en-NZ" dirty="0" smtClean="0"/>
-              <a:t>Looks at class / method properties using Java Reflection</a:t>
-            </a:r>
-          </a:p>
-          <a:p>
-            <a:pPr lvl="1"/>
-            <a:r>
-              <a:rPr lang="en-NZ" dirty="0" smtClean="0"/>
-              <a:t>Objects bound at runtime instead of at compile time</a:t>
-            </a:r>
-          </a:p>
-          <a:p>
-            <a:pPr lvl="2"/>
-            <a:r>
-              <a:rPr lang="en-NZ" dirty="0" smtClean="0"/>
-              <a:t>Allows system components to be swapped</a:t>
-            </a:r>
-          </a:p>
-          <a:p>
-            <a:pPr lvl="2"/>
-            <a:r>
-              <a:rPr lang="en-NZ" dirty="0" smtClean="0"/>
-              <a:t>Allows testing using mock objects</a:t>
-            </a:r>
-          </a:p>
-          <a:p>
-            <a:pPr lvl="1"/>
-            <a:r>
-              <a:rPr lang="en-NZ" dirty="0" smtClean="0"/>
-              <a:t>Handles transactions and data access layer</a:t>
-            </a:r>
-          </a:p>
-          <a:p>
-            <a:pPr lvl="1"/>
+              <a:rPr lang="en-NZ" dirty="0" err="1" smtClean="0"/>
+              <a:t>SpringMVC</a:t>
+            </a:r>
             <a:endParaRPr lang="en-NZ" dirty="0"/>
+          </a:p>
+        </p:txBody>
+      </p:sp>
+      <p:sp>
+        <p:nvSpPr>
+          <p:cNvPr id="4" name="Rectangle 3"/>
+          <p:cNvSpPr/>
+          <p:nvPr/>
+        </p:nvSpPr>
+        <p:spPr>
+          <a:xfrm>
+            <a:off x="4163862" y="6021288"/>
+            <a:ext cx="4572000" cy="646331"/>
+          </a:xfrm>
+          <a:prstGeom prst="rect">
+            <a:avLst/>
+          </a:prstGeom>
+        </p:spPr>
+        <p:txBody>
+          <a:bodyPr>
+            <a:spAutoFit/>
+          </a:bodyPr>
+          <a:lstStyle/>
+          <a:p>
+            <a:r>
+              <a:rPr lang="en-AU" dirty="0"/>
+              <a:t>http://vitalflux.com/java-top-10-java-based-web-development-frameworks-2014-2015/</a:t>
+            </a:r>
           </a:p>
         </p:txBody>
       </p:sp>
@@ -7101,88 +7289,49 @@
         <p:spPr/>
         <p:txBody>
           <a:bodyPr>
-            <a:normAutofit fontScale="92500" lnSpcReduction="10000"/>
+            <a:normAutofit/>
           </a:bodyPr>
           <a:lstStyle/>
           <a:p>
             <a:r>
               <a:rPr lang="en-NZ" dirty="0" smtClean="0"/>
+              <a:t>Hibernate</a:t>
+            </a:r>
+            <a:endParaRPr lang="en-NZ" dirty="0" smtClean="0"/>
+          </a:p>
+          <a:p>
+            <a:pPr lvl="1"/>
+            <a:r>
+              <a:rPr lang="en-NZ" dirty="0" smtClean="0"/>
+              <a:t>Object-Relational Mapping between code and database</a:t>
+            </a:r>
+          </a:p>
+          <a:p>
+            <a:pPr lvl="1"/>
+            <a:r>
+              <a:rPr lang="en-NZ" dirty="0" smtClean="0"/>
+              <a:t>Auto generates code and database mappings based on either class files or database schema</a:t>
+            </a:r>
+          </a:p>
+          <a:p>
+            <a:pPr lvl="1"/>
+            <a:r>
+              <a:rPr lang="en-NZ" dirty="0" smtClean="0"/>
+              <a:t>Saves lots of time as you do not have to embed SQL in your application</a:t>
+            </a:r>
+          </a:p>
+          <a:p>
+            <a:r>
+              <a:rPr lang="en-NZ" dirty="0"/>
               <a:t>Socket Programming</a:t>
             </a:r>
           </a:p>
           <a:p>
             <a:pPr lvl="1"/>
             <a:r>
-              <a:rPr lang="en-NZ" dirty="0" smtClean="0"/>
+              <a:rPr lang="en-NZ"/>
               <a:t>Synchronous and Asynchronous Sockets</a:t>
             </a:r>
-          </a:p>
-          <a:p>
-            <a:r>
-              <a:rPr lang="en-NZ" dirty="0" smtClean="0"/>
-              <a:t>Java Enterprise Edition</a:t>
-            </a:r>
-          </a:p>
-          <a:p>
-            <a:pPr lvl="1"/>
-            <a:r>
-              <a:rPr lang="en-NZ" dirty="0" smtClean="0"/>
-              <a:t>Servers like </a:t>
-            </a:r>
-            <a:r>
-              <a:rPr lang="en-NZ" dirty="0" err="1" smtClean="0"/>
-              <a:t>Jboss</a:t>
-            </a:r>
-            <a:endParaRPr lang="en-NZ" dirty="0" smtClean="0"/>
-          </a:p>
-          <a:p>
-            <a:pPr lvl="1"/>
-            <a:r>
-              <a:rPr lang="en-NZ" dirty="0" smtClean="0"/>
-              <a:t>Java Beans</a:t>
-            </a:r>
-          </a:p>
-          <a:p>
-            <a:r>
-              <a:rPr lang="en-NZ" dirty="0" smtClean="0"/>
-              <a:t>Mule – Enterprise Service Bus</a:t>
-            </a:r>
-          </a:p>
-          <a:p>
-            <a:pPr lvl="1"/>
-            <a:r>
-              <a:rPr lang="en-NZ" dirty="0" smtClean="0"/>
-              <a:t>Event-driven batching system</a:t>
-            </a:r>
-          </a:p>
-          <a:p>
-            <a:r>
-              <a:rPr lang="en-NZ" dirty="0" smtClean="0"/>
-              <a:t>Reports</a:t>
-            </a:r>
-          </a:p>
-          <a:p>
-            <a:pPr lvl="1"/>
-            <a:r>
-              <a:rPr lang="en-NZ" dirty="0" smtClean="0"/>
-              <a:t>BIRT</a:t>
-            </a:r>
-          </a:p>
-          <a:p>
-            <a:pPr lvl="1"/>
-            <a:r>
-              <a:rPr lang="en-NZ" dirty="0" smtClean="0"/>
-              <a:t>Jasper Reports</a:t>
-            </a:r>
-          </a:p>
-          <a:p>
-            <a:endParaRPr lang="en-NZ" dirty="0" smtClean="0"/>
-          </a:p>
-          <a:p>
-            <a:pPr>
-              <a:buNone/>
-            </a:pPr>
-            <a:endParaRPr lang="en-NZ" dirty="0" smtClean="0"/>
           </a:p>
           <a:p>
             <a:pPr lvl="1"/>
@@ -7239,7 +7388,7 @@
           <a:p>
             <a:r>
               <a:rPr lang="en-NZ" dirty="0" smtClean="0"/>
-              <a:t>Assessments</a:t>
+              <a:t>Technologies</a:t>
             </a:r>
             <a:endParaRPr lang="en-NZ" dirty="0"/>
           </a:p>
@@ -7257,60 +7406,59 @@
         </p:nvSpPr>
         <p:spPr/>
         <p:txBody>
-          <a:bodyPr>
-            <a:normAutofit/>
-          </a:bodyPr>
+          <a:bodyPr/>
           <a:lstStyle/>
           <a:p>
             <a:r>
               <a:rPr lang="en-NZ" dirty="0" smtClean="0"/>
-              <a:t>Lab Exercises: 30%</a:t>
+              <a:t>Spring Framework</a:t>
             </a:r>
           </a:p>
           <a:p>
             <a:pPr lvl="1"/>
             <a:r>
               <a:rPr lang="en-NZ" dirty="0" smtClean="0"/>
-              <a:t>In class practical exercises due every week, can be submitted by email up to one week late.</a:t>
-            </a:r>
-          </a:p>
-          <a:p>
+              <a:t>Acts as a router for different system components</a:t>
+            </a:r>
+          </a:p>
+          <a:p>
+            <a:pPr lvl="1"/>
             <a:r>
               <a:rPr lang="en-NZ" dirty="0" smtClean="0"/>
-              <a:t>Assignment</a:t>
-            </a:r>
+              <a:t>Looks at class / method properties using Java Reflection</a:t>
+            </a:r>
+          </a:p>
+          <a:p>
+            <a:pPr lvl="1"/>
             <a:r>
               <a:rPr lang="en-NZ" dirty="0" smtClean="0"/>
-              <a:t>: </a:t>
-            </a:r>
+              <a:t>Objects bound at runtime instead of at compile time</a:t>
+            </a:r>
+          </a:p>
+          <a:p>
+            <a:pPr lvl="2"/>
             <a:r>
               <a:rPr lang="en-NZ" dirty="0" smtClean="0"/>
-              <a:t>45</a:t>
-            </a:r>
+              <a:t>Allows system components to be swapped</a:t>
+            </a:r>
+          </a:p>
+          <a:p>
+            <a:pPr lvl="2"/>
             <a:r>
               <a:rPr lang="en-NZ" dirty="0" smtClean="0"/>
-              <a:t>%</a:t>
+              <a:t>Allows testing using mock objects</a:t>
             </a:r>
           </a:p>
           <a:p>
             <a:pPr lvl="1"/>
             <a:r>
               <a:rPr lang="en-NZ" dirty="0" smtClean="0"/>
-              <a:t>Two major assignments</a:t>
-            </a:r>
-          </a:p>
-          <a:p>
-            <a:r>
-              <a:rPr lang="en-NZ" dirty="0" smtClean="0"/>
-              <a:t>Final exam: 25%</a:t>
+              <a:t>Handles transactions and data access layer</a:t>
             </a:r>
           </a:p>
           <a:p>
             <a:pPr lvl="1"/>
-            <a:r>
-              <a:rPr lang="en-NZ" dirty="0" smtClean="0"/>
-              <a:t>Code and theory</a:t>
-            </a:r>
+            <a:endParaRPr lang="en-NZ" dirty="0"/>
           </a:p>
         </p:txBody>
       </p:sp>
@@ -7319,6 +7467,13 @@
   <p:clrMapOvr>
     <a:masterClrMapping/>
   </p:clrMapOvr>
+  <p:timing>
+    <p:tnLst>
+      <p:par>
+        <p:cTn id="1" dur="indefinite" restart="never" nodeType="tmRoot"/>
+      </p:par>
+    </p:tnLst>
+  </p:timing>
 </p:sld>
 </file>
 
@@ -7356,7 +7511,7 @@
           <a:p>
             <a:r>
               <a:rPr lang="en-NZ" dirty="0" smtClean="0"/>
-              <a:t>Foundations</a:t>
+              <a:t>Technologies</a:t>
             </a:r>
             <a:endParaRPr lang="en-NZ" dirty="0"/>
           </a:p>
@@ -7374,35 +7529,21 @@
         </p:nvSpPr>
         <p:spPr/>
         <p:txBody>
-          <a:bodyPr/>
+          <a:bodyPr>
+            <a:normAutofit/>
+          </a:bodyPr>
           <a:lstStyle/>
           <a:p>
-            <a:r>
-              <a:rPr lang="en-NZ" dirty="0" smtClean="0"/>
-              <a:t>Web Application Development</a:t>
-            </a:r>
-          </a:p>
-          <a:p>
-            <a:r>
-              <a:rPr lang="en-NZ" dirty="0" err="1" smtClean="0"/>
-              <a:t>Servlets</a:t>
-            </a:r>
-            <a:r>
-              <a:rPr lang="en-NZ" dirty="0" smtClean="0"/>
-              <a:t> and CGI</a:t>
-            </a:r>
-          </a:p>
-          <a:p>
-            <a:r>
-              <a:rPr lang="en-NZ" dirty="0" smtClean="0"/>
-              <a:t>JSP</a:t>
-            </a:r>
-          </a:p>
-          <a:p>
-            <a:r>
-              <a:rPr lang="en-NZ" dirty="0" smtClean="0"/>
-              <a:t>JDBC</a:t>
-            </a:r>
+            <a:endParaRPr lang="en-NZ" dirty="0" smtClean="0"/>
+          </a:p>
+          <a:p>
+            <a:pPr>
+              <a:buNone/>
+            </a:pPr>
+            <a:endParaRPr lang="en-NZ" dirty="0" smtClean="0"/>
+          </a:p>
+          <a:p>
+            <a:pPr lvl="1"/>
             <a:endParaRPr lang="en-NZ" dirty="0"/>
           </a:p>
         </p:txBody>
@@ -7412,6 +7553,13 @@
   <p:clrMapOvr>
     <a:masterClrMapping/>
   </p:clrMapOvr>
+  <p:timing>
+    <p:tnLst>
+      <p:par>
+        <p:cTn id="1" dur="indefinite" restart="never" nodeType="tmRoot"/>
+      </p:par>
+    </p:tnLst>
+  </p:timing>
 </p:sld>
 </file>
 
@@ -7449,7 +7597,7 @@
           <a:p>
             <a:r>
               <a:rPr lang="en-NZ" dirty="0" smtClean="0"/>
-              <a:t>Common Gateway Interface</a:t>
+              <a:t>Assessments</a:t>
             </a:r>
             <a:endParaRPr lang="en-NZ" dirty="0"/>
           </a:p>
@@ -7457,7 +7605,7 @@
       </p:sp>
       <p:sp>
         <p:nvSpPr>
-          <p:cNvPr id="5" name="Content Placeholder 4"/>
+          <p:cNvPr id="3" name="Content Placeholder 2"/>
           <p:cNvSpPr>
             <a:spLocks noGrp="1"/>
           </p:cNvSpPr>
@@ -7468,45 +7616,47 @@
         <p:spPr/>
         <p:txBody>
           <a:bodyPr>
-            <a:normAutofit fontScale="92500" lnSpcReduction="10000"/>
+            <a:normAutofit/>
           </a:bodyPr>
           <a:lstStyle/>
           <a:p>
             <a:r>
               <a:rPr lang="en-NZ" dirty="0" smtClean="0"/>
-              <a:t>Allows web server to generate page content using external program</a:t>
-            </a:r>
-          </a:p>
-          <a:p>
+              <a:t>Lab Exercises: 30%</a:t>
+            </a:r>
+          </a:p>
+          <a:p>
+            <a:pPr lvl="1"/>
             <a:r>
               <a:rPr lang="en-NZ" dirty="0" smtClean="0"/>
-              <a:t>Web server re-directs I-O messages to external command line program – usually written in Perl/Python/Bash script</a:t>
+              <a:t>In class practical exercises due every week, can be submitted by email up to one week late.</a:t>
             </a:r>
           </a:p>
           <a:p>
             <a:r>
               <a:rPr lang="en-NZ" dirty="0" smtClean="0"/>
-              <a:t>Simple interface parameters supplied by HTTP GET request QUERY_STRING </a:t>
+              <a:t>Assignment: 45%</a:t>
             </a:r>
           </a:p>
           <a:p>
             <a:pPr lvl="1"/>
             <a:r>
               <a:rPr lang="en-NZ" dirty="0" smtClean="0"/>
-              <a:t>The part of the URL after ?</a:t>
+              <a:t>Two major assignments</a:t>
             </a:r>
           </a:p>
           <a:p>
             <a:r>
               <a:rPr lang="en-NZ" dirty="0" smtClean="0"/>
-              <a:t>If you have lots of users - setting up the environment / process for your external CGI program can be slow...</a:t>
-            </a:r>
-          </a:p>
-          <a:p>
-            <a:endParaRPr lang="en-NZ" dirty="0" smtClean="0"/>
-          </a:p>
-          <a:p>
-            <a:endParaRPr lang="en-NZ" dirty="0"/>
+              <a:t>Final exam: 25%</a:t>
+            </a:r>
+          </a:p>
+          <a:p>
+            <a:pPr lvl="1"/>
+            <a:r>
+              <a:rPr lang="en-NZ" dirty="0" smtClean="0"/>
+              <a:t>Code and theory</a:t>
+            </a:r>
           </a:p>
         </p:txBody>
       </p:sp>
@@ -7515,13 +7665,6 @@
   <p:clrMapOvr>
     <a:masterClrMapping/>
   </p:clrMapOvr>
-  <p:timing>
-    <p:tnLst>
-      <p:par>
-        <p:cTn id="1" dur="indefinite" restart="never" nodeType="tmRoot"/>
-      </p:par>
-    </p:tnLst>
-  </p:timing>
 </p:sld>
 </file>
 
@@ -7558,112 +7701,55 @@
           <a:lstStyle/>
           <a:p>
             <a:r>
-              <a:rPr lang="en-AU" dirty="0" err="1" smtClean="0"/>
+              <a:rPr lang="en-NZ" dirty="0" smtClean="0"/>
+              <a:t>Foundations</a:t>
+            </a:r>
+            <a:endParaRPr lang="en-NZ" dirty="0"/>
+          </a:p>
+        </p:txBody>
+      </p:sp>
+      <p:sp>
+        <p:nvSpPr>
+          <p:cNvPr id="3" name="Content Placeholder 2"/>
+          <p:cNvSpPr>
+            <a:spLocks noGrp="1"/>
+          </p:cNvSpPr>
+          <p:nvPr>
+            <p:ph sz="quarter" idx="13"/>
+          </p:nvPr>
+        </p:nvSpPr>
+        <p:spPr/>
+        <p:txBody>
+          <a:bodyPr/>
+          <a:lstStyle/>
+          <a:p>
+            <a:r>
+              <a:rPr lang="en-NZ" dirty="0" smtClean="0"/>
+              <a:t>Web Application Development</a:t>
+            </a:r>
+          </a:p>
+          <a:p>
+            <a:r>
+              <a:rPr lang="en-NZ" dirty="0" err="1" smtClean="0"/>
               <a:t>Servlets</a:t>
             </a:r>
-            <a:endParaRPr lang="en-AU" dirty="0"/>
-          </a:p>
-        </p:txBody>
-      </p:sp>
-      <p:sp>
-        <p:nvSpPr>
-          <p:cNvPr id="5" name="Content Placeholder 4"/>
-          <p:cNvSpPr>
-            <a:spLocks noGrp="1"/>
-          </p:cNvSpPr>
-          <p:nvPr>
-            <p:ph sz="quarter" idx="13"/>
-          </p:nvPr>
-        </p:nvSpPr>
-        <p:spPr/>
-        <p:txBody>
-          <a:bodyPr>
-            <a:normAutofit fontScale="77500" lnSpcReduction="20000"/>
-          </a:bodyPr>
-          <a:lstStyle/>
-          <a:p>
-            <a:r>
-              <a:rPr lang="en-AU" dirty="0" smtClean="0"/>
-              <a:t>Java + CGI</a:t>
-            </a:r>
-          </a:p>
-          <a:p>
-            <a:r>
-              <a:rPr lang="en-AU" dirty="0" err="1" smtClean="0"/>
-              <a:t>Servlets</a:t>
-            </a:r>
-            <a:r>
-              <a:rPr lang="en-AU" dirty="0" smtClean="0"/>
-              <a:t> run inside the web server</a:t>
-            </a:r>
-          </a:p>
-          <a:p>
-            <a:pPr lvl="1"/>
-            <a:r>
-              <a:rPr lang="en-AU" dirty="0" smtClean="0"/>
-              <a:t>Each </a:t>
-            </a:r>
-            <a:r>
-              <a:rPr lang="en-AU" dirty="0" err="1" smtClean="0"/>
-              <a:t>servlet</a:t>
-            </a:r>
-            <a:r>
-              <a:rPr lang="en-AU" dirty="0" smtClean="0"/>
-              <a:t> runs inside its own thread or its own process</a:t>
-            </a:r>
-          </a:p>
-          <a:p>
-            <a:pPr lvl="1"/>
-            <a:r>
-              <a:rPr lang="en-AU" dirty="0" smtClean="0"/>
-              <a:t>Much faster: web server no longer needs to setup an entire environment each time a user makes a request</a:t>
-            </a:r>
-          </a:p>
-          <a:p>
-            <a:pPr lvl="1"/>
-            <a:r>
-              <a:rPr lang="en-AU" dirty="0" smtClean="0"/>
-              <a:t>Sandboxed environment</a:t>
-            </a:r>
-          </a:p>
-          <a:p>
-            <a:r>
-              <a:rPr lang="en-AU" dirty="0" smtClean="0"/>
-              <a:t>Jetty</a:t>
-            </a:r>
-          </a:p>
-          <a:p>
-            <a:r>
-              <a:rPr lang="en-AU" dirty="0" smtClean="0"/>
-              <a:t>Tomcat</a:t>
-            </a:r>
-          </a:p>
-          <a:p>
-            <a:r>
-              <a:rPr lang="en-AU" dirty="0" err="1" smtClean="0"/>
-              <a:t>JBoss</a:t>
-            </a:r>
-            <a:endParaRPr lang="en-AU" dirty="0" smtClean="0"/>
-          </a:p>
-          <a:p>
-            <a:r>
-              <a:rPr lang="en-AU" dirty="0" err="1" smtClean="0"/>
-              <a:t>Websphere</a:t>
-            </a:r>
-            <a:endParaRPr lang="en-AU" dirty="0" smtClean="0"/>
-          </a:p>
-          <a:p>
-            <a:r>
-              <a:rPr lang="en-AU" dirty="0" smtClean="0"/>
-              <a:t>Glassfish</a:t>
-            </a:r>
-          </a:p>
-          <a:p>
-            <a:r>
-              <a:rPr lang="en-AU" dirty="0" smtClean="0"/>
-              <a:t>...</a:t>
-            </a:r>
-            <a:endParaRPr lang="en-AU" dirty="0"/>
+            <a:r>
+              <a:rPr lang="en-NZ" dirty="0" smtClean="0"/>
+              <a:t> and CGI</a:t>
+            </a:r>
+          </a:p>
+          <a:p>
+            <a:r>
+              <a:rPr lang="en-NZ" dirty="0" smtClean="0"/>
+              <a:t>JSP</a:t>
+            </a:r>
+          </a:p>
+          <a:p>
+            <a:r>
+              <a:rPr lang="en-NZ" dirty="0" smtClean="0"/>
+              <a:t>JDBC</a:t>
+            </a:r>
+            <a:endParaRPr lang="en-NZ" dirty="0"/>
           </a:p>
         </p:txBody>
       </p:sp>
@@ -7672,13 +7758,6 @@
   <p:clrMapOvr>
     <a:masterClrMapping/>
   </p:clrMapOvr>
-  <p:timing>
-    <p:tnLst>
-      <p:par>
-        <p:cTn id="1" dur="indefinite" restart="never" nodeType="tmRoot"/>
-      </p:par>
-    </p:tnLst>
-  </p:timing>
 </p:sld>
 </file>
 
@@ -7711,767 +7790,69 @@
         </p:nvSpPr>
         <p:spPr/>
         <p:txBody>
+          <a:bodyPr/>
+          <a:lstStyle/>
+          <a:p>
+            <a:r>
+              <a:rPr lang="en-NZ" dirty="0" smtClean="0"/>
+              <a:t>Common Gateway Interface</a:t>
+            </a:r>
+            <a:endParaRPr lang="en-NZ" dirty="0"/>
+          </a:p>
+        </p:txBody>
+      </p:sp>
+      <p:sp>
+        <p:nvSpPr>
+          <p:cNvPr id="5" name="Content Placeholder 4"/>
+          <p:cNvSpPr>
+            <a:spLocks noGrp="1"/>
+          </p:cNvSpPr>
+          <p:nvPr>
+            <p:ph sz="quarter" idx="13"/>
+          </p:nvPr>
+        </p:nvSpPr>
+        <p:spPr/>
+        <p:txBody>
           <a:bodyPr>
-            <a:normAutofit/>
+            <a:normAutofit fontScale="92500" lnSpcReduction="10000"/>
           </a:bodyPr>
           <a:lstStyle/>
           <a:p>
             <a:r>
-              <a:rPr lang="en-NZ" smtClean="0"/>
-              <a:t>Servlet Code</a:t>
-            </a:r>
+              <a:rPr lang="en-NZ" dirty="0" smtClean="0"/>
+              <a:t>Allows web server to generate page content using external program</a:t>
+            </a:r>
+          </a:p>
+          <a:p>
+            <a:r>
+              <a:rPr lang="en-NZ" dirty="0" smtClean="0"/>
+              <a:t>Web server re-directs I-O messages to external command line program – usually written in Perl/Python/Bash script</a:t>
+            </a:r>
+          </a:p>
+          <a:p>
+            <a:r>
+              <a:rPr lang="en-NZ" dirty="0" smtClean="0"/>
+              <a:t>Simple interface parameters supplied by HTTP GET request QUERY_STRING </a:t>
+            </a:r>
+          </a:p>
+          <a:p>
+            <a:pPr lvl="1"/>
+            <a:r>
+              <a:rPr lang="en-NZ" dirty="0" smtClean="0"/>
+              <a:t>The part of the URL after ?</a:t>
+            </a:r>
+          </a:p>
+          <a:p>
+            <a:r>
+              <a:rPr lang="en-NZ" dirty="0" smtClean="0"/>
+              <a:t>If you have lots of users - setting up the environment / process for your external CGI program can be slow...</a:t>
+            </a:r>
+          </a:p>
+          <a:p>
+            <a:endParaRPr lang="en-NZ" dirty="0" smtClean="0"/>
+          </a:p>
+          <a:p>
             <a:endParaRPr lang="en-NZ" dirty="0"/>
-          </a:p>
-        </p:txBody>
-      </p:sp>
-      <p:sp>
-        <p:nvSpPr>
-          <p:cNvPr id="5" name="Content Placeholder 4"/>
-          <p:cNvSpPr>
-            <a:spLocks noGrp="1"/>
-          </p:cNvSpPr>
-          <p:nvPr>
-            <p:ph sz="quarter" idx="13"/>
-          </p:nvPr>
-        </p:nvSpPr>
-        <p:spPr/>
-        <p:txBody>
-          <a:bodyPr>
-            <a:noAutofit/>
-          </a:bodyPr>
-          <a:lstStyle/>
-          <a:p>
-            <a:pPr>
-              <a:buNone/>
-            </a:pPr>
-            <a:r>
-              <a:rPr lang="en-NZ" sz="1500" dirty="0" smtClean="0">
-                <a:solidFill>
-                  <a:srgbClr val="7F0055"/>
-                </a:solidFill>
-                <a:latin typeface="Consolas"/>
-              </a:rPr>
-              <a:t>public</a:t>
-            </a:r>
-            <a:r>
-              <a:rPr lang="en-NZ" sz="1500" dirty="0" smtClean="0">
-                <a:solidFill>
-                  <a:srgbClr val="000000"/>
-                </a:solidFill>
-                <a:latin typeface="Consolas"/>
-              </a:rPr>
-              <a:t> </a:t>
-            </a:r>
-            <a:r>
-              <a:rPr lang="en-NZ" sz="1500" dirty="0" smtClean="0">
-                <a:solidFill>
-                  <a:srgbClr val="7F0055"/>
-                </a:solidFill>
-                <a:latin typeface="Consolas"/>
-              </a:rPr>
-              <a:t>class</a:t>
-            </a:r>
-            <a:r>
-              <a:rPr lang="en-NZ" sz="1500" dirty="0" smtClean="0">
-                <a:solidFill>
-                  <a:srgbClr val="000000"/>
-                </a:solidFill>
-                <a:latin typeface="Consolas"/>
-              </a:rPr>
-              <a:t> </a:t>
-            </a:r>
-            <a:r>
-              <a:rPr lang="en-NZ" sz="1500" dirty="0" err="1" smtClean="0">
-                <a:solidFill>
-                  <a:srgbClr val="000000"/>
-                </a:solidFill>
-                <a:latin typeface="Consolas"/>
-              </a:rPr>
-              <a:t>testServlet</a:t>
-            </a:r>
-            <a:r>
-              <a:rPr lang="en-NZ" sz="1500" dirty="0" smtClean="0">
-                <a:solidFill>
-                  <a:srgbClr val="000000"/>
-                </a:solidFill>
-                <a:latin typeface="Consolas"/>
-              </a:rPr>
-              <a:t> </a:t>
-            </a:r>
-            <a:r>
-              <a:rPr lang="en-NZ" sz="1500" dirty="0" smtClean="0">
-                <a:solidFill>
-                  <a:srgbClr val="7F0055"/>
-                </a:solidFill>
-                <a:latin typeface="Consolas"/>
-              </a:rPr>
-              <a:t>extends</a:t>
-            </a:r>
-            <a:r>
-              <a:rPr lang="en-NZ" sz="1500" dirty="0" smtClean="0">
-                <a:solidFill>
-                  <a:srgbClr val="000000"/>
-                </a:solidFill>
-                <a:latin typeface="Consolas"/>
-              </a:rPr>
-              <a:t> </a:t>
-            </a:r>
-            <a:r>
-              <a:rPr lang="en-NZ" sz="1500" dirty="0" err="1" smtClean="0">
-                <a:solidFill>
-                  <a:srgbClr val="000000"/>
-                </a:solidFill>
-                <a:latin typeface="Consolas"/>
-              </a:rPr>
-              <a:t>HttpServlet</a:t>
-            </a:r>
-            <a:r>
-              <a:rPr lang="en-NZ" sz="1500" dirty="0" smtClean="0">
-                <a:solidFill>
-                  <a:srgbClr val="000000"/>
-                </a:solidFill>
-                <a:latin typeface="Consolas"/>
-              </a:rPr>
-              <a:t> {       </a:t>
-            </a:r>
-          </a:p>
-          <a:p>
-            <a:pPr>
-              <a:buNone/>
-            </a:pPr>
-            <a:r>
-              <a:rPr lang="en-NZ" sz="1500" dirty="0" smtClean="0">
-                <a:solidFill>
-                  <a:srgbClr val="000000"/>
-                </a:solidFill>
-                <a:latin typeface="Consolas"/>
-              </a:rPr>
-              <a:t>    </a:t>
-            </a:r>
-            <a:r>
-              <a:rPr lang="en-NZ" sz="1500" dirty="0" smtClean="0">
-                <a:solidFill>
-                  <a:srgbClr val="7F0055"/>
-                </a:solidFill>
-                <a:latin typeface="Consolas"/>
-              </a:rPr>
-              <a:t>public</a:t>
-            </a:r>
-            <a:r>
-              <a:rPr lang="en-NZ" sz="1500" dirty="0" smtClean="0">
-                <a:solidFill>
-                  <a:srgbClr val="000000"/>
-                </a:solidFill>
-                <a:latin typeface="Consolas"/>
-              </a:rPr>
-              <a:t> </a:t>
-            </a:r>
-            <a:r>
-              <a:rPr lang="en-NZ" sz="1500" dirty="0" err="1" smtClean="0">
-                <a:solidFill>
-                  <a:srgbClr val="000000"/>
-                </a:solidFill>
-                <a:latin typeface="Consolas"/>
-              </a:rPr>
-              <a:t>testServlet</a:t>
-            </a:r>
-            <a:r>
-              <a:rPr lang="en-NZ" sz="1500" dirty="0" smtClean="0">
-                <a:solidFill>
-                  <a:srgbClr val="000000"/>
-                </a:solidFill>
-                <a:latin typeface="Consolas"/>
-              </a:rPr>
-              <a:t>() {</a:t>
-            </a:r>
-          </a:p>
-          <a:p>
-            <a:pPr>
-              <a:buNone/>
-            </a:pPr>
-            <a:r>
-              <a:rPr lang="en-NZ" sz="1500" dirty="0" smtClean="0">
-                <a:solidFill>
-                  <a:srgbClr val="000000"/>
-                </a:solidFill>
-                <a:latin typeface="Consolas"/>
-              </a:rPr>
-              <a:t>        </a:t>
-            </a:r>
-            <a:r>
-              <a:rPr lang="en-NZ" sz="1500" dirty="0" smtClean="0">
-                <a:solidFill>
-                  <a:srgbClr val="7F0055"/>
-                </a:solidFill>
-                <a:latin typeface="Consolas"/>
-              </a:rPr>
-              <a:t>super</a:t>
-            </a:r>
-            <a:r>
-              <a:rPr lang="en-NZ" sz="1500" dirty="0" smtClean="0">
-                <a:solidFill>
-                  <a:srgbClr val="000000"/>
-                </a:solidFill>
-                <a:latin typeface="Consolas"/>
-              </a:rPr>
-              <a:t>();</a:t>
-            </a:r>
-          </a:p>
-          <a:p>
-            <a:pPr>
-              <a:buNone/>
-            </a:pPr>
-            <a:r>
-              <a:rPr lang="en-NZ" sz="1500" dirty="0" smtClean="0">
-                <a:solidFill>
-                  <a:srgbClr val="000000"/>
-                </a:solidFill>
-                <a:latin typeface="Consolas"/>
-              </a:rPr>
-              <a:t>    }</a:t>
-            </a:r>
-          </a:p>
-          <a:p>
-            <a:pPr lvl="1">
-              <a:buNone/>
-            </a:pPr>
-            <a:r>
-              <a:rPr lang="en-NZ" sz="1500" dirty="0" smtClean="0">
-                <a:solidFill>
-                  <a:srgbClr val="7F0055"/>
-                </a:solidFill>
-                <a:latin typeface="Consolas"/>
-              </a:rPr>
-              <a:t>protected</a:t>
-            </a:r>
-            <a:r>
-              <a:rPr lang="en-NZ" sz="1500" dirty="0" smtClean="0">
-                <a:solidFill>
-                  <a:srgbClr val="000000"/>
-                </a:solidFill>
-                <a:latin typeface="Consolas"/>
-              </a:rPr>
-              <a:t> </a:t>
-            </a:r>
-            <a:r>
-              <a:rPr lang="en-NZ" sz="1500" dirty="0" smtClean="0">
-                <a:solidFill>
-                  <a:srgbClr val="7F0055"/>
-                </a:solidFill>
-                <a:latin typeface="Consolas"/>
-              </a:rPr>
-              <a:t>void</a:t>
-            </a:r>
-            <a:r>
-              <a:rPr lang="en-NZ" sz="1500" dirty="0" smtClean="0">
-                <a:solidFill>
-                  <a:srgbClr val="000000"/>
-                </a:solidFill>
-                <a:latin typeface="Consolas"/>
-              </a:rPr>
-              <a:t> </a:t>
-            </a:r>
-            <a:r>
-              <a:rPr lang="en-NZ" sz="1500" dirty="0" err="1" smtClean="0">
-                <a:solidFill>
-                  <a:srgbClr val="000000"/>
-                </a:solidFill>
-                <a:latin typeface="Consolas"/>
-              </a:rPr>
-              <a:t>doGet</a:t>
-            </a:r>
-            <a:r>
-              <a:rPr lang="en-NZ" sz="1500" dirty="0" smtClean="0">
-                <a:solidFill>
-                  <a:srgbClr val="000000"/>
-                </a:solidFill>
-                <a:latin typeface="Consolas"/>
-              </a:rPr>
-              <a:t>(</a:t>
-            </a:r>
-            <a:r>
-              <a:rPr lang="en-NZ" sz="1500" dirty="0" err="1" smtClean="0">
-                <a:solidFill>
-                  <a:srgbClr val="000000"/>
-                </a:solidFill>
-                <a:latin typeface="Consolas"/>
-              </a:rPr>
-              <a:t>HttpServletRequest</a:t>
-            </a:r>
-            <a:r>
-              <a:rPr lang="en-NZ" sz="1500" dirty="0" smtClean="0">
-                <a:solidFill>
-                  <a:srgbClr val="000000"/>
-                </a:solidFill>
-                <a:latin typeface="Consolas"/>
-              </a:rPr>
-              <a:t> request, </a:t>
-            </a:r>
-            <a:r>
-              <a:rPr lang="en-NZ" sz="1500" dirty="0" err="1" smtClean="0">
-                <a:solidFill>
-                  <a:srgbClr val="000000"/>
-                </a:solidFill>
-                <a:latin typeface="Consolas"/>
-              </a:rPr>
-              <a:t>HttpServletResponse</a:t>
-            </a:r>
-            <a:r>
-              <a:rPr lang="en-NZ" sz="1500" dirty="0" smtClean="0">
-                <a:solidFill>
-                  <a:srgbClr val="000000"/>
-                </a:solidFill>
-                <a:latin typeface="Consolas"/>
-              </a:rPr>
-              <a:t> response) </a:t>
-            </a:r>
-            <a:r>
-              <a:rPr lang="en-NZ" sz="1500" dirty="0" smtClean="0">
-                <a:solidFill>
-                  <a:srgbClr val="7F0055"/>
-                </a:solidFill>
-                <a:latin typeface="Consolas"/>
-              </a:rPr>
-              <a:t>throws</a:t>
-            </a:r>
-            <a:r>
-              <a:rPr lang="en-NZ" sz="1500" dirty="0" smtClean="0">
-                <a:solidFill>
-                  <a:srgbClr val="000000"/>
-                </a:solidFill>
-                <a:latin typeface="Consolas"/>
-              </a:rPr>
-              <a:t> </a:t>
-            </a:r>
-            <a:r>
-              <a:rPr lang="en-NZ" sz="1500" dirty="0" err="1" smtClean="0">
-                <a:solidFill>
-                  <a:srgbClr val="000000"/>
-                </a:solidFill>
-                <a:latin typeface="Consolas"/>
-              </a:rPr>
-              <a:t>ServletException</a:t>
-            </a:r>
-            <a:r>
-              <a:rPr lang="en-NZ" sz="1500" dirty="0" smtClean="0">
-                <a:solidFill>
-                  <a:srgbClr val="000000"/>
-                </a:solidFill>
-                <a:latin typeface="Consolas"/>
-              </a:rPr>
-              <a:t>, </a:t>
-            </a:r>
-            <a:r>
-              <a:rPr lang="en-NZ" sz="1500" dirty="0" err="1" smtClean="0">
-                <a:solidFill>
-                  <a:srgbClr val="000000"/>
-                </a:solidFill>
-                <a:latin typeface="Consolas"/>
-              </a:rPr>
-              <a:t>IOException</a:t>
-            </a:r>
-            <a:r>
-              <a:rPr lang="en-NZ" sz="1500" dirty="0" smtClean="0">
-                <a:solidFill>
-                  <a:srgbClr val="000000"/>
-                </a:solidFill>
-                <a:latin typeface="Consolas"/>
-              </a:rPr>
-              <a:t> {</a:t>
-            </a:r>
-          </a:p>
-          <a:p>
-            <a:pPr lvl="1">
-              <a:buNone/>
-            </a:pPr>
-            <a:endParaRPr lang="en-NZ" sz="1500" dirty="0" smtClean="0">
-              <a:latin typeface="Consolas"/>
-            </a:endParaRPr>
-          </a:p>
-          <a:p>
-            <a:pPr lvl="2">
-              <a:buNone/>
-            </a:pPr>
-            <a:r>
-              <a:rPr lang="en-NZ" sz="1500" dirty="0" err="1" smtClean="0">
-                <a:solidFill>
-                  <a:srgbClr val="000000"/>
-                </a:solidFill>
-                <a:latin typeface="Consolas"/>
-              </a:rPr>
-              <a:t>PrintWriter</a:t>
-            </a:r>
-            <a:r>
-              <a:rPr lang="en-NZ" sz="1500" dirty="0" smtClean="0">
-                <a:solidFill>
-                  <a:srgbClr val="000000"/>
-                </a:solidFill>
-                <a:latin typeface="Consolas"/>
-              </a:rPr>
-              <a:t> out = </a:t>
-            </a:r>
-            <a:r>
-              <a:rPr lang="en-NZ" sz="1500" dirty="0" smtClean="0">
-                <a:solidFill>
-                  <a:srgbClr val="7F0055"/>
-                </a:solidFill>
-                <a:latin typeface="Consolas"/>
-              </a:rPr>
-              <a:t>new</a:t>
-            </a:r>
-            <a:r>
-              <a:rPr lang="en-NZ" sz="1500" dirty="0" smtClean="0">
-                <a:solidFill>
-                  <a:srgbClr val="000000"/>
-                </a:solidFill>
-                <a:latin typeface="Consolas"/>
-              </a:rPr>
-              <a:t> </a:t>
-            </a:r>
-            <a:r>
-              <a:rPr lang="en-NZ" sz="1500" dirty="0" err="1" smtClean="0">
-                <a:solidFill>
-                  <a:srgbClr val="000000"/>
-                </a:solidFill>
-                <a:latin typeface="Consolas"/>
-              </a:rPr>
-              <a:t>PrintWriter</a:t>
-            </a:r>
-            <a:r>
-              <a:rPr lang="en-NZ" sz="1500" dirty="0" smtClean="0">
-                <a:solidFill>
-                  <a:srgbClr val="000000"/>
-                </a:solidFill>
-                <a:latin typeface="Consolas"/>
-              </a:rPr>
-              <a:t>(</a:t>
-            </a:r>
-            <a:r>
-              <a:rPr lang="en-NZ" sz="1500" dirty="0" err="1" smtClean="0">
-                <a:solidFill>
-                  <a:srgbClr val="000000"/>
-                </a:solidFill>
-                <a:latin typeface="Consolas"/>
-              </a:rPr>
-              <a:t>response.getWriter</a:t>
-            </a:r>
-            <a:r>
-              <a:rPr lang="en-NZ" sz="1500" dirty="0" smtClean="0">
-                <a:solidFill>
-                  <a:srgbClr val="000000"/>
-                </a:solidFill>
-                <a:latin typeface="Consolas"/>
-              </a:rPr>
-              <a:t>());</a:t>
-            </a:r>
-          </a:p>
-          <a:p>
-            <a:pPr lvl="2">
-              <a:buNone/>
-            </a:pPr>
-            <a:r>
-              <a:rPr lang="en-NZ" sz="1500" dirty="0" err="1" smtClean="0">
-                <a:solidFill>
-                  <a:srgbClr val="000000"/>
-                </a:solidFill>
-                <a:latin typeface="Consolas"/>
-              </a:rPr>
-              <a:t>response.setContentType</a:t>
-            </a:r>
-            <a:r>
-              <a:rPr lang="en-NZ" sz="1500" dirty="0" smtClean="0">
-                <a:solidFill>
-                  <a:srgbClr val="000000"/>
-                </a:solidFill>
-                <a:latin typeface="Consolas"/>
-              </a:rPr>
-              <a:t>(</a:t>
-            </a:r>
-            <a:r>
-              <a:rPr lang="en-NZ" sz="1500" dirty="0" smtClean="0">
-                <a:solidFill>
-                  <a:srgbClr val="2A00FF"/>
-                </a:solidFill>
-                <a:latin typeface="Consolas"/>
-              </a:rPr>
-              <a:t>"text/html"</a:t>
-            </a:r>
-            <a:r>
-              <a:rPr lang="en-NZ" sz="1500" dirty="0" smtClean="0">
-                <a:solidFill>
-                  <a:srgbClr val="000000"/>
-                </a:solidFill>
-                <a:latin typeface="Consolas"/>
-              </a:rPr>
-              <a:t>);</a:t>
-            </a:r>
-          </a:p>
-          <a:p>
-            <a:pPr lvl="2">
-              <a:buNone/>
-            </a:pPr>
-            <a:endParaRPr lang="en-NZ" sz="1500" dirty="0" smtClean="0">
-              <a:latin typeface="Consolas"/>
-            </a:endParaRPr>
-          </a:p>
-          <a:p>
-            <a:pPr lvl="2">
-              <a:buNone/>
-            </a:pPr>
-            <a:r>
-              <a:rPr lang="en-NZ" sz="1500" dirty="0" err="1" smtClean="0">
-                <a:solidFill>
-                  <a:srgbClr val="000000"/>
-                </a:solidFill>
-                <a:latin typeface="Consolas"/>
-              </a:rPr>
-              <a:t>out.println</a:t>
-            </a:r>
-            <a:r>
-              <a:rPr lang="en-NZ" sz="1500" dirty="0" smtClean="0">
-                <a:solidFill>
-                  <a:srgbClr val="000000"/>
-                </a:solidFill>
-                <a:latin typeface="Consolas"/>
-              </a:rPr>
-              <a:t>(</a:t>
-            </a:r>
-            <a:r>
-              <a:rPr lang="en-NZ" sz="1500" dirty="0" smtClean="0">
-                <a:solidFill>
-                  <a:srgbClr val="2A00FF"/>
-                </a:solidFill>
-                <a:latin typeface="Consolas"/>
-              </a:rPr>
-              <a:t>"&lt;html&gt;Hello World! this is my first Java </a:t>
-            </a:r>
-            <a:r>
-              <a:rPr lang="en-NZ" sz="1500" dirty="0" err="1" smtClean="0">
-                <a:solidFill>
-                  <a:srgbClr val="2A00FF"/>
-                </a:solidFill>
-                <a:latin typeface="Consolas"/>
-              </a:rPr>
-              <a:t>servlet</a:t>
-            </a:r>
-            <a:r>
-              <a:rPr lang="en-NZ" sz="1500" dirty="0" smtClean="0">
-                <a:solidFill>
-                  <a:srgbClr val="2A00FF"/>
-                </a:solidFill>
-                <a:latin typeface="Consolas"/>
-              </a:rPr>
-              <a:t>.&lt;/html&gt;"</a:t>
-            </a:r>
-            <a:r>
-              <a:rPr lang="en-NZ" sz="1500" dirty="0" smtClean="0">
-                <a:solidFill>
-                  <a:srgbClr val="000000"/>
-                </a:solidFill>
-                <a:latin typeface="Consolas"/>
-              </a:rPr>
-              <a:t>);</a:t>
-            </a:r>
-          </a:p>
-          <a:p>
-            <a:pPr lvl="1">
-              <a:buNone/>
-            </a:pPr>
-            <a:r>
-              <a:rPr lang="en-NZ" sz="1500" dirty="0" smtClean="0">
-                <a:solidFill>
-                  <a:srgbClr val="000000"/>
-                </a:solidFill>
-                <a:latin typeface="Consolas"/>
-              </a:rPr>
-              <a:t>}</a:t>
-            </a:r>
-          </a:p>
-          <a:p>
-            <a:pPr lvl="1">
-              <a:buNone/>
-            </a:pPr>
-            <a:r>
-              <a:rPr lang="en-NZ" sz="1500" dirty="0" smtClean="0">
-                <a:solidFill>
-                  <a:srgbClr val="7F0055"/>
-                </a:solidFill>
-                <a:latin typeface="Consolas"/>
-              </a:rPr>
-              <a:t>protected</a:t>
-            </a:r>
-            <a:r>
-              <a:rPr lang="en-NZ" sz="1500" dirty="0" smtClean="0">
-                <a:solidFill>
-                  <a:srgbClr val="000000"/>
-                </a:solidFill>
-                <a:latin typeface="Consolas"/>
-              </a:rPr>
-              <a:t> </a:t>
-            </a:r>
-            <a:r>
-              <a:rPr lang="en-NZ" sz="1500" dirty="0" smtClean="0">
-                <a:solidFill>
-                  <a:srgbClr val="7F0055"/>
-                </a:solidFill>
-                <a:latin typeface="Consolas"/>
-              </a:rPr>
-              <a:t>void</a:t>
-            </a:r>
-            <a:r>
-              <a:rPr lang="en-NZ" sz="1500" dirty="0" smtClean="0">
-                <a:solidFill>
-                  <a:srgbClr val="000000"/>
-                </a:solidFill>
-                <a:latin typeface="Consolas"/>
-              </a:rPr>
-              <a:t> </a:t>
-            </a:r>
-            <a:r>
-              <a:rPr lang="en-NZ" sz="1500" dirty="0" err="1" smtClean="0">
-                <a:solidFill>
-                  <a:srgbClr val="000000"/>
-                </a:solidFill>
-                <a:latin typeface="Consolas"/>
-              </a:rPr>
-              <a:t>doPost</a:t>
-            </a:r>
-            <a:r>
-              <a:rPr lang="en-NZ" sz="1500" dirty="0" smtClean="0">
-                <a:solidFill>
-                  <a:srgbClr val="000000"/>
-                </a:solidFill>
-                <a:latin typeface="Consolas"/>
-              </a:rPr>
-              <a:t>(</a:t>
-            </a:r>
-            <a:r>
-              <a:rPr lang="en-NZ" sz="1500" dirty="0" err="1" smtClean="0">
-                <a:solidFill>
-                  <a:srgbClr val="000000"/>
-                </a:solidFill>
-                <a:latin typeface="Consolas"/>
-              </a:rPr>
-              <a:t>HttpServletRequest</a:t>
-            </a:r>
-            <a:r>
-              <a:rPr lang="en-NZ" sz="1500" dirty="0" smtClean="0">
-                <a:solidFill>
-                  <a:srgbClr val="000000"/>
-                </a:solidFill>
-                <a:latin typeface="Consolas"/>
-              </a:rPr>
-              <a:t> request, </a:t>
-            </a:r>
-            <a:r>
-              <a:rPr lang="en-NZ" sz="1500" dirty="0" err="1" smtClean="0">
-                <a:solidFill>
-                  <a:srgbClr val="000000"/>
-                </a:solidFill>
-                <a:latin typeface="Consolas"/>
-              </a:rPr>
-              <a:t>HttpServletResponse</a:t>
-            </a:r>
-            <a:r>
-              <a:rPr lang="en-NZ" sz="1500" dirty="0" smtClean="0">
-                <a:solidFill>
-                  <a:srgbClr val="000000"/>
-                </a:solidFill>
-                <a:latin typeface="Consolas"/>
-              </a:rPr>
-              <a:t> response) </a:t>
-            </a:r>
-            <a:r>
-              <a:rPr lang="en-NZ" sz="1500" dirty="0" smtClean="0">
-                <a:solidFill>
-                  <a:srgbClr val="7F0055"/>
-                </a:solidFill>
-                <a:latin typeface="Consolas"/>
-              </a:rPr>
-              <a:t>throws</a:t>
-            </a:r>
-            <a:r>
-              <a:rPr lang="en-NZ" sz="1500" dirty="0" smtClean="0">
-                <a:solidFill>
-                  <a:srgbClr val="000000"/>
-                </a:solidFill>
-                <a:latin typeface="Consolas"/>
-              </a:rPr>
-              <a:t> </a:t>
-            </a:r>
-            <a:r>
-              <a:rPr lang="en-NZ" sz="1500" dirty="0" err="1" smtClean="0">
-                <a:solidFill>
-                  <a:srgbClr val="000000"/>
-                </a:solidFill>
-                <a:latin typeface="Consolas"/>
-              </a:rPr>
-              <a:t>ServletException</a:t>
-            </a:r>
-            <a:r>
-              <a:rPr lang="en-NZ" sz="1500" dirty="0" smtClean="0">
-                <a:solidFill>
-                  <a:srgbClr val="000000"/>
-                </a:solidFill>
-                <a:latin typeface="Consolas"/>
-              </a:rPr>
-              <a:t>, </a:t>
-            </a:r>
-            <a:r>
-              <a:rPr lang="en-NZ" sz="1500" dirty="0" err="1" smtClean="0">
-                <a:solidFill>
-                  <a:srgbClr val="000000"/>
-                </a:solidFill>
-                <a:latin typeface="Consolas"/>
-              </a:rPr>
-              <a:t>IOException</a:t>
-            </a:r>
-            <a:r>
-              <a:rPr lang="en-NZ" sz="1500" dirty="0" smtClean="0">
-                <a:solidFill>
-                  <a:srgbClr val="000000"/>
-                </a:solidFill>
-                <a:latin typeface="Consolas"/>
-              </a:rPr>
-              <a:t> {</a:t>
-            </a:r>
-          </a:p>
-          <a:p>
-            <a:pPr lvl="1">
-              <a:buNone/>
-            </a:pPr>
-            <a:endParaRPr lang="en-NZ" sz="1500" dirty="0" smtClean="0">
-              <a:latin typeface="Consolas"/>
-            </a:endParaRPr>
-          </a:p>
-          <a:p>
-            <a:pPr lvl="1">
-              <a:buNone/>
-            </a:pPr>
-            <a:r>
-              <a:rPr lang="en-NZ" sz="1500" dirty="0" smtClean="0">
-                <a:solidFill>
-                  <a:srgbClr val="000000"/>
-                </a:solidFill>
-                <a:latin typeface="Consolas"/>
-              </a:rPr>
-              <a:t>}</a:t>
-            </a:r>
-          </a:p>
-          <a:p>
-            <a:pPr>
-              <a:buNone/>
-            </a:pPr>
-            <a:r>
-              <a:rPr lang="en-NZ" sz="1500" dirty="0" smtClean="0">
-                <a:solidFill>
-                  <a:srgbClr val="000000"/>
-                </a:solidFill>
-                <a:latin typeface="Consolas"/>
-              </a:rPr>
-              <a:t>}</a:t>
-            </a:r>
-            <a:endParaRPr lang="en-NZ" sz="1500" dirty="0"/>
           </a:p>
         </p:txBody>
       </p:sp>
@@ -8523,16 +7904,16 @@
           <a:lstStyle/>
           <a:p>
             <a:r>
-              <a:rPr lang="en-NZ" smtClean="0"/>
-              <a:t>Java Server Pages</a:t>
-            </a:r>
-            <a:endParaRPr lang="en-NZ" dirty="0"/>
-          </a:p>
-        </p:txBody>
-      </p:sp>
-      <p:sp>
-        <p:nvSpPr>
-          <p:cNvPr id="6" name="Content Placeholder 5"/>
+              <a:rPr lang="en-AU" dirty="0" err="1" smtClean="0"/>
+              <a:t>Servlets</a:t>
+            </a:r>
+            <a:endParaRPr lang="en-AU" dirty="0"/>
+          </a:p>
+        </p:txBody>
+      </p:sp>
+      <p:sp>
+        <p:nvSpPr>
+          <p:cNvPr id="5" name="Content Placeholder 4"/>
           <p:cNvSpPr>
             <a:spLocks noGrp="1"/>
           </p:cNvSpPr>
@@ -8543,46 +7924,92 @@
         <p:spPr/>
         <p:txBody>
           <a:bodyPr>
-            <a:normAutofit lnSpcReduction="10000"/>
+            <a:normAutofit fontScale="77500" lnSpcReduction="20000"/>
           </a:bodyPr>
           <a:lstStyle/>
           <a:p>
             <a:r>
-              <a:rPr lang="en-NZ" smtClean="0"/>
-              <a:t>Mix HTML and Java Code</a:t>
-            </a:r>
-          </a:p>
-          <a:p>
-            <a:r>
-              <a:rPr lang="en-NZ" smtClean="0"/>
-              <a:t>Oracle/Sun’s answer to ASP and PHP</a:t>
-            </a:r>
-          </a:p>
-          <a:p>
-            <a:r>
-              <a:rPr lang="en-NZ" smtClean="0"/>
-              <a:t>Blocks of static HTML + blocks of dynamically generated HTML</a:t>
-            </a:r>
-          </a:p>
-          <a:p>
-            <a:r>
-              <a:rPr lang="en-NZ" smtClean="0"/>
-              <a:t>Simplifies the creation of dynamic web applications</a:t>
+              <a:rPr lang="en-AU" dirty="0" smtClean="0"/>
+              <a:t>Java + CGI</a:t>
+            </a:r>
+          </a:p>
+          <a:p>
+            <a:r>
+              <a:rPr lang="en-AU" dirty="0" err="1" smtClean="0"/>
+              <a:t>Servlets</a:t>
+            </a:r>
+            <a:r>
+              <a:rPr lang="en-AU" dirty="0" smtClean="0"/>
+              <a:t> run inside the web server</a:t>
             </a:r>
           </a:p>
           <a:p>
             <a:pPr lvl="1"/>
             <a:r>
-              <a:rPr lang="en-NZ" smtClean="0"/>
-              <a:t>You do not need to output lots of messy dynamically generated HTML code from your Java code</a:t>
-            </a:r>
-          </a:p>
-          <a:p>
-            <a:r>
-              <a:rPr lang="en-NZ" smtClean="0"/>
-              <a:t>Two basic elements HTML markup and JSP scriptlet code blocks</a:t>
-            </a:r>
-            <a:endParaRPr lang="en-NZ" dirty="0" smtClean="0"/>
+              <a:rPr lang="en-AU" dirty="0" smtClean="0"/>
+              <a:t>Each </a:t>
+            </a:r>
+            <a:r>
+              <a:rPr lang="en-AU" dirty="0" err="1" smtClean="0"/>
+              <a:t>servlet</a:t>
+            </a:r>
+            <a:r>
+              <a:rPr lang="en-AU" dirty="0" smtClean="0"/>
+              <a:t> runs inside its own thread or its own process</a:t>
+            </a:r>
+          </a:p>
+          <a:p>
+            <a:pPr lvl="1"/>
+            <a:r>
+              <a:rPr lang="en-AU" dirty="0" smtClean="0"/>
+              <a:t>Much faster: web server no longer needs to setup an entire environment each time a user makes a request</a:t>
+            </a:r>
+          </a:p>
+          <a:p>
+            <a:pPr lvl="1"/>
+            <a:r>
+              <a:rPr lang="en-AU" dirty="0" smtClean="0"/>
+              <a:t>Sandboxed environment</a:t>
+            </a:r>
+          </a:p>
+          <a:p>
+            <a:r>
+              <a:rPr lang="en-AU" dirty="0" smtClean="0"/>
+              <a:t>Jetty</a:t>
+            </a:r>
+          </a:p>
+          <a:p>
+            <a:r>
+              <a:rPr lang="en-AU" dirty="0" smtClean="0"/>
+              <a:t>Tomcat</a:t>
+            </a:r>
+          </a:p>
+          <a:p>
+            <a:r>
+              <a:rPr lang="en-AU" dirty="0" err="1" smtClean="0"/>
+              <a:t>JBoss</a:t>
+            </a:r>
+            <a:endParaRPr lang="en-AU" dirty="0" smtClean="0"/>
+          </a:p>
+          <a:p>
+            <a:r>
+              <a:rPr lang="en-AU" dirty="0" err="1" smtClean="0"/>
+              <a:t>Websphere</a:t>
+            </a:r>
+            <a:endParaRPr lang="en-AU" dirty="0" smtClean="0"/>
+          </a:p>
+          <a:p>
+            <a:r>
+              <a:rPr lang="en-AU" dirty="0" smtClean="0"/>
+              <a:t>Glassfish</a:t>
+            </a:r>
+          </a:p>
+          <a:p>
+            <a:r>
+              <a:rPr lang="en-AU" dirty="0" smtClean="0"/>
+              <a:t>...</a:t>
+            </a:r>
+            <a:endParaRPr lang="en-AU" dirty="0"/>
           </a:p>
         </p:txBody>
       </p:sp>
@@ -8630,127 +8057,458 @@
         </p:nvSpPr>
         <p:spPr/>
         <p:txBody>
-          <a:bodyPr/>
-          <a:lstStyle/>
-          <a:p>
-            <a:r>
-              <a:rPr lang="en-AU" dirty="0" smtClean="0"/>
-              <a:t>Java Server Pages</a:t>
-            </a:r>
-            <a:endParaRPr lang="en-AU" dirty="0"/>
-          </a:p>
-        </p:txBody>
-      </p:sp>
-      <p:sp>
-        <p:nvSpPr>
-          <p:cNvPr id="5" name="Content Placeholder 4"/>
-          <p:cNvSpPr>
-            <a:spLocks noGrp="1"/>
-          </p:cNvSpPr>
-          <p:nvPr>
-            <p:ph sz="quarter" idx="13"/>
-          </p:nvPr>
-        </p:nvSpPr>
-        <p:spPr/>
-        <p:txBody>
           <a:bodyPr>
-            <a:normAutofit lnSpcReduction="10000"/>
+            <a:normAutofit/>
           </a:bodyPr>
           <a:lstStyle/>
           <a:p>
             <a:r>
-              <a:rPr lang="en-AU" dirty="0" smtClean="0"/>
-              <a:t>Java code executed in place: there is no need to define a main method or other entry point</a:t>
-            </a:r>
-          </a:p>
-          <a:p>
-            <a:pPr lvl="1"/>
-            <a:r>
-              <a:rPr lang="en-AU" dirty="0" smtClean="0"/>
-              <a:t>Code runs in sequential order – top to bottom</a:t>
-            </a:r>
-          </a:p>
-          <a:p>
-            <a:r>
-              <a:rPr lang="en-AU" dirty="0" smtClean="0"/>
-              <a:t>Can also define methods – more on this later</a:t>
-            </a:r>
-          </a:p>
-          <a:p>
-            <a:r>
-              <a:rPr lang="en-AU" dirty="0" smtClean="0"/>
-              <a:t>Tomcat / </a:t>
-            </a:r>
-            <a:r>
-              <a:rPr lang="en-AU" dirty="0" err="1" smtClean="0"/>
-              <a:t>Servlet</a:t>
-            </a:r>
-            <a:r>
-              <a:rPr lang="en-AU" dirty="0" smtClean="0"/>
-              <a:t> containers effectively compile JSP pages into a </a:t>
-            </a:r>
-            <a:r>
-              <a:rPr lang="en-AU" dirty="0" err="1" smtClean="0"/>
-              <a:t>Servlet</a:t>
-            </a:r>
-            <a:endParaRPr lang="en-AU" dirty="0" smtClean="0"/>
-          </a:p>
-          <a:p>
-            <a:r>
-              <a:rPr lang="en-AU" dirty="0" smtClean="0"/>
-              <a:t>Java Code blocks wrapped in &lt;% %&gt; brackets</a:t>
-            </a:r>
-          </a:p>
+              <a:rPr lang="en-NZ" smtClean="0"/>
+              <a:t>Servlet Code</a:t>
+            </a:r>
+            <a:endParaRPr lang="en-NZ" dirty="0"/>
+          </a:p>
+        </p:txBody>
+      </p:sp>
+      <p:sp>
+        <p:nvSpPr>
+          <p:cNvPr id="5" name="Content Placeholder 4"/>
+          <p:cNvSpPr>
+            <a:spLocks noGrp="1"/>
+          </p:cNvSpPr>
+          <p:nvPr>
+            <p:ph sz="quarter" idx="13"/>
+          </p:nvPr>
+        </p:nvSpPr>
+        <p:spPr/>
+        <p:txBody>
+          <a:bodyPr>
+            <a:noAutofit/>
+          </a:bodyPr>
+          <a:lstStyle/>
           <a:p>
             <a:pPr>
               <a:buNone/>
             </a:pPr>
             <a:r>
-              <a:rPr lang="en-AU" sz="1400" dirty="0" smtClean="0">
-                <a:latin typeface="Courier New" pitchFamily="49" charset="0"/>
-                <a:cs typeface="Courier New" pitchFamily="49" charset="0"/>
-              </a:rPr>
-              <a:t>	&lt;HTML&gt; &lt;BODY&gt; </a:t>
-            </a:r>
+              <a:rPr lang="en-NZ" sz="1500" dirty="0" smtClean="0">
+                <a:solidFill>
+                  <a:srgbClr val="7F0055"/>
+                </a:solidFill>
+                <a:latin typeface="Consolas"/>
+              </a:rPr>
+              <a:t>public</a:t>
+            </a:r>
+            <a:r>
+              <a:rPr lang="en-NZ" sz="1500" dirty="0" smtClean="0">
+                <a:solidFill>
+                  <a:srgbClr val="000000"/>
+                </a:solidFill>
+                <a:latin typeface="Consolas"/>
+              </a:rPr>
+              <a:t> </a:t>
+            </a:r>
+            <a:r>
+              <a:rPr lang="en-NZ" sz="1500" dirty="0" smtClean="0">
+                <a:solidFill>
+                  <a:srgbClr val="7F0055"/>
+                </a:solidFill>
+                <a:latin typeface="Consolas"/>
+              </a:rPr>
+              <a:t>class</a:t>
+            </a:r>
+            <a:r>
+              <a:rPr lang="en-NZ" sz="1500" dirty="0" smtClean="0">
+                <a:solidFill>
+                  <a:srgbClr val="000000"/>
+                </a:solidFill>
+                <a:latin typeface="Consolas"/>
+              </a:rPr>
+              <a:t> </a:t>
+            </a:r>
+            <a:r>
+              <a:rPr lang="en-NZ" sz="1500" dirty="0" err="1" smtClean="0">
+                <a:solidFill>
+                  <a:srgbClr val="000000"/>
+                </a:solidFill>
+                <a:latin typeface="Consolas"/>
+              </a:rPr>
+              <a:t>testServlet</a:t>
+            </a:r>
+            <a:r>
+              <a:rPr lang="en-NZ" sz="1500" dirty="0" smtClean="0">
+                <a:solidFill>
+                  <a:srgbClr val="000000"/>
+                </a:solidFill>
+                <a:latin typeface="Consolas"/>
+              </a:rPr>
+              <a:t> </a:t>
+            </a:r>
+            <a:r>
+              <a:rPr lang="en-NZ" sz="1500" dirty="0" smtClean="0">
+                <a:solidFill>
+                  <a:srgbClr val="7F0055"/>
+                </a:solidFill>
+                <a:latin typeface="Consolas"/>
+              </a:rPr>
+              <a:t>extends</a:t>
+            </a:r>
+            <a:r>
+              <a:rPr lang="en-NZ" sz="1500" dirty="0" smtClean="0">
+                <a:solidFill>
+                  <a:srgbClr val="000000"/>
+                </a:solidFill>
+                <a:latin typeface="Consolas"/>
+              </a:rPr>
+              <a:t> </a:t>
+            </a:r>
+            <a:r>
+              <a:rPr lang="en-NZ" sz="1500" dirty="0" err="1" smtClean="0">
+                <a:solidFill>
+                  <a:srgbClr val="000000"/>
+                </a:solidFill>
+                <a:latin typeface="Consolas"/>
+              </a:rPr>
+              <a:t>HttpServlet</a:t>
+            </a:r>
+            <a:r>
+              <a:rPr lang="en-NZ" sz="1500" dirty="0" smtClean="0">
+                <a:solidFill>
+                  <a:srgbClr val="000000"/>
+                </a:solidFill>
+                <a:latin typeface="Consolas"/>
+              </a:rPr>
+              <a:t> {       </a:t>
+            </a:r>
+          </a:p>
+          <a:p>
+            <a:pPr>
+              <a:buNone/>
+            </a:pPr>
+            <a:r>
+              <a:rPr lang="en-NZ" sz="1500" dirty="0" smtClean="0">
+                <a:solidFill>
+                  <a:srgbClr val="000000"/>
+                </a:solidFill>
+                <a:latin typeface="Consolas"/>
+              </a:rPr>
+              <a:t>    </a:t>
+            </a:r>
+            <a:r>
+              <a:rPr lang="en-NZ" sz="1500" dirty="0" smtClean="0">
+                <a:solidFill>
+                  <a:srgbClr val="7F0055"/>
+                </a:solidFill>
+                <a:latin typeface="Consolas"/>
+              </a:rPr>
+              <a:t>public</a:t>
+            </a:r>
+            <a:r>
+              <a:rPr lang="en-NZ" sz="1500" dirty="0" smtClean="0">
+                <a:solidFill>
+                  <a:srgbClr val="000000"/>
+                </a:solidFill>
+                <a:latin typeface="Consolas"/>
+              </a:rPr>
+              <a:t> </a:t>
+            </a:r>
+            <a:r>
+              <a:rPr lang="en-NZ" sz="1500" dirty="0" err="1" smtClean="0">
+                <a:solidFill>
+                  <a:srgbClr val="000000"/>
+                </a:solidFill>
+                <a:latin typeface="Consolas"/>
+              </a:rPr>
+              <a:t>testServlet</a:t>
+            </a:r>
+            <a:r>
+              <a:rPr lang="en-NZ" sz="1500" dirty="0" smtClean="0">
+                <a:solidFill>
+                  <a:srgbClr val="000000"/>
+                </a:solidFill>
+                <a:latin typeface="Consolas"/>
+              </a:rPr>
+              <a:t>() {</a:t>
+            </a:r>
+          </a:p>
+          <a:p>
+            <a:pPr>
+              <a:buNone/>
+            </a:pPr>
+            <a:r>
+              <a:rPr lang="en-NZ" sz="1500" dirty="0" smtClean="0">
+                <a:solidFill>
+                  <a:srgbClr val="000000"/>
+                </a:solidFill>
+                <a:latin typeface="Consolas"/>
+              </a:rPr>
+              <a:t>        </a:t>
+            </a:r>
+            <a:r>
+              <a:rPr lang="en-NZ" sz="1500" dirty="0" smtClean="0">
+                <a:solidFill>
+                  <a:srgbClr val="7F0055"/>
+                </a:solidFill>
+                <a:latin typeface="Consolas"/>
+              </a:rPr>
+              <a:t>super</a:t>
+            </a:r>
+            <a:r>
+              <a:rPr lang="en-NZ" sz="1500" dirty="0" smtClean="0">
+                <a:solidFill>
+                  <a:srgbClr val="000000"/>
+                </a:solidFill>
+                <a:latin typeface="Consolas"/>
+              </a:rPr>
+              <a:t>();</a:t>
+            </a:r>
+          </a:p>
+          <a:p>
+            <a:pPr>
+              <a:buNone/>
+            </a:pPr>
+            <a:r>
+              <a:rPr lang="en-NZ" sz="1500" dirty="0" smtClean="0">
+                <a:solidFill>
+                  <a:srgbClr val="000000"/>
+                </a:solidFill>
+                <a:latin typeface="Consolas"/>
+              </a:rPr>
+              <a:t>    }</a:t>
+            </a:r>
+          </a:p>
+          <a:p>
+            <a:pPr lvl="1">
+              <a:buNone/>
+            </a:pPr>
+            <a:r>
+              <a:rPr lang="en-NZ" sz="1500" dirty="0" smtClean="0">
+                <a:solidFill>
+                  <a:srgbClr val="7F0055"/>
+                </a:solidFill>
+                <a:latin typeface="Consolas"/>
+              </a:rPr>
+              <a:t>protected</a:t>
+            </a:r>
+            <a:r>
+              <a:rPr lang="en-NZ" sz="1500" dirty="0" smtClean="0">
+                <a:solidFill>
+                  <a:srgbClr val="000000"/>
+                </a:solidFill>
+                <a:latin typeface="Consolas"/>
+              </a:rPr>
+              <a:t> </a:t>
+            </a:r>
+            <a:r>
+              <a:rPr lang="en-NZ" sz="1500" dirty="0" smtClean="0">
+                <a:solidFill>
+                  <a:srgbClr val="7F0055"/>
+                </a:solidFill>
+                <a:latin typeface="Consolas"/>
+              </a:rPr>
+              <a:t>void</a:t>
+            </a:r>
+            <a:r>
+              <a:rPr lang="en-NZ" sz="1500" dirty="0" smtClean="0">
+                <a:solidFill>
+                  <a:srgbClr val="000000"/>
+                </a:solidFill>
+                <a:latin typeface="Consolas"/>
+              </a:rPr>
+              <a:t> </a:t>
+            </a:r>
+            <a:r>
+              <a:rPr lang="en-NZ" sz="1500" dirty="0" err="1" smtClean="0">
+                <a:solidFill>
+                  <a:srgbClr val="000000"/>
+                </a:solidFill>
+                <a:latin typeface="Consolas"/>
+              </a:rPr>
+              <a:t>doGet</a:t>
+            </a:r>
+            <a:r>
+              <a:rPr lang="en-NZ" sz="1500" dirty="0" smtClean="0">
+                <a:solidFill>
+                  <a:srgbClr val="000000"/>
+                </a:solidFill>
+                <a:latin typeface="Consolas"/>
+              </a:rPr>
+              <a:t>(</a:t>
+            </a:r>
+            <a:r>
+              <a:rPr lang="en-NZ" sz="1500" dirty="0" err="1" smtClean="0">
+                <a:solidFill>
+                  <a:srgbClr val="000000"/>
+                </a:solidFill>
+                <a:latin typeface="Consolas"/>
+              </a:rPr>
+              <a:t>HttpServletRequest</a:t>
+            </a:r>
+            <a:r>
+              <a:rPr lang="en-NZ" sz="1500" dirty="0" smtClean="0">
+                <a:solidFill>
+                  <a:srgbClr val="000000"/>
+                </a:solidFill>
+                <a:latin typeface="Consolas"/>
+              </a:rPr>
+              <a:t> request, </a:t>
+            </a:r>
+            <a:r>
+              <a:rPr lang="en-NZ" sz="1500" dirty="0" err="1" smtClean="0">
+                <a:solidFill>
+                  <a:srgbClr val="000000"/>
+                </a:solidFill>
+                <a:latin typeface="Consolas"/>
+              </a:rPr>
+              <a:t>HttpServletResponse</a:t>
+            </a:r>
+            <a:r>
+              <a:rPr lang="en-NZ" sz="1500" dirty="0" smtClean="0">
+                <a:solidFill>
+                  <a:srgbClr val="000000"/>
+                </a:solidFill>
+                <a:latin typeface="Consolas"/>
+              </a:rPr>
+              <a:t> response) </a:t>
+            </a:r>
+            <a:r>
+              <a:rPr lang="en-NZ" sz="1500" dirty="0" smtClean="0">
+                <a:solidFill>
+                  <a:srgbClr val="7F0055"/>
+                </a:solidFill>
+                <a:latin typeface="Consolas"/>
+              </a:rPr>
+              <a:t>throws</a:t>
+            </a:r>
+            <a:r>
+              <a:rPr lang="en-NZ" sz="1500" dirty="0" smtClean="0">
+                <a:solidFill>
+                  <a:srgbClr val="000000"/>
+                </a:solidFill>
+                <a:latin typeface="Consolas"/>
+              </a:rPr>
+              <a:t> </a:t>
+            </a:r>
+            <a:r>
+              <a:rPr lang="en-NZ" sz="1500" dirty="0" err="1" smtClean="0">
+                <a:solidFill>
+                  <a:srgbClr val="000000"/>
+                </a:solidFill>
+                <a:latin typeface="Consolas"/>
+              </a:rPr>
+              <a:t>ServletException</a:t>
+            </a:r>
+            <a:r>
+              <a:rPr lang="en-NZ" sz="1500" dirty="0" smtClean="0">
+                <a:solidFill>
+                  <a:srgbClr val="000000"/>
+                </a:solidFill>
+                <a:latin typeface="Consolas"/>
+              </a:rPr>
+              <a:t>, </a:t>
+            </a:r>
+            <a:r>
+              <a:rPr lang="en-NZ" sz="1500" dirty="0" err="1" smtClean="0">
+                <a:solidFill>
+                  <a:srgbClr val="000000"/>
+                </a:solidFill>
+                <a:latin typeface="Consolas"/>
+              </a:rPr>
+              <a:t>IOException</a:t>
+            </a:r>
+            <a:r>
+              <a:rPr lang="en-NZ" sz="1500" dirty="0" smtClean="0">
+                <a:solidFill>
+                  <a:srgbClr val="000000"/>
+                </a:solidFill>
+                <a:latin typeface="Consolas"/>
+              </a:rPr>
+              <a:t> {</a:t>
+            </a:r>
+          </a:p>
+          <a:p>
+            <a:pPr lvl="1">
+              <a:buNone/>
+            </a:pPr>
+            <a:endParaRPr lang="en-NZ" sz="1500" dirty="0" smtClean="0">
+              <a:latin typeface="Consolas"/>
+            </a:endParaRPr>
           </a:p>
           <a:p>
             <a:pPr lvl="2">
               <a:buNone/>
             </a:pPr>
             <a:r>
-              <a:rPr lang="en-AU" sz="1400" dirty="0" smtClean="0">
-                <a:latin typeface="Courier New" pitchFamily="49" charset="0"/>
-                <a:cs typeface="Courier New" pitchFamily="49" charset="0"/>
-              </a:rPr>
-              <a:t>&lt;% </a:t>
-            </a:r>
-            <a:r>
-              <a:rPr lang="en-AU" sz="1400" dirty="0" err="1" smtClean="0">
-                <a:latin typeface="Courier New" pitchFamily="49" charset="0"/>
-                <a:cs typeface="Courier New" pitchFamily="49" charset="0"/>
-              </a:rPr>
-              <a:t>java.util.Date</a:t>
-            </a:r>
-            <a:r>
-              <a:rPr lang="en-AU" sz="1400" dirty="0" smtClean="0">
-                <a:latin typeface="Courier New" pitchFamily="49" charset="0"/>
-                <a:cs typeface="Courier New" pitchFamily="49" charset="0"/>
-              </a:rPr>
-              <a:t> date = new </a:t>
-            </a:r>
-            <a:r>
-              <a:rPr lang="en-AU" sz="1400" dirty="0" err="1" smtClean="0">
-                <a:latin typeface="Courier New" pitchFamily="49" charset="0"/>
-                <a:cs typeface="Courier New" pitchFamily="49" charset="0"/>
-              </a:rPr>
-              <a:t>java.util.Date</a:t>
-            </a:r>
-            <a:r>
-              <a:rPr lang="en-AU" sz="1400" dirty="0" smtClean="0">
-                <a:latin typeface="Courier New" pitchFamily="49" charset="0"/>
-                <a:cs typeface="Courier New" pitchFamily="49" charset="0"/>
-              </a:rPr>
-              <a:t>(); %&gt;</a:t>
+              <a:rPr lang="en-NZ" sz="1500" dirty="0" err="1" smtClean="0">
+                <a:solidFill>
+                  <a:srgbClr val="000000"/>
+                </a:solidFill>
+                <a:latin typeface="Consolas"/>
+              </a:rPr>
+              <a:t>PrintWriter</a:t>
+            </a:r>
+            <a:r>
+              <a:rPr lang="en-NZ" sz="1500" dirty="0" smtClean="0">
+                <a:solidFill>
+                  <a:srgbClr val="000000"/>
+                </a:solidFill>
+                <a:latin typeface="Consolas"/>
+              </a:rPr>
+              <a:t> out = </a:t>
+            </a:r>
+            <a:r>
+              <a:rPr lang="en-NZ" sz="1500" dirty="0" smtClean="0">
+                <a:solidFill>
+                  <a:srgbClr val="7F0055"/>
+                </a:solidFill>
+                <a:latin typeface="Consolas"/>
+              </a:rPr>
+              <a:t>new</a:t>
+            </a:r>
+            <a:r>
+              <a:rPr lang="en-NZ" sz="1500" dirty="0" smtClean="0">
+                <a:solidFill>
+                  <a:srgbClr val="000000"/>
+                </a:solidFill>
+                <a:latin typeface="Consolas"/>
+              </a:rPr>
+              <a:t> </a:t>
+            </a:r>
+            <a:r>
+              <a:rPr lang="en-NZ" sz="1500" dirty="0" err="1" smtClean="0">
+                <a:solidFill>
+                  <a:srgbClr val="000000"/>
+                </a:solidFill>
+                <a:latin typeface="Consolas"/>
+              </a:rPr>
+              <a:t>PrintWriter</a:t>
+            </a:r>
+            <a:r>
+              <a:rPr lang="en-NZ" sz="1500" dirty="0" smtClean="0">
+                <a:solidFill>
+                  <a:srgbClr val="000000"/>
+                </a:solidFill>
+                <a:latin typeface="Consolas"/>
+              </a:rPr>
+              <a:t>(</a:t>
+            </a:r>
+            <a:r>
+              <a:rPr lang="en-NZ" sz="1500" dirty="0" err="1" smtClean="0">
+                <a:solidFill>
+                  <a:srgbClr val="000000"/>
+                </a:solidFill>
+                <a:latin typeface="Consolas"/>
+              </a:rPr>
+              <a:t>response.getWriter</a:t>
+            </a:r>
+            <a:r>
+              <a:rPr lang="en-NZ" sz="1500" dirty="0" smtClean="0">
+                <a:solidFill>
+                  <a:srgbClr val="000000"/>
+                </a:solidFill>
+                <a:latin typeface="Consolas"/>
+              </a:rPr>
+              <a:t>());</a:t>
             </a:r>
           </a:p>
           <a:p>
@@ -8758,11 +8516,107 @@
               <a:buNone/>
             </a:pPr>
             <a:r>
-              <a:rPr lang="en-AU" sz="1400" dirty="0" smtClean="0">
-                <a:latin typeface="Courier New" pitchFamily="49" charset="0"/>
-                <a:cs typeface="Courier New" pitchFamily="49" charset="0"/>
-              </a:rPr>
-              <a:t> Hello!  The time is now &lt;%= date %&gt; </a:t>
+              <a:rPr lang="en-NZ" sz="1500" dirty="0" err="1" smtClean="0">
+                <a:solidFill>
+                  <a:srgbClr val="000000"/>
+                </a:solidFill>
+                <a:latin typeface="Consolas"/>
+              </a:rPr>
+              <a:t>response.setContentType</a:t>
+            </a:r>
+            <a:r>
+              <a:rPr lang="en-NZ" sz="1500" dirty="0" smtClean="0">
+                <a:solidFill>
+                  <a:srgbClr val="000000"/>
+                </a:solidFill>
+                <a:latin typeface="Consolas"/>
+              </a:rPr>
+              <a:t>(</a:t>
+            </a:r>
+            <a:r>
+              <a:rPr lang="en-NZ" sz="1500" dirty="0" smtClean="0">
+                <a:solidFill>
+                  <a:srgbClr val="2A00FF"/>
+                </a:solidFill>
+                <a:latin typeface="Consolas"/>
+              </a:rPr>
+              <a:t>"text/html"</a:t>
+            </a:r>
+            <a:r>
+              <a:rPr lang="en-NZ" sz="1500" dirty="0" smtClean="0">
+                <a:solidFill>
+                  <a:srgbClr val="000000"/>
+                </a:solidFill>
+                <a:latin typeface="Consolas"/>
+              </a:rPr>
+              <a:t>);</a:t>
+            </a:r>
+          </a:p>
+          <a:p>
+            <a:pPr lvl="2">
+              <a:buNone/>
+            </a:pPr>
+            <a:endParaRPr lang="en-NZ" sz="1500" dirty="0" smtClean="0">
+              <a:latin typeface="Consolas"/>
+            </a:endParaRPr>
+          </a:p>
+          <a:p>
+            <a:pPr lvl="2">
+              <a:buNone/>
+            </a:pPr>
+            <a:r>
+              <a:rPr lang="en-NZ" sz="1500" dirty="0" err="1" smtClean="0">
+                <a:solidFill>
+                  <a:srgbClr val="000000"/>
+                </a:solidFill>
+                <a:latin typeface="Consolas"/>
+              </a:rPr>
+              <a:t>out.println</a:t>
+            </a:r>
+            <a:r>
+              <a:rPr lang="en-NZ" sz="1500" dirty="0" smtClean="0">
+                <a:solidFill>
+                  <a:srgbClr val="000000"/>
+                </a:solidFill>
+                <a:latin typeface="Consolas"/>
+              </a:rPr>
+              <a:t>(</a:t>
+            </a:r>
+            <a:r>
+              <a:rPr lang="en-NZ" sz="1500" dirty="0" smtClean="0">
+                <a:solidFill>
+                  <a:srgbClr val="2A00FF"/>
+                </a:solidFill>
+                <a:latin typeface="Consolas"/>
+              </a:rPr>
+              <a:t>"&lt;html&gt;Hello World! this is my first Java </a:t>
+            </a:r>
+            <a:r>
+              <a:rPr lang="en-NZ" sz="1500" dirty="0" err="1" smtClean="0">
+                <a:solidFill>
+                  <a:srgbClr val="2A00FF"/>
+                </a:solidFill>
+                <a:latin typeface="Consolas"/>
+              </a:rPr>
+              <a:t>servlet</a:t>
+            </a:r>
+            <a:r>
+              <a:rPr lang="en-NZ" sz="1500" dirty="0" smtClean="0">
+                <a:solidFill>
+                  <a:srgbClr val="2A00FF"/>
+                </a:solidFill>
+                <a:latin typeface="Consolas"/>
+              </a:rPr>
+              <a:t>.&lt;/html&gt;"</a:t>
+            </a:r>
+            <a:r>
+              <a:rPr lang="en-NZ" sz="1500" dirty="0" smtClean="0">
+                <a:solidFill>
+                  <a:srgbClr val="000000"/>
+                </a:solidFill>
+                <a:latin typeface="Consolas"/>
+              </a:rPr>
+              <a:t>);</a:t>
             </a:r>
           </a:p>
           <a:p>
@@ -8770,15 +8624,200 @@
               <a:buNone/>
             </a:pPr>
             <a:r>
-              <a:rPr lang="en-AU" sz="1400" dirty="0" smtClean="0">
-                <a:latin typeface="Courier New" pitchFamily="49" charset="0"/>
-                <a:cs typeface="Courier New" pitchFamily="49" charset="0"/>
-              </a:rPr>
-              <a:t>&lt;/BODY&gt; &lt;/HTML&gt;</a:t>
-            </a:r>
-          </a:p>
-          <a:p>
-            <a:endParaRPr lang="en-AU" dirty="0"/>
+              <a:rPr lang="en-NZ" sz="1500" dirty="0" smtClean="0">
+                <a:solidFill>
+                  <a:srgbClr val="000000"/>
+                </a:solidFill>
+                <a:latin typeface="Consolas"/>
+              </a:rPr>
+              <a:t>}</a:t>
+            </a:r>
+          </a:p>
+          <a:p>
+            <a:pPr lvl="1">
+              <a:buNone/>
+            </a:pPr>
+            <a:r>
+              <a:rPr lang="en-NZ" sz="1500" dirty="0" smtClean="0">
+                <a:solidFill>
+                  <a:srgbClr val="7F0055"/>
+                </a:solidFill>
+                <a:latin typeface="Consolas"/>
+              </a:rPr>
+              <a:t>protected</a:t>
+            </a:r>
+            <a:r>
+              <a:rPr lang="en-NZ" sz="1500" dirty="0" smtClean="0">
+                <a:solidFill>
+                  <a:srgbClr val="000000"/>
+                </a:solidFill>
+                <a:latin typeface="Consolas"/>
+              </a:rPr>
+              <a:t> </a:t>
+            </a:r>
+            <a:r>
+              <a:rPr lang="en-NZ" sz="1500" dirty="0" smtClean="0">
+                <a:solidFill>
+                  <a:srgbClr val="7F0055"/>
+                </a:solidFill>
+                <a:latin typeface="Consolas"/>
+              </a:rPr>
+              <a:t>void</a:t>
+            </a:r>
+            <a:r>
+              <a:rPr lang="en-NZ" sz="1500" dirty="0" smtClean="0">
+                <a:solidFill>
+                  <a:srgbClr val="000000"/>
+                </a:solidFill>
+                <a:latin typeface="Consolas"/>
+              </a:rPr>
+              <a:t> </a:t>
+            </a:r>
+            <a:r>
+              <a:rPr lang="en-NZ" sz="1500" dirty="0" err="1" smtClean="0">
+                <a:solidFill>
+                  <a:srgbClr val="000000"/>
+                </a:solidFill>
+                <a:latin typeface="Consolas"/>
+              </a:rPr>
+              <a:t>doPost</a:t>
+            </a:r>
+            <a:r>
+              <a:rPr lang="en-NZ" sz="1500" dirty="0" smtClean="0">
+                <a:solidFill>
+                  <a:srgbClr val="000000"/>
+                </a:solidFill>
+                <a:latin typeface="Consolas"/>
+              </a:rPr>
+              <a:t>(</a:t>
+            </a:r>
+            <a:r>
+              <a:rPr lang="en-NZ" sz="1500" dirty="0" err="1" smtClean="0">
+                <a:solidFill>
+                  <a:srgbClr val="000000"/>
+                </a:solidFill>
+                <a:latin typeface="Consolas"/>
+              </a:rPr>
+              <a:t>HttpServletRequest</a:t>
+            </a:r>
+            <a:r>
+              <a:rPr lang="en-NZ" sz="1500" dirty="0" smtClean="0">
+                <a:solidFill>
+                  <a:srgbClr val="000000"/>
+                </a:solidFill>
+                <a:latin typeface="Consolas"/>
+              </a:rPr>
+              <a:t> request, </a:t>
+            </a:r>
+            <a:r>
+              <a:rPr lang="en-NZ" sz="1500" dirty="0" err="1" smtClean="0">
+                <a:solidFill>
+                  <a:srgbClr val="000000"/>
+                </a:solidFill>
+                <a:latin typeface="Consolas"/>
+              </a:rPr>
+              <a:t>HttpServletResponse</a:t>
+            </a:r>
+            <a:r>
+              <a:rPr lang="en-NZ" sz="1500" dirty="0" smtClean="0">
+                <a:solidFill>
+                  <a:srgbClr val="000000"/>
+                </a:solidFill>
+                <a:latin typeface="Consolas"/>
+              </a:rPr>
+              <a:t> response) </a:t>
+            </a:r>
+            <a:r>
+              <a:rPr lang="en-NZ" sz="1500" dirty="0" smtClean="0">
+                <a:solidFill>
+                  <a:srgbClr val="7F0055"/>
+                </a:solidFill>
+                <a:latin typeface="Consolas"/>
+              </a:rPr>
+              <a:t>throws</a:t>
+            </a:r>
+            <a:r>
+              <a:rPr lang="en-NZ" sz="1500" dirty="0" smtClean="0">
+                <a:solidFill>
+                  <a:srgbClr val="000000"/>
+                </a:solidFill>
+                <a:latin typeface="Consolas"/>
+              </a:rPr>
+              <a:t> </a:t>
+            </a:r>
+            <a:r>
+              <a:rPr lang="en-NZ" sz="1500" dirty="0" err="1" smtClean="0">
+                <a:solidFill>
+                  <a:srgbClr val="000000"/>
+                </a:solidFill>
+                <a:latin typeface="Consolas"/>
+              </a:rPr>
+              <a:t>ServletException</a:t>
+            </a:r>
+            <a:r>
+              <a:rPr lang="en-NZ" sz="1500" dirty="0" smtClean="0">
+                <a:solidFill>
+                  <a:srgbClr val="000000"/>
+                </a:solidFill>
+                <a:latin typeface="Consolas"/>
+              </a:rPr>
+              <a:t>, </a:t>
+            </a:r>
+            <a:r>
+              <a:rPr lang="en-NZ" sz="1500" dirty="0" err="1" smtClean="0">
+                <a:solidFill>
+                  <a:srgbClr val="000000"/>
+                </a:solidFill>
+                <a:latin typeface="Consolas"/>
+              </a:rPr>
+              <a:t>IOException</a:t>
+            </a:r>
+            <a:r>
+              <a:rPr lang="en-NZ" sz="1500" dirty="0" smtClean="0">
+                <a:solidFill>
+                  <a:srgbClr val="000000"/>
+                </a:solidFill>
+                <a:latin typeface="Consolas"/>
+              </a:rPr>
+              <a:t> {</a:t>
+            </a:r>
+          </a:p>
+          <a:p>
+            <a:pPr lvl="1">
+              <a:buNone/>
+            </a:pPr>
+            <a:endParaRPr lang="en-NZ" sz="1500" dirty="0" smtClean="0">
+              <a:latin typeface="Consolas"/>
+            </a:endParaRPr>
+          </a:p>
+          <a:p>
+            <a:pPr lvl="1">
+              <a:buNone/>
+            </a:pPr>
+            <a:r>
+              <a:rPr lang="en-NZ" sz="1500" dirty="0" smtClean="0">
+                <a:solidFill>
+                  <a:srgbClr val="000000"/>
+                </a:solidFill>
+                <a:latin typeface="Consolas"/>
+              </a:rPr>
+              <a:t>}</a:t>
+            </a:r>
+          </a:p>
+          <a:p>
+            <a:pPr>
+              <a:buNone/>
+            </a:pPr>
+            <a:r>
+              <a:rPr lang="en-NZ" sz="1500" dirty="0" smtClean="0">
+                <a:solidFill>
+                  <a:srgbClr val="000000"/>
+                </a:solidFill>
+                <a:latin typeface="Consolas"/>
+              </a:rPr>
+              <a:t>}</a:t>
+            </a:r>
+            <a:endParaRPr lang="en-NZ" sz="1500" dirty="0"/>
           </a:p>
         </p:txBody>
       </p:sp>
@@ -8830,20 +8869,16 @@
           <a:lstStyle/>
           <a:p>
             <a:r>
-              <a:rPr lang="en-AU" dirty="0" smtClean="0"/>
-              <a:t>JSP -&gt; </a:t>
-            </a:r>
-            <a:r>
-              <a:rPr lang="en-AU" dirty="0" err="1" smtClean="0"/>
-              <a:t>Servlet</a:t>
-            </a:r>
-            <a:endParaRPr lang="en-AU" dirty="0"/>
-          </a:p>
-        </p:txBody>
-      </p:sp>
-      <p:sp>
-        <p:nvSpPr>
-          <p:cNvPr id="5" name="Content Placeholder 4"/>
+              <a:rPr lang="en-NZ" smtClean="0"/>
+              <a:t>Java Server Pages</a:t>
+            </a:r>
+            <a:endParaRPr lang="en-NZ" dirty="0"/>
+          </a:p>
+        </p:txBody>
+      </p:sp>
+      <p:sp>
+        <p:nvSpPr>
+          <p:cNvPr id="6" name="Content Placeholder 5"/>
           <p:cNvSpPr>
             <a:spLocks noGrp="1"/>
           </p:cNvSpPr>
@@ -8854,220 +8889,46 @@
         <p:spPr/>
         <p:txBody>
           <a:bodyPr>
-            <a:normAutofit/>
+            <a:normAutofit lnSpcReduction="10000"/>
           </a:bodyPr>
           <a:lstStyle/>
           <a:p>
-            <a:pPr>
-              <a:buNone/>
-            </a:pPr>
-            <a:r>
-              <a:rPr lang="en-AU" sz="1800" dirty="0" smtClean="0">
-                <a:latin typeface="Courier New" pitchFamily="49" charset="0"/>
-                <a:cs typeface="Courier New" pitchFamily="49" charset="0"/>
-              </a:rPr>
-              <a:t>&lt;%@ page </a:t>
-            </a:r>
-            <a:r>
-              <a:rPr lang="en-AU" sz="1800" dirty="0" err="1" smtClean="0">
-                <a:latin typeface="Courier New" pitchFamily="49" charset="0"/>
-                <a:cs typeface="Courier New" pitchFamily="49" charset="0"/>
-              </a:rPr>
-              <a:t>errorPage</a:t>
-            </a:r>
-            <a:r>
-              <a:rPr lang="en-AU" sz="1800" dirty="0" smtClean="0">
-                <a:latin typeface="Courier New" pitchFamily="49" charset="0"/>
-                <a:cs typeface="Courier New" pitchFamily="49" charset="0"/>
-              </a:rPr>
-              <a:t>="myerror.jsp" %&gt;</a:t>
-            </a:r>
-          </a:p>
-          <a:p>
-            <a:pPr>
-              <a:buNone/>
-            </a:pPr>
-            <a:r>
-              <a:rPr lang="en-AU" sz="1800" dirty="0" smtClean="0">
-                <a:latin typeface="Courier New" pitchFamily="49" charset="0"/>
-                <a:cs typeface="Courier New" pitchFamily="49" charset="0"/>
-              </a:rPr>
-              <a:t>&lt;%@ page </a:t>
-            </a:r>
-            <a:r>
-              <a:rPr lang="en-AU" sz="1800" b="1" dirty="0" smtClean="0">
-                <a:latin typeface="Courier New" pitchFamily="49" charset="0"/>
-                <a:cs typeface="Courier New" pitchFamily="49" charset="0"/>
-              </a:rPr>
-              <a:t>import</a:t>
-            </a:r>
-            <a:r>
-              <a:rPr lang="en-AU" sz="1800" dirty="0" smtClean="0">
-                <a:latin typeface="Courier New" pitchFamily="49" charset="0"/>
-                <a:cs typeface="Courier New" pitchFamily="49" charset="0"/>
-              </a:rPr>
-              <a:t>="</a:t>
-            </a:r>
-            <a:r>
-              <a:rPr lang="en-AU" sz="1800" dirty="0" err="1" smtClean="0">
-                <a:latin typeface="Courier New" pitchFamily="49" charset="0"/>
-                <a:cs typeface="Courier New" pitchFamily="49" charset="0"/>
-              </a:rPr>
-              <a:t>com.foo.bar</a:t>
-            </a:r>
-            <a:r>
-              <a:rPr lang="en-AU" sz="1800" dirty="0" smtClean="0">
-                <a:latin typeface="Courier New" pitchFamily="49" charset="0"/>
-                <a:cs typeface="Courier New" pitchFamily="49" charset="0"/>
-              </a:rPr>
-              <a:t>" %&gt;</a:t>
-            </a:r>
-          </a:p>
-          <a:p>
-            <a:pPr>
-              <a:buNone/>
-            </a:pPr>
-            <a:r>
-              <a:rPr lang="en-AU" sz="1800" dirty="0" smtClean="0">
-                <a:latin typeface="Courier New" pitchFamily="49" charset="0"/>
-                <a:cs typeface="Courier New" pitchFamily="49" charset="0"/>
-              </a:rPr>
-              <a:t>&lt;html&gt; &lt;head&gt; </a:t>
-            </a:r>
-          </a:p>
-          <a:p>
-            <a:pPr>
-              <a:buNone/>
-            </a:pPr>
-            <a:r>
-              <a:rPr lang="en-AU" sz="1800" dirty="0" smtClean="0">
-                <a:latin typeface="Courier New" pitchFamily="49" charset="0"/>
-                <a:cs typeface="Courier New" pitchFamily="49" charset="0"/>
-              </a:rPr>
-              <a:t>	&lt;%! </a:t>
-            </a:r>
-            <a:r>
-              <a:rPr lang="en-AU" sz="1800" b="1" dirty="0" err="1" smtClean="0">
-                <a:latin typeface="Courier New" pitchFamily="49" charset="0"/>
-                <a:cs typeface="Courier New" pitchFamily="49" charset="0"/>
-              </a:rPr>
-              <a:t>int</a:t>
-            </a:r>
-            <a:r>
-              <a:rPr lang="en-AU" sz="1800" dirty="0" smtClean="0">
-                <a:latin typeface="Courier New" pitchFamily="49" charset="0"/>
-                <a:cs typeface="Courier New" pitchFamily="49" charset="0"/>
-              </a:rPr>
-              <a:t> </a:t>
-            </a:r>
-            <a:r>
-              <a:rPr lang="en-AU" sz="1800" dirty="0" err="1" smtClean="0">
-                <a:latin typeface="Courier New" pitchFamily="49" charset="0"/>
-                <a:cs typeface="Courier New" pitchFamily="49" charset="0"/>
-              </a:rPr>
-              <a:t>serverInstanceVariable</a:t>
-            </a:r>
-            <a:r>
-              <a:rPr lang="en-AU" sz="1800" dirty="0" smtClean="0">
-                <a:latin typeface="Courier New" pitchFamily="49" charset="0"/>
-                <a:cs typeface="Courier New" pitchFamily="49" charset="0"/>
-              </a:rPr>
-              <a:t> = 1;%&gt;</a:t>
-            </a:r>
-          </a:p>
-          <a:p>
-            <a:pPr>
-              <a:buNone/>
-            </a:pPr>
-            <a:r>
-              <a:rPr lang="en-AU" sz="1800" dirty="0" smtClean="0">
-                <a:latin typeface="Courier New" pitchFamily="49" charset="0"/>
-                <a:cs typeface="Courier New" pitchFamily="49" charset="0"/>
-              </a:rPr>
-              <a:t>	&lt;% </a:t>
-            </a:r>
-            <a:r>
-              <a:rPr lang="en-AU" sz="1800" b="1" dirty="0" err="1" smtClean="0">
-                <a:latin typeface="Courier New" pitchFamily="49" charset="0"/>
-                <a:cs typeface="Courier New" pitchFamily="49" charset="0"/>
-              </a:rPr>
-              <a:t>int</a:t>
-            </a:r>
-            <a:r>
-              <a:rPr lang="en-AU" sz="1800" dirty="0" smtClean="0">
-                <a:latin typeface="Courier New" pitchFamily="49" charset="0"/>
-                <a:cs typeface="Courier New" pitchFamily="49" charset="0"/>
-              </a:rPr>
-              <a:t> </a:t>
-            </a:r>
-            <a:r>
-              <a:rPr lang="en-AU" sz="1800" dirty="0" err="1" smtClean="0">
-                <a:latin typeface="Courier New" pitchFamily="49" charset="0"/>
-                <a:cs typeface="Courier New" pitchFamily="49" charset="0"/>
-              </a:rPr>
-              <a:t>localStackBasedVariable</a:t>
-            </a:r>
-            <a:r>
-              <a:rPr lang="en-AU" sz="1800" dirty="0" smtClean="0">
-                <a:latin typeface="Courier New" pitchFamily="49" charset="0"/>
-                <a:cs typeface="Courier New" pitchFamily="49" charset="0"/>
-              </a:rPr>
-              <a:t> = 1; %&gt;</a:t>
-            </a:r>
-          </a:p>
-          <a:p>
-            <a:pPr>
-              <a:buNone/>
-            </a:pPr>
-            <a:r>
-              <a:rPr lang="en-AU" sz="1800" dirty="0" smtClean="0">
-                <a:latin typeface="Courier New" pitchFamily="49" charset="0"/>
-                <a:cs typeface="Courier New" pitchFamily="49" charset="0"/>
-              </a:rPr>
-              <a:t>	&lt;table&gt; &lt;tr&gt;&lt;td&gt;</a:t>
-            </a:r>
-          </a:p>
-          <a:p>
-            <a:pPr>
-              <a:buNone/>
-            </a:pPr>
-            <a:r>
-              <a:rPr lang="en-AU" sz="1800" dirty="0" smtClean="0">
-                <a:latin typeface="Courier New" pitchFamily="49" charset="0"/>
-                <a:cs typeface="Courier New" pitchFamily="49" charset="0"/>
-              </a:rPr>
-              <a:t>	&lt;%= </a:t>
-            </a:r>
-            <a:r>
-              <a:rPr lang="en-AU" sz="1800" dirty="0" err="1" smtClean="0">
-                <a:latin typeface="Courier New" pitchFamily="49" charset="0"/>
-                <a:cs typeface="Courier New" pitchFamily="49" charset="0"/>
-              </a:rPr>
-              <a:t>toStringOrBlank</a:t>
-            </a:r>
-            <a:r>
-              <a:rPr lang="en-AU" sz="1800" dirty="0" smtClean="0">
-                <a:latin typeface="Courier New" pitchFamily="49" charset="0"/>
-                <a:cs typeface="Courier New" pitchFamily="49" charset="0"/>
-              </a:rPr>
-              <a:t>( "expanded inline data " + 1 ) %&gt;</a:t>
-            </a:r>
-          </a:p>
-          <a:p>
-            <a:pPr>
-              <a:buNone/>
-            </a:pPr>
-            <a:r>
-              <a:rPr lang="en-AU" sz="1800" dirty="0" smtClean="0">
-                <a:latin typeface="Courier New" pitchFamily="49" charset="0"/>
-                <a:cs typeface="Courier New" pitchFamily="49" charset="0"/>
-              </a:rPr>
-              <a:t>	&lt;/td&gt;&lt;/tr&gt;...</a:t>
-            </a:r>
-            <a:endParaRPr lang="en-AU" sz="1800" dirty="0">
-              <a:latin typeface="Courier New" pitchFamily="49" charset="0"/>
-              <a:cs typeface="Courier New" pitchFamily="49" charset="0"/>
-            </a:endParaRPr>
+            <a:r>
+              <a:rPr lang="en-NZ" smtClean="0"/>
+              <a:t>Mix HTML and Java Code</a:t>
+            </a:r>
+          </a:p>
+          <a:p>
+            <a:r>
+              <a:rPr lang="en-NZ" smtClean="0"/>
+              <a:t>Oracle/Sun’s answer to ASP and PHP</a:t>
+            </a:r>
+          </a:p>
+          <a:p>
+            <a:r>
+              <a:rPr lang="en-NZ" smtClean="0"/>
+              <a:t>Blocks of static HTML + blocks of dynamically generated HTML</a:t>
+            </a:r>
+          </a:p>
+          <a:p>
+            <a:r>
+              <a:rPr lang="en-NZ" smtClean="0"/>
+              <a:t>Simplifies the creation of dynamic web applications</a:t>
+            </a:r>
+          </a:p>
+          <a:p>
+            <a:pPr lvl="1"/>
+            <a:r>
+              <a:rPr lang="en-NZ" smtClean="0"/>
+              <a:t>You do not need to output lots of messy dynamically generated HTML code from your Java code</a:t>
+            </a:r>
+          </a:p>
+          <a:p>
+            <a:r>
+              <a:rPr lang="en-NZ" smtClean="0"/>
+              <a:t>Two basic elements HTML markup and JSP scriptlet code blocks</a:t>
+            </a:r>
+            <a:endParaRPr lang="en-NZ" dirty="0" smtClean="0"/>
           </a:p>
         </p:txBody>
       </p:sp>
@@ -9215,911 +9076,155 @@
         </p:nvSpPr>
         <p:spPr/>
         <p:txBody>
+          <a:bodyPr/>
+          <a:lstStyle/>
+          <a:p>
+            <a:r>
+              <a:rPr lang="en-AU" dirty="0" smtClean="0"/>
+              <a:t>Java Server Pages</a:t>
+            </a:r>
+            <a:endParaRPr lang="en-AU" dirty="0"/>
+          </a:p>
+        </p:txBody>
+      </p:sp>
+      <p:sp>
+        <p:nvSpPr>
+          <p:cNvPr id="5" name="Content Placeholder 4"/>
+          <p:cNvSpPr>
+            <a:spLocks noGrp="1"/>
+          </p:cNvSpPr>
+          <p:nvPr>
+            <p:ph sz="quarter" idx="13"/>
+          </p:nvPr>
+        </p:nvSpPr>
+        <p:spPr/>
+        <p:txBody>
           <a:bodyPr>
-            <a:normAutofit/>
+            <a:normAutofit lnSpcReduction="10000"/>
           </a:bodyPr>
           <a:lstStyle/>
           <a:p>
             <a:r>
               <a:rPr lang="en-AU" dirty="0" smtClean="0"/>
-              <a:t>Generated Code...</a:t>
-            </a:r>
-            <a:endParaRPr lang="en-AU" dirty="0"/>
-          </a:p>
-        </p:txBody>
-      </p:sp>
-      <p:sp>
-        <p:nvSpPr>
-          <p:cNvPr id="5" name="Content Placeholder 4"/>
-          <p:cNvSpPr>
-            <a:spLocks noGrp="1"/>
-          </p:cNvSpPr>
-          <p:nvPr>
-            <p:ph sz="quarter" idx="13"/>
-          </p:nvPr>
-        </p:nvSpPr>
-        <p:spPr/>
-        <p:txBody>
-          <a:bodyPr>
-            <a:noAutofit/>
-          </a:bodyPr>
-          <a:lstStyle/>
+              <a:t>Java code executed in place: there is no need to define a main method or other entry point</a:t>
+            </a:r>
+          </a:p>
+          <a:p>
+            <a:pPr lvl="1"/>
+            <a:r>
+              <a:rPr lang="en-AU" dirty="0" smtClean="0"/>
+              <a:t>Code runs in sequential order – top to bottom</a:t>
+            </a:r>
+          </a:p>
+          <a:p>
+            <a:r>
+              <a:rPr lang="en-AU" dirty="0" smtClean="0"/>
+              <a:t>Can also define methods – more on this later</a:t>
+            </a:r>
+          </a:p>
+          <a:p>
+            <a:r>
+              <a:rPr lang="en-AU" dirty="0" smtClean="0"/>
+              <a:t>Tomcat / </a:t>
+            </a:r>
+            <a:r>
+              <a:rPr lang="en-AU" dirty="0" err="1" smtClean="0"/>
+              <a:t>Servlet</a:t>
+            </a:r>
+            <a:r>
+              <a:rPr lang="en-AU" dirty="0" smtClean="0"/>
+              <a:t> containers effectively compile JSP pages into a </a:t>
+            </a:r>
+            <a:r>
+              <a:rPr lang="en-AU" dirty="0" err="1" smtClean="0"/>
+              <a:t>Servlet</a:t>
+            </a:r>
+            <a:endParaRPr lang="en-AU" dirty="0" smtClean="0"/>
+          </a:p>
+          <a:p>
+            <a:r>
+              <a:rPr lang="en-AU" dirty="0" smtClean="0"/>
+              <a:t>Java Code blocks wrapped in &lt;% %&gt; brackets</a:t>
+            </a:r>
+          </a:p>
           <a:p>
             <a:pPr>
               <a:buNone/>
             </a:pPr>
             <a:r>
-              <a:rPr lang="en-AU" sz="1050" b="1" dirty="0" smtClean="0">
-                <a:latin typeface="Courier New" pitchFamily="49" charset="0"/>
-                <a:cs typeface="Courier New" pitchFamily="49" charset="0"/>
-              </a:rPr>
-              <a:t>import</a:t>
-            </a:r>
-            <a:r>
-              <a:rPr lang="en-AU" sz="1050" dirty="0" smtClean="0">
-                <a:latin typeface="Courier New" pitchFamily="49" charset="0"/>
-                <a:cs typeface="Courier New" pitchFamily="49" charset="0"/>
-              </a:rPr>
-              <a:t> … </a:t>
-            </a:r>
-          </a:p>
-          <a:p>
-            <a:pPr>
+              <a:rPr lang="en-AU" sz="1400" dirty="0" smtClean="0">
+                <a:latin typeface="Courier New" pitchFamily="49" charset="0"/>
+                <a:cs typeface="Courier New" pitchFamily="49" charset="0"/>
+              </a:rPr>
+              <a:t>	&lt;HTML&gt; &lt;BODY&gt; </a:t>
+            </a:r>
+          </a:p>
+          <a:p>
+            <a:pPr lvl="2">
               <a:buNone/>
             </a:pPr>
             <a:r>
-              <a:rPr lang="en-AU" sz="1050" b="1" dirty="0" smtClean="0">
-                <a:latin typeface="Courier New" pitchFamily="49" charset="0"/>
-                <a:cs typeface="Courier New" pitchFamily="49" charset="0"/>
-              </a:rPr>
-              <a:t>class</a:t>
-            </a:r>
-            <a:r>
-              <a:rPr lang="en-AU" sz="1050" dirty="0" smtClean="0">
-                <a:latin typeface="Courier New" pitchFamily="49" charset="0"/>
-                <a:cs typeface="Courier New" pitchFamily="49" charset="0"/>
-              </a:rPr>
-              <a:t> _</a:t>
-            </a:r>
-            <a:r>
-              <a:rPr lang="en-AU" sz="1050" dirty="0" err="1" smtClean="0">
-                <a:latin typeface="Courier New" pitchFamily="49" charset="0"/>
-                <a:cs typeface="Courier New" pitchFamily="49" charset="0"/>
-              </a:rPr>
-              <a:t>myservlet</a:t>
-            </a:r>
-            <a:r>
-              <a:rPr lang="en-AU" sz="1050" dirty="0" smtClean="0">
-                <a:latin typeface="Courier New" pitchFamily="49" charset="0"/>
-                <a:cs typeface="Courier New" pitchFamily="49" charset="0"/>
-              </a:rPr>
-              <a:t> </a:t>
-            </a:r>
-            <a:r>
-              <a:rPr lang="en-AU" sz="1050" b="1" dirty="0" smtClean="0">
-                <a:latin typeface="Courier New" pitchFamily="49" charset="0"/>
-                <a:cs typeface="Courier New" pitchFamily="49" charset="0"/>
-              </a:rPr>
-              <a:t>implements</a:t>
-            </a:r>
-            <a:r>
-              <a:rPr lang="en-AU" sz="1050" dirty="0" smtClean="0">
-                <a:latin typeface="Courier New" pitchFamily="49" charset="0"/>
-                <a:cs typeface="Courier New" pitchFamily="49" charset="0"/>
-              </a:rPr>
-              <a:t> </a:t>
-            </a:r>
-            <a:r>
-              <a:rPr lang="en-AU" sz="1050" dirty="0" err="1" smtClean="0">
-                <a:latin typeface="Courier New" pitchFamily="49" charset="0"/>
-                <a:cs typeface="Courier New" pitchFamily="49" charset="0"/>
-              </a:rPr>
-              <a:t>Servlet</a:t>
-            </a:r>
-            <a:r>
-              <a:rPr lang="en-AU" sz="1050" dirty="0" smtClean="0">
-                <a:latin typeface="Courier New" pitchFamily="49" charset="0"/>
-                <a:cs typeface="Courier New" pitchFamily="49" charset="0"/>
-              </a:rPr>
-              <a:t>, </a:t>
-            </a:r>
-            <a:r>
-              <a:rPr lang="en-AU" sz="1050" dirty="0" err="1" smtClean="0">
-                <a:latin typeface="Courier New" pitchFamily="49" charset="0"/>
-                <a:cs typeface="Courier New" pitchFamily="49" charset="0"/>
-              </a:rPr>
-              <a:t>HttpJspPage</a:t>
-            </a:r>
-            <a:r>
-              <a:rPr lang="en-AU" sz="1050" dirty="0" smtClean="0">
-                <a:latin typeface="Courier New" pitchFamily="49" charset="0"/>
-                <a:cs typeface="Courier New" pitchFamily="49" charset="0"/>
-              </a:rPr>
-              <a:t> {</a:t>
-            </a:r>
-          </a:p>
-          <a:p>
-            <a:pPr>
+              <a:rPr lang="en-AU" sz="1400" dirty="0" smtClean="0">
+                <a:latin typeface="Courier New" pitchFamily="49" charset="0"/>
+                <a:cs typeface="Courier New" pitchFamily="49" charset="0"/>
+              </a:rPr>
+              <a:t>&lt;% </a:t>
+            </a:r>
+            <a:r>
+              <a:rPr lang="en-AU" sz="1400" dirty="0" err="1" smtClean="0">
+                <a:latin typeface="Courier New" pitchFamily="49" charset="0"/>
+                <a:cs typeface="Courier New" pitchFamily="49" charset="0"/>
+              </a:rPr>
+              <a:t>java.util.Date</a:t>
+            </a:r>
+            <a:r>
+              <a:rPr lang="en-AU" sz="1400" dirty="0" smtClean="0">
+                <a:latin typeface="Courier New" pitchFamily="49" charset="0"/>
+                <a:cs typeface="Courier New" pitchFamily="49" charset="0"/>
+              </a:rPr>
+              <a:t> date = new </a:t>
+            </a:r>
+            <a:r>
+              <a:rPr lang="en-AU" sz="1400" dirty="0" err="1" smtClean="0">
+                <a:latin typeface="Courier New" pitchFamily="49" charset="0"/>
+                <a:cs typeface="Courier New" pitchFamily="49" charset="0"/>
+              </a:rPr>
+              <a:t>java.util.Date</a:t>
+            </a:r>
+            <a:r>
+              <a:rPr lang="en-AU" sz="1400" dirty="0" smtClean="0">
+                <a:latin typeface="Courier New" pitchFamily="49" charset="0"/>
+                <a:cs typeface="Courier New" pitchFamily="49" charset="0"/>
+              </a:rPr>
+              <a:t>(); %&gt;</a:t>
+            </a:r>
+          </a:p>
+          <a:p>
+            <a:pPr lvl="2">
               <a:buNone/>
             </a:pPr>
             <a:r>
-              <a:rPr lang="en-AU" sz="1050" b="1" dirty="0" err="1" smtClean="0">
-                <a:latin typeface="Courier New" pitchFamily="49" charset="0"/>
-                <a:cs typeface="Courier New" pitchFamily="49" charset="0"/>
-              </a:rPr>
-              <a:t>int</a:t>
-            </a:r>
-            <a:r>
-              <a:rPr lang="en-AU" sz="1050" dirty="0" smtClean="0">
-                <a:latin typeface="Courier New" pitchFamily="49" charset="0"/>
-                <a:cs typeface="Courier New" pitchFamily="49" charset="0"/>
-              </a:rPr>
-              <a:t> </a:t>
-            </a:r>
-            <a:r>
-              <a:rPr lang="en-AU" sz="1050" dirty="0" err="1" smtClean="0">
-                <a:latin typeface="Courier New" pitchFamily="49" charset="0"/>
-                <a:cs typeface="Courier New" pitchFamily="49" charset="0"/>
-              </a:rPr>
-              <a:t>serverInstanceVariable</a:t>
-            </a:r>
-            <a:r>
-              <a:rPr lang="en-AU" sz="1050" dirty="0" smtClean="0">
-                <a:latin typeface="Courier New" pitchFamily="49" charset="0"/>
-                <a:cs typeface="Courier New" pitchFamily="49" charset="0"/>
-              </a:rPr>
-              <a:t> = 1;</a:t>
-            </a:r>
-          </a:p>
-          <a:p>
-            <a:pPr>
+              <a:rPr lang="en-AU" sz="1400" dirty="0" smtClean="0">
+                <a:latin typeface="Courier New" pitchFamily="49" charset="0"/>
+                <a:cs typeface="Courier New" pitchFamily="49" charset="0"/>
+              </a:rPr>
+              <a:t> Hello!  The time is now &lt;%= date %&gt; </a:t>
+            </a:r>
+          </a:p>
+          <a:p>
+            <a:pPr lvl="1">
               <a:buNone/>
             </a:pPr>
             <a:r>
-              <a:rPr lang="en-AU" sz="1050" dirty="0" smtClean="0">
-                <a:latin typeface="Courier New" pitchFamily="49" charset="0"/>
-                <a:cs typeface="Courier New" pitchFamily="49" charset="0"/>
-              </a:rPr>
-              <a:t> … </a:t>
-            </a:r>
-            <a:r>
-              <a:rPr lang="en-AU" sz="1050" b="1" dirty="0" smtClean="0">
-                <a:latin typeface="Courier New" pitchFamily="49" charset="0"/>
-                <a:cs typeface="Courier New" pitchFamily="49" charset="0"/>
-              </a:rPr>
-              <a:t>public</a:t>
-            </a:r>
-            <a:r>
-              <a:rPr lang="en-AU" sz="1050" dirty="0" smtClean="0">
-                <a:latin typeface="Courier New" pitchFamily="49" charset="0"/>
-                <a:cs typeface="Courier New" pitchFamily="49" charset="0"/>
-              </a:rPr>
-              <a:t> </a:t>
-            </a:r>
-            <a:r>
-              <a:rPr lang="en-AU" sz="1050" b="1" dirty="0" smtClean="0">
-                <a:latin typeface="Courier New" pitchFamily="49" charset="0"/>
-                <a:cs typeface="Courier New" pitchFamily="49" charset="0"/>
-              </a:rPr>
-              <a:t>void</a:t>
-            </a:r>
-            <a:r>
-              <a:rPr lang="en-AU" sz="1050" dirty="0" smtClean="0">
-                <a:latin typeface="Courier New" pitchFamily="49" charset="0"/>
-                <a:cs typeface="Courier New" pitchFamily="49" charset="0"/>
-              </a:rPr>
-              <a:t> _</a:t>
-            </a:r>
-            <a:r>
-              <a:rPr lang="en-AU" sz="1050" dirty="0" err="1" smtClean="0">
-                <a:latin typeface="Courier New" pitchFamily="49" charset="0"/>
-                <a:cs typeface="Courier New" pitchFamily="49" charset="0"/>
-              </a:rPr>
-              <a:t>jspService</a:t>
-            </a:r>
-            <a:r>
-              <a:rPr lang="en-AU" sz="1050" dirty="0" smtClean="0">
-                <a:latin typeface="Courier New" pitchFamily="49" charset="0"/>
-                <a:cs typeface="Courier New" pitchFamily="49" charset="0"/>
-              </a:rPr>
-              <a:t>(</a:t>
-            </a:r>
-            <a:r>
-              <a:rPr lang="en-AU" sz="1050" dirty="0" err="1" smtClean="0">
-                <a:latin typeface="Courier New" pitchFamily="49" charset="0"/>
-                <a:cs typeface="Courier New" pitchFamily="49" charset="0"/>
-              </a:rPr>
-              <a:t>HttpServletRequest</a:t>
-            </a:r>
-            <a:r>
-              <a:rPr lang="en-AU" sz="1050" dirty="0" smtClean="0">
-                <a:latin typeface="Courier New" pitchFamily="49" charset="0"/>
-                <a:cs typeface="Courier New" pitchFamily="49" charset="0"/>
-              </a:rPr>
-              <a:t> request, </a:t>
-            </a:r>
-            <a:r>
-              <a:rPr lang="en-AU" sz="1050" dirty="0" err="1" smtClean="0">
-                <a:latin typeface="Courier New" pitchFamily="49" charset="0"/>
-                <a:cs typeface="Courier New" pitchFamily="49" charset="0"/>
-              </a:rPr>
-              <a:t>HttpServletResponse</a:t>
-            </a:r>
-            <a:r>
-              <a:rPr lang="en-AU" sz="1050" dirty="0" smtClean="0">
-                <a:latin typeface="Courier New" pitchFamily="49" charset="0"/>
-                <a:cs typeface="Courier New" pitchFamily="49" charset="0"/>
-              </a:rPr>
-              <a:t> response ) </a:t>
-            </a:r>
-            <a:r>
-              <a:rPr lang="en-AU" sz="1050" b="1" dirty="0" smtClean="0">
-                <a:latin typeface="Courier New" pitchFamily="49" charset="0"/>
-                <a:cs typeface="Courier New" pitchFamily="49" charset="0"/>
-              </a:rPr>
-              <a:t>throws</a:t>
-            </a:r>
-            <a:r>
-              <a:rPr lang="en-AU" sz="1050" dirty="0" smtClean="0">
-                <a:latin typeface="Courier New" pitchFamily="49" charset="0"/>
-                <a:cs typeface="Courier New" pitchFamily="49" charset="0"/>
-              </a:rPr>
-              <a:t> </a:t>
-            </a:r>
-            <a:r>
-              <a:rPr lang="en-AU" sz="1050" dirty="0" err="1" smtClean="0">
-                <a:latin typeface="Courier New" pitchFamily="49" charset="0"/>
-                <a:cs typeface="Courier New" pitchFamily="49" charset="0"/>
-              </a:rPr>
-              <a:t>ServletException</a:t>
-            </a:r>
-            <a:r>
-              <a:rPr lang="en-AU" sz="1050" dirty="0" smtClean="0">
-                <a:latin typeface="Courier New" pitchFamily="49" charset="0"/>
-                <a:cs typeface="Courier New" pitchFamily="49" charset="0"/>
-              </a:rPr>
-              <a:t>, </a:t>
-            </a:r>
-            <a:r>
-              <a:rPr lang="en-AU" sz="1050" dirty="0" err="1" smtClean="0">
-                <a:latin typeface="Courier New" pitchFamily="49" charset="0"/>
-                <a:cs typeface="Courier New" pitchFamily="49" charset="0"/>
-              </a:rPr>
-              <a:t>java.io.IOException</a:t>
-            </a:r>
-            <a:r>
-              <a:rPr lang="en-AU" sz="1050" dirty="0" smtClean="0">
-                <a:latin typeface="Courier New" pitchFamily="49" charset="0"/>
-                <a:cs typeface="Courier New" pitchFamily="49" charset="0"/>
-              </a:rPr>
-              <a:t> {</a:t>
-            </a:r>
-          </a:p>
-          <a:p>
-            <a:pPr>
-              <a:buNone/>
-            </a:pPr>
-            <a:r>
-              <a:rPr lang="en-AU" sz="1050" dirty="0" smtClean="0">
-                <a:latin typeface="Courier New" pitchFamily="49" charset="0"/>
-                <a:cs typeface="Courier New" pitchFamily="49" charset="0"/>
-              </a:rPr>
-              <a:t>	</a:t>
-            </a:r>
-            <a:r>
-              <a:rPr lang="en-AU" sz="1050" dirty="0" err="1" smtClean="0">
-                <a:latin typeface="Courier New" pitchFamily="49" charset="0"/>
-                <a:cs typeface="Courier New" pitchFamily="49" charset="0"/>
-              </a:rPr>
-              <a:t>ServletConfig</a:t>
-            </a:r>
-            <a:r>
-              <a:rPr lang="en-AU" sz="1050" dirty="0" smtClean="0">
-                <a:latin typeface="Courier New" pitchFamily="49" charset="0"/>
-                <a:cs typeface="Courier New" pitchFamily="49" charset="0"/>
-              </a:rPr>
-              <a:t> </a:t>
-            </a:r>
-            <a:r>
-              <a:rPr lang="en-AU" sz="1050" dirty="0" err="1" smtClean="0">
-                <a:latin typeface="Courier New" pitchFamily="49" charset="0"/>
-                <a:cs typeface="Courier New" pitchFamily="49" charset="0"/>
-              </a:rPr>
-              <a:t>config</a:t>
-            </a:r>
-            <a:r>
-              <a:rPr lang="en-AU" sz="1050" dirty="0" smtClean="0">
-                <a:latin typeface="Courier New" pitchFamily="49" charset="0"/>
-                <a:cs typeface="Courier New" pitchFamily="49" charset="0"/>
-              </a:rPr>
-              <a:t> = …; </a:t>
-            </a:r>
-            <a:r>
-              <a:rPr lang="en-AU" sz="1050" i="1" dirty="0" smtClean="0">
-                <a:latin typeface="Courier New" pitchFamily="49" charset="0"/>
-                <a:cs typeface="Courier New" pitchFamily="49" charset="0"/>
-              </a:rPr>
-              <a:t>// Get the </a:t>
-            </a:r>
-            <a:r>
-              <a:rPr lang="en-AU" sz="1050" i="1" dirty="0" err="1" smtClean="0">
-                <a:latin typeface="Courier New" pitchFamily="49" charset="0"/>
-                <a:cs typeface="Courier New" pitchFamily="49" charset="0"/>
-              </a:rPr>
-              <a:t>servlet</a:t>
-            </a:r>
-            <a:r>
-              <a:rPr lang="en-AU" sz="1050" i="1" dirty="0" smtClean="0">
-                <a:latin typeface="Courier New" pitchFamily="49" charset="0"/>
-                <a:cs typeface="Courier New" pitchFamily="49" charset="0"/>
-              </a:rPr>
-              <a:t> </a:t>
-            </a:r>
-            <a:r>
-              <a:rPr lang="en-AU" sz="1050" i="1" dirty="0" err="1" smtClean="0">
-                <a:latin typeface="Courier New" pitchFamily="49" charset="0"/>
-                <a:cs typeface="Courier New" pitchFamily="49" charset="0"/>
-              </a:rPr>
-              <a:t>config</a:t>
-            </a:r>
-            <a:r>
-              <a:rPr lang="en-AU" sz="1050" dirty="0" smtClean="0">
-                <a:latin typeface="Courier New" pitchFamily="49" charset="0"/>
-                <a:cs typeface="Courier New" pitchFamily="49" charset="0"/>
-              </a:rPr>
-              <a:t> Object </a:t>
-            </a:r>
-          </a:p>
-          <a:p>
-            <a:pPr>
-              <a:buNone/>
-            </a:pPr>
-            <a:r>
-              <a:rPr lang="en-AU" sz="1050" dirty="0" smtClean="0">
-                <a:latin typeface="Courier New" pitchFamily="49" charset="0"/>
-                <a:cs typeface="Courier New" pitchFamily="49" charset="0"/>
-              </a:rPr>
-              <a:t>	page = </a:t>
-            </a:r>
-            <a:r>
-              <a:rPr lang="en-AU" sz="1050" b="1" dirty="0" smtClean="0">
-                <a:latin typeface="Courier New" pitchFamily="49" charset="0"/>
-                <a:cs typeface="Courier New" pitchFamily="49" charset="0"/>
-              </a:rPr>
-              <a:t>this</a:t>
-            </a:r>
-            <a:r>
-              <a:rPr lang="en-AU" sz="1050" dirty="0" smtClean="0">
-                <a:latin typeface="Courier New" pitchFamily="49" charset="0"/>
-                <a:cs typeface="Courier New" pitchFamily="49" charset="0"/>
-              </a:rPr>
-              <a:t>;</a:t>
-            </a:r>
-          </a:p>
-          <a:p>
-            <a:pPr>
-              <a:buNone/>
-            </a:pPr>
-            <a:r>
-              <a:rPr lang="en-AU" sz="1050" dirty="0" smtClean="0">
-                <a:latin typeface="Courier New" pitchFamily="49" charset="0"/>
-                <a:cs typeface="Courier New" pitchFamily="49" charset="0"/>
-              </a:rPr>
-              <a:t>	</a:t>
-            </a:r>
-            <a:r>
-              <a:rPr lang="en-AU" sz="1050" dirty="0" err="1" smtClean="0">
-                <a:latin typeface="Courier New" pitchFamily="49" charset="0"/>
-                <a:cs typeface="Courier New" pitchFamily="49" charset="0"/>
-              </a:rPr>
-              <a:t>PageContext</a:t>
-            </a:r>
-            <a:r>
-              <a:rPr lang="en-AU" sz="1050" dirty="0" smtClean="0">
-                <a:latin typeface="Courier New" pitchFamily="49" charset="0"/>
-                <a:cs typeface="Courier New" pitchFamily="49" charset="0"/>
-              </a:rPr>
-              <a:t> </a:t>
-            </a:r>
-            <a:r>
-              <a:rPr lang="en-AU" sz="1050" dirty="0" err="1" smtClean="0">
-                <a:latin typeface="Courier New" pitchFamily="49" charset="0"/>
-                <a:cs typeface="Courier New" pitchFamily="49" charset="0"/>
-              </a:rPr>
-              <a:t>pageContext</a:t>
-            </a:r>
-            <a:r>
-              <a:rPr lang="en-AU" sz="1050" dirty="0" smtClean="0">
-                <a:latin typeface="Courier New" pitchFamily="49" charset="0"/>
-                <a:cs typeface="Courier New" pitchFamily="49" charset="0"/>
-              </a:rPr>
-              <a:t> = …; </a:t>
-            </a:r>
-            <a:r>
-              <a:rPr lang="en-AU" sz="1050" i="1" dirty="0" smtClean="0">
-                <a:latin typeface="Courier New" pitchFamily="49" charset="0"/>
-                <a:cs typeface="Courier New" pitchFamily="49" charset="0"/>
-              </a:rPr>
-              <a:t>// Get the page context for this request</a:t>
-            </a:r>
-            <a:r>
-              <a:rPr lang="en-AU" sz="1050" dirty="0" smtClean="0">
-                <a:latin typeface="Courier New" pitchFamily="49" charset="0"/>
-                <a:cs typeface="Courier New" pitchFamily="49" charset="0"/>
-              </a:rPr>
-              <a:t> </a:t>
-            </a:r>
-          </a:p>
-          <a:p>
-            <a:pPr>
-              <a:buNone/>
-            </a:pPr>
-            <a:r>
-              <a:rPr lang="en-AU" sz="1050" dirty="0" smtClean="0">
-                <a:latin typeface="Courier New" pitchFamily="49" charset="0"/>
-                <a:cs typeface="Courier New" pitchFamily="49" charset="0"/>
-              </a:rPr>
-              <a:t>	</a:t>
-            </a:r>
-            <a:r>
-              <a:rPr lang="en-AU" sz="1050" dirty="0" err="1" smtClean="0">
-                <a:latin typeface="Courier New" pitchFamily="49" charset="0"/>
-                <a:cs typeface="Courier New" pitchFamily="49" charset="0"/>
-              </a:rPr>
-              <a:t>JspWriter</a:t>
-            </a:r>
-            <a:r>
-              <a:rPr lang="en-AU" sz="1050" dirty="0" smtClean="0">
-                <a:latin typeface="Courier New" pitchFamily="49" charset="0"/>
-                <a:cs typeface="Courier New" pitchFamily="49" charset="0"/>
-              </a:rPr>
-              <a:t> out = </a:t>
-            </a:r>
-            <a:r>
-              <a:rPr lang="en-AU" sz="1050" dirty="0" err="1" smtClean="0">
-                <a:latin typeface="Courier New" pitchFamily="49" charset="0"/>
-                <a:cs typeface="Courier New" pitchFamily="49" charset="0"/>
-              </a:rPr>
-              <a:t>pageContext.getOut</a:t>
-            </a:r>
-            <a:r>
-              <a:rPr lang="en-AU" sz="1050" dirty="0" smtClean="0">
-                <a:latin typeface="Courier New" pitchFamily="49" charset="0"/>
-                <a:cs typeface="Courier New" pitchFamily="49" charset="0"/>
-              </a:rPr>
-              <a:t>();</a:t>
-            </a:r>
-          </a:p>
-          <a:p>
-            <a:pPr>
-              <a:buNone/>
-            </a:pPr>
-            <a:r>
-              <a:rPr lang="en-AU" sz="1050" dirty="0" smtClean="0">
-                <a:latin typeface="Courier New" pitchFamily="49" charset="0"/>
-                <a:cs typeface="Courier New" pitchFamily="49" charset="0"/>
-              </a:rPr>
-              <a:t>	</a:t>
-            </a:r>
-            <a:r>
-              <a:rPr lang="en-AU" sz="1050" dirty="0" err="1" smtClean="0">
-                <a:latin typeface="Courier New" pitchFamily="49" charset="0"/>
-                <a:cs typeface="Courier New" pitchFamily="49" charset="0"/>
-              </a:rPr>
-              <a:t>HttpSession</a:t>
-            </a:r>
-            <a:r>
-              <a:rPr lang="en-AU" sz="1050" dirty="0" smtClean="0">
-                <a:latin typeface="Courier New" pitchFamily="49" charset="0"/>
-                <a:cs typeface="Courier New" pitchFamily="49" charset="0"/>
-              </a:rPr>
-              <a:t> session = </a:t>
-            </a:r>
-            <a:r>
-              <a:rPr lang="en-AU" sz="1050" dirty="0" err="1" smtClean="0">
-                <a:latin typeface="Courier New" pitchFamily="49" charset="0"/>
-                <a:cs typeface="Courier New" pitchFamily="49" charset="0"/>
-              </a:rPr>
-              <a:t>request.getSession</a:t>
-            </a:r>
-            <a:r>
-              <a:rPr lang="en-AU" sz="1050" dirty="0" smtClean="0">
-                <a:latin typeface="Courier New" pitchFamily="49" charset="0"/>
-                <a:cs typeface="Courier New" pitchFamily="49" charset="0"/>
-              </a:rPr>
-              <a:t>( </a:t>
-            </a:r>
-            <a:r>
-              <a:rPr lang="en-AU" sz="1050" b="1" dirty="0" smtClean="0">
-                <a:latin typeface="Courier New" pitchFamily="49" charset="0"/>
-                <a:cs typeface="Courier New" pitchFamily="49" charset="0"/>
-              </a:rPr>
-              <a:t>true</a:t>
-            </a:r>
-            <a:r>
-              <a:rPr lang="en-AU" sz="1050" dirty="0" smtClean="0">
-                <a:latin typeface="Courier New" pitchFamily="49" charset="0"/>
-                <a:cs typeface="Courier New" pitchFamily="49" charset="0"/>
-              </a:rPr>
-              <a:t> );</a:t>
-            </a:r>
-          </a:p>
-          <a:p>
-            <a:pPr>
-              <a:buNone/>
-            </a:pPr>
-            <a:r>
-              <a:rPr lang="en-AU" sz="1050" b="1" dirty="0" smtClean="0">
-                <a:latin typeface="Courier New" pitchFamily="49" charset="0"/>
-                <a:cs typeface="Courier New" pitchFamily="49" charset="0"/>
-              </a:rPr>
-              <a:t>	try</a:t>
-            </a:r>
-            <a:r>
-              <a:rPr lang="en-AU" sz="1050" dirty="0" smtClean="0">
-                <a:latin typeface="Courier New" pitchFamily="49" charset="0"/>
-                <a:cs typeface="Courier New" pitchFamily="49" charset="0"/>
-              </a:rPr>
-              <a:t> {</a:t>
-            </a:r>
-          </a:p>
-          <a:p>
-            <a:pPr>
-              <a:buNone/>
-            </a:pPr>
-            <a:r>
-              <a:rPr lang="en-AU" sz="1050" dirty="0" smtClean="0">
-                <a:latin typeface="Courier New" pitchFamily="49" charset="0"/>
-                <a:cs typeface="Courier New" pitchFamily="49" charset="0"/>
-              </a:rPr>
-              <a:t>		</a:t>
-            </a:r>
-            <a:r>
-              <a:rPr lang="en-AU" sz="1050" dirty="0" err="1" smtClean="0">
-                <a:latin typeface="Courier New" pitchFamily="49" charset="0"/>
-                <a:cs typeface="Courier New" pitchFamily="49" charset="0"/>
-              </a:rPr>
-              <a:t>out.print</a:t>
-            </a:r>
-            <a:r>
-              <a:rPr lang="en-AU" sz="1050" dirty="0" smtClean="0">
-                <a:latin typeface="Courier New" pitchFamily="49" charset="0"/>
-                <a:cs typeface="Courier New" pitchFamily="49" charset="0"/>
-              </a:rPr>
-              <a:t>( "&lt;html&gt;</a:t>
-            </a:r>
-            <a:r>
-              <a:rPr lang="en-AU" sz="1050" b="1" dirty="0" smtClean="0">
-                <a:latin typeface="Courier New" pitchFamily="49" charset="0"/>
-                <a:cs typeface="Courier New" pitchFamily="49" charset="0"/>
-              </a:rPr>
-              <a:t>\r\n</a:t>
-            </a:r>
-            <a:r>
-              <a:rPr lang="en-AU" sz="1050" dirty="0" smtClean="0">
-                <a:latin typeface="Courier New" pitchFamily="49" charset="0"/>
-                <a:cs typeface="Courier New" pitchFamily="49" charset="0"/>
-              </a:rPr>
-              <a:t>" );</a:t>
-            </a:r>
-          </a:p>
-          <a:p>
-            <a:pPr>
-              <a:buNone/>
-            </a:pPr>
-            <a:r>
-              <a:rPr lang="en-AU" sz="1050" dirty="0" smtClean="0">
-                <a:latin typeface="Courier New" pitchFamily="49" charset="0"/>
-                <a:cs typeface="Courier New" pitchFamily="49" charset="0"/>
-              </a:rPr>
-              <a:t>		</a:t>
-            </a:r>
-            <a:r>
-              <a:rPr lang="en-AU" sz="1050" dirty="0" err="1" smtClean="0">
-                <a:latin typeface="Courier New" pitchFamily="49" charset="0"/>
-                <a:cs typeface="Courier New" pitchFamily="49" charset="0"/>
-              </a:rPr>
-              <a:t>out.print</a:t>
-            </a:r>
-            <a:r>
-              <a:rPr lang="en-AU" sz="1050" dirty="0" smtClean="0">
-                <a:latin typeface="Courier New" pitchFamily="49" charset="0"/>
-                <a:cs typeface="Courier New" pitchFamily="49" charset="0"/>
-              </a:rPr>
-              <a:t>( "&lt;head&gt;</a:t>
-            </a:r>
-            <a:r>
-              <a:rPr lang="en-AU" sz="1050" b="1" dirty="0" smtClean="0">
-                <a:latin typeface="Courier New" pitchFamily="49" charset="0"/>
-                <a:cs typeface="Courier New" pitchFamily="49" charset="0"/>
-              </a:rPr>
-              <a:t>\r\n</a:t>
-            </a:r>
-            <a:r>
-              <a:rPr lang="en-AU" sz="1050" dirty="0" smtClean="0">
-                <a:latin typeface="Courier New" pitchFamily="49" charset="0"/>
-                <a:cs typeface="Courier New" pitchFamily="49" charset="0"/>
-              </a:rPr>
-              <a:t>" );</a:t>
-            </a:r>
-          </a:p>
-          <a:p>
-            <a:pPr>
-              <a:buNone/>
-            </a:pPr>
-            <a:r>
-              <a:rPr lang="en-AU" sz="1050" dirty="0" smtClean="0">
-                <a:latin typeface="Courier New" pitchFamily="49" charset="0"/>
-                <a:cs typeface="Courier New" pitchFamily="49" charset="0"/>
-              </a:rPr>
-              <a:t>		… </a:t>
-            </a:r>
-          </a:p>
-          <a:p>
-            <a:pPr>
-              <a:buNone/>
-            </a:pPr>
-            <a:r>
-              <a:rPr lang="en-AU" sz="1050" b="1" dirty="0" smtClean="0">
-                <a:latin typeface="Courier New" pitchFamily="49" charset="0"/>
-                <a:cs typeface="Courier New" pitchFamily="49" charset="0"/>
-              </a:rPr>
-              <a:t>		</a:t>
-            </a:r>
-            <a:r>
-              <a:rPr lang="en-AU" sz="1050" b="1" dirty="0" err="1" smtClean="0">
-                <a:latin typeface="Courier New" pitchFamily="49" charset="0"/>
-                <a:cs typeface="Courier New" pitchFamily="49" charset="0"/>
-              </a:rPr>
-              <a:t>int</a:t>
-            </a:r>
-            <a:r>
-              <a:rPr lang="en-AU" sz="1050" dirty="0" smtClean="0">
-                <a:latin typeface="Courier New" pitchFamily="49" charset="0"/>
-                <a:cs typeface="Courier New" pitchFamily="49" charset="0"/>
-              </a:rPr>
-              <a:t> </a:t>
-            </a:r>
-            <a:r>
-              <a:rPr lang="en-AU" sz="1050" dirty="0" err="1" smtClean="0">
-                <a:latin typeface="Courier New" pitchFamily="49" charset="0"/>
-                <a:cs typeface="Courier New" pitchFamily="49" charset="0"/>
-              </a:rPr>
-              <a:t>LocalStackBasedVariable</a:t>
-            </a:r>
-            <a:r>
-              <a:rPr lang="en-AU" sz="1050" dirty="0" smtClean="0">
-                <a:latin typeface="Courier New" pitchFamily="49" charset="0"/>
-                <a:cs typeface="Courier New" pitchFamily="49" charset="0"/>
-              </a:rPr>
-              <a:t> = 1;</a:t>
-            </a:r>
-          </a:p>
-          <a:p>
-            <a:pPr>
-              <a:buNone/>
-            </a:pPr>
-            <a:r>
-              <a:rPr lang="en-AU" sz="1050" dirty="0" smtClean="0">
-                <a:latin typeface="Courier New" pitchFamily="49" charset="0"/>
-                <a:cs typeface="Courier New" pitchFamily="49" charset="0"/>
-              </a:rPr>
-              <a:t>		…</a:t>
-            </a:r>
-          </a:p>
-          <a:p>
-            <a:pPr>
-              <a:buNone/>
-            </a:pPr>
-            <a:r>
-              <a:rPr lang="en-AU" sz="1050" dirty="0" smtClean="0">
-                <a:latin typeface="Courier New" pitchFamily="49" charset="0"/>
-                <a:cs typeface="Courier New" pitchFamily="49" charset="0"/>
-              </a:rPr>
-              <a:t>		</a:t>
-            </a:r>
-            <a:r>
-              <a:rPr lang="en-AU" sz="1050" dirty="0" err="1" smtClean="0">
-                <a:latin typeface="Courier New" pitchFamily="49" charset="0"/>
-                <a:cs typeface="Courier New" pitchFamily="49" charset="0"/>
-              </a:rPr>
-              <a:t>out.print</a:t>
-            </a:r>
-            <a:r>
-              <a:rPr lang="en-AU" sz="1050" dirty="0" smtClean="0">
-                <a:latin typeface="Courier New" pitchFamily="49" charset="0"/>
-                <a:cs typeface="Courier New" pitchFamily="49" charset="0"/>
-              </a:rPr>
-              <a:t>( "&lt;table&gt;</a:t>
-            </a:r>
-            <a:r>
-              <a:rPr lang="en-AU" sz="1050" b="1" dirty="0" smtClean="0">
-                <a:latin typeface="Courier New" pitchFamily="49" charset="0"/>
-                <a:cs typeface="Courier New" pitchFamily="49" charset="0"/>
-              </a:rPr>
-              <a:t>\r\n</a:t>
-            </a:r>
-            <a:r>
-              <a:rPr lang="en-AU" sz="1050" dirty="0" smtClean="0">
-                <a:latin typeface="Courier New" pitchFamily="49" charset="0"/>
-                <a:cs typeface="Courier New" pitchFamily="49" charset="0"/>
-              </a:rPr>
-              <a:t>" );</a:t>
-            </a:r>
-          </a:p>
-          <a:p>
-            <a:pPr>
-              <a:buNone/>
-            </a:pPr>
-            <a:r>
-              <a:rPr lang="en-AU" sz="1050" dirty="0" smtClean="0">
-                <a:latin typeface="Courier New" pitchFamily="49" charset="0"/>
-                <a:cs typeface="Courier New" pitchFamily="49" charset="0"/>
-              </a:rPr>
-              <a:t>		</a:t>
-            </a:r>
-            <a:r>
-              <a:rPr lang="en-AU" sz="1050" dirty="0" err="1" smtClean="0">
-                <a:latin typeface="Courier New" pitchFamily="49" charset="0"/>
-                <a:cs typeface="Courier New" pitchFamily="49" charset="0"/>
-              </a:rPr>
-              <a:t>out.print</a:t>
-            </a:r>
-            <a:r>
-              <a:rPr lang="en-AU" sz="1050" dirty="0" smtClean="0">
-                <a:latin typeface="Courier New" pitchFamily="49" charset="0"/>
-                <a:cs typeface="Courier New" pitchFamily="49" charset="0"/>
-              </a:rPr>
-              <a:t>( " &lt;tr&gt;&lt;td&gt;" );</a:t>
-            </a:r>
-          </a:p>
-          <a:p>
-            <a:pPr>
-              <a:buNone/>
-            </a:pPr>
-            <a:r>
-              <a:rPr lang="en-AU" sz="1050" dirty="0" smtClean="0">
-                <a:latin typeface="Courier New" pitchFamily="49" charset="0"/>
-                <a:cs typeface="Courier New" pitchFamily="49" charset="0"/>
-              </a:rPr>
-              <a:t>		</a:t>
-            </a:r>
-            <a:r>
-              <a:rPr lang="en-AU" sz="1050" dirty="0" err="1" smtClean="0">
-                <a:latin typeface="Courier New" pitchFamily="49" charset="0"/>
-                <a:cs typeface="Courier New" pitchFamily="49" charset="0"/>
-              </a:rPr>
-              <a:t>out.print</a:t>
-            </a:r>
-            <a:r>
-              <a:rPr lang="en-AU" sz="1050" dirty="0" smtClean="0">
-                <a:latin typeface="Courier New" pitchFamily="49" charset="0"/>
-                <a:cs typeface="Courier New" pitchFamily="49" charset="0"/>
-              </a:rPr>
-              <a:t>( </a:t>
-            </a:r>
-            <a:r>
-              <a:rPr lang="en-AU" sz="1050" dirty="0" err="1" smtClean="0">
-                <a:latin typeface="Courier New" pitchFamily="49" charset="0"/>
-                <a:cs typeface="Courier New" pitchFamily="49" charset="0"/>
-              </a:rPr>
-              <a:t>toStringOrBlank</a:t>
-            </a:r>
-            <a:r>
-              <a:rPr lang="en-AU" sz="1050" dirty="0" smtClean="0">
-                <a:latin typeface="Courier New" pitchFamily="49" charset="0"/>
-                <a:cs typeface="Courier New" pitchFamily="49" charset="0"/>
-              </a:rPr>
-              <a:t>( "expanded inline data " + 1 ));</a:t>
-            </a:r>
-          </a:p>
-          <a:p>
-            <a:pPr>
-              <a:buNone/>
-            </a:pPr>
-            <a:r>
-              <a:rPr lang="en-AU" sz="1050" dirty="0" smtClean="0">
-                <a:latin typeface="Courier New" pitchFamily="49" charset="0"/>
-                <a:cs typeface="Courier New" pitchFamily="49" charset="0"/>
-              </a:rPr>
-              <a:t>		</a:t>
-            </a:r>
-            <a:r>
-              <a:rPr lang="en-AU" sz="1050" dirty="0" err="1" smtClean="0">
-                <a:latin typeface="Courier New" pitchFamily="49" charset="0"/>
-                <a:cs typeface="Courier New" pitchFamily="49" charset="0"/>
-              </a:rPr>
-              <a:t>out.print</a:t>
-            </a:r>
-            <a:r>
-              <a:rPr lang="en-AU" sz="1050" dirty="0" smtClean="0">
-                <a:latin typeface="Courier New" pitchFamily="49" charset="0"/>
-                <a:cs typeface="Courier New" pitchFamily="49" charset="0"/>
-              </a:rPr>
-              <a:t>( " &lt;/td&gt;&lt;/tr&gt;</a:t>
-            </a:r>
-            <a:r>
-              <a:rPr lang="en-AU" sz="1050" b="1" dirty="0" smtClean="0">
-                <a:latin typeface="Courier New" pitchFamily="49" charset="0"/>
-                <a:cs typeface="Courier New" pitchFamily="49" charset="0"/>
-              </a:rPr>
-              <a:t>\r\n</a:t>
-            </a:r>
-            <a:r>
-              <a:rPr lang="en-AU" sz="1050" dirty="0" smtClean="0">
-                <a:latin typeface="Courier New" pitchFamily="49" charset="0"/>
-                <a:cs typeface="Courier New" pitchFamily="49" charset="0"/>
-              </a:rPr>
-              <a:t>" );</a:t>
-            </a:r>
-          </a:p>
-          <a:p>
-            <a:pPr>
-              <a:buNone/>
-            </a:pPr>
-            <a:r>
-              <a:rPr lang="en-AU" sz="1050" dirty="0" smtClean="0">
-                <a:latin typeface="Courier New" pitchFamily="49" charset="0"/>
-                <a:cs typeface="Courier New" pitchFamily="49" charset="0"/>
-              </a:rPr>
-              <a:t>		…</a:t>
-            </a:r>
-          </a:p>
-          <a:p>
-            <a:pPr>
-              <a:buNone/>
-            </a:pPr>
-            <a:r>
-              <a:rPr lang="en-AU" sz="1050" dirty="0" smtClean="0">
-                <a:latin typeface="Courier New" pitchFamily="49" charset="0"/>
-                <a:cs typeface="Courier New" pitchFamily="49" charset="0"/>
-              </a:rPr>
-              <a:t>	} </a:t>
-            </a:r>
-            <a:r>
-              <a:rPr lang="en-AU" sz="1050" b="1" dirty="0" smtClean="0">
-                <a:latin typeface="Courier New" pitchFamily="49" charset="0"/>
-                <a:cs typeface="Courier New" pitchFamily="49" charset="0"/>
-              </a:rPr>
-              <a:t>catch</a:t>
-            </a:r>
-            <a:r>
-              <a:rPr lang="en-AU" sz="1050" dirty="0" smtClean="0">
-                <a:latin typeface="Courier New" pitchFamily="49" charset="0"/>
-                <a:cs typeface="Courier New" pitchFamily="49" charset="0"/>
-              </a:rPr>
-              <a:t> ( Exception _exception ) { </a:t>
-            </a:r>
-            <a:r>
-              <a:rPr lang="en-AU" sz="1050" i="1" dirty="0" smtClean="0">
-                <a:latin typeface="Courier New" pitchFamily="49" charset="0"/>
-                <a:cs typeface="Courier New" pitchFamily="49" charset="0"/>
-              </a:rPr>
-              <a:t>...</a:t>
-            </a:r>
-            <a:r>
-              <a:rPr lang="en-AU" sz="1050" dirty="0" smtClean="0">
-                <a:latin typeface="Courier New" pitchFamily="49" charset="0"/>
-                <a:cs typeface="Courier New" pitchFamily="49" charset="0"/>
-              </a:rPr>
-              <a:t> </a:t>
-            </a:r>
-          </a:p>
-          <a:p>
-            <a:pPr>
-              <a:buNone/>
-            </a:pPr>
-            <a:r>
-              <a:rPr lang="en-AU" sz="1050" dirty="0" smtClean="0">
-                <a:latin typeface="Courier New" pitchFamily="49" charset="0"/>
-                <a:cs typeface="Courier New" pitchFamily="49" charset="0"/>
-              </a:rPr>
-              <a:t>	} } }</a:t>
-            </a:r>
-            <a:endParaRPr lang="en-AU" sz="1050" dirty="0">
-              <a:latin typeface="Courier New" pitchFamily="49" charset="0"/>
-              <a:cs typeface="Courier New" pitchFamily="49" charset="0"/>
-            </a:endParaRPr>
+              <a:rPr lang="en-AU" sz="1400" dirty="0" smtClean="0">
+                <a:latin typeface="Courier New" pitchFamily="49" charset="0"/>
+                <a:cs typeface="Courier New" pitchFamily="49" charset="0"/>
+              </a:rPr>
+              <a:t>&lt;/BODY&gt; &lt;/HTML&gt;</a:t>
+            </a:r>
+          </a:p>
+          <a:p>
+            <a:endParaRPr lang="en-AU" dirty="0"/>
           </a:p>
         </p:txBody>
       </p:sp>
@@ -10172,7 +9277,11 @@
           <a:p>
             <a:r>
               <a:rPr lang="en-AU" dirty="0" smtClean="0"/>
-              <a:t>JSP Methods</a:t>
+              <a:t>JSP -&gt; </a:t>
+            </a:r>
+            <a:r>
+              <a:rPr lang="en-AU" dirty="0" err="1" smtClean="0"/>
+              <a:t>Servlet</a:t>
             </a:r>
             <a:endParaRPr lang="en-AU" dirty="0"/>
           </a:p>
@@ -10191,43 +9300,33 @@
         <p:spPr/>
         <p:txBody>
           <a:bodyPr>
-            <a:normAutofit fontScale="92500" lnSpcReduction="10000"/>
+            <a:normAutofit/>
           </a:bodyPr>
           <a:lstStyle/>
-          <a:p>
-            <a:r>
-              <a:rPr lang="en-AU" dirty="0" smtClean="0"/>
-              <a:t>Method definition</a:t>
-            </a:r>
-            <a:endParaRPr lang="en-AU" dirty="0" smtClean="0">
-              <a:latin typeface="Courier New" pitchFamily="49" charset="0"/>
-              <a:cs typeface="Courier New" pitchFamily="49" charset="0"/>
-            </a:endParaRPr>
-          </a:p>
           <a:p>
             <a:pPr>
               <a:buNone/>
             </a:pPr>
             <a:r>
-              <a:rPr lang="en-AU" dirty="0" smtClean="0">
-                <a:latin typeface="Courier New" pitchFamily="49" charset="0"/>
-                <a:cs typeface="Courier New" pitchFamily="49" charset="0"/>
-              </a:rPr>
-              <a:t>&lt;%! public String </a:t>
-            </a:r>
-            <a:r>
-              <a:rPr lang="en-AU" dirty="0" err="1" smtClean="0">
-                <a:latin typeface="Courier New" pitchFamily="49" charset="0"/>
-                <a:cs typeface="Courier New" pitchFamily="49" charset="0"/>
-              </a:rPr>
-              <a:t>sayHello</a:t>
-            </a:r>
-            <a:r>
-              <a:rPr lang="en-AU" dirty="0" smtClean="0">
-                <a:latin typeface="Courier New" pitchFamily="49" charset="0"/>
-                <a:cs typeface="Courier New" pitchFamily="49" charset="0"/>
-              </a:rPr>
-              <a:t>()</a:t>
+              <a:rPr lang="en-AU" sz="1800" dirty="0" smtClean="0">
+                <a:latin typeface="Courier New" pitchFamily="49" charset="0"/>
+                <a:cs typeface="Courier New" pitchFamily="49" charset="0"/>
+              </a:rPr>
+              <a:t>&lt;%@ page </a:t>
+            </a:r>
+            <a:r>
+              <a:rPr lang="en-AU" sz="1800" dirty="0" err="1" smtClean="0">
+                <a:latin typeface="Courier New" pitchFamily="49" charset="0"/>
+                <a:cs typeface="Courier New" pitchFamily="49" charset="0"/>
+              </a:rPr>
+              <a:t>errorPage</a:t>
+            </a:r>
+            <a:r>
+              <a:rPr lang="en-AU" sz="1800" dirty="0" smtClean="0">
+                <a:latin typeface="Courier New" pitchFamily="49" charset="0"/>
+                <a:cs typeface="Courier New" pitchFamily="49" charset="0"/>
+              </a:rPr>
+              <a:t>="myerror.jsp" %&gt;</a:t>
             </a:r>
           </a:p>
           <a:p>
@@ -10235,11 +9334,39 @@
               <a:buNone/>
             </a:pPr>
             <a:r>
-              <a:rPr lang="en-AU" dirty="0" smtClean="0">
-                <a:latin typeface="Courier New" pitchFamily="49" charset="0"/>
-                <a:cs typeface="Courier New" pitchFamily="49" charset="0"/>
-              </a:rPr>
-              <a:t>{</a:t>
+              <a:rPr lang="en-AU" sz="1800" dirty="0" smtClean="0">
+                <a:latin typeface="Courier New" pitchFamily="49" charset="0"/>
+                <a:cs typeface="Courier New" pitchFamily="49" charset="0"/>
+              </a:rPr>
+              <a:t>&lt;%@ page </a:t>
+            </a:r>
+            <a:r>
+              <a:rPr lang="en-AU" sz="1800" b="1" dirty="0" smtClean="0">
+                <a:latin typeface="Courier New" pitchFamily="49" charset="0"/>
+                <a:cs typeface="Courier New" pitchFamily="49" charset="0"/>
+              </a:rPr>
+              <a:t>import</a:t>
+            </a:r>
+            <a:r>
+              <a:rPr lang="en-AU" sz="1800" dirty="0" smtClean="0">
+                <a:latin typeface="Courier New" pitchFamily="49" charset="0"/>
+                <a:cs typeface="Courier New" pitchFamily="49" charset="0"/>
+              </a:rPr>
+              <a:t>="</a:t>
+            </a:r>
+            <a:r>
+              <a:rPr lang="en-AU" sz="1800" dirty="0" err="1" smtClean="0">
+                <a:latin typeface="Courier New" pitchFamily="49" charset="0"/>
+                <a:cs typeface="Courier New" pitchFamily="49" charset="0"/>
+              </a:rPr>
+              <a:t>com.foo.bar</a:t>
+            </a:r>
+            <a:r>
+              <a:rPr lang="en-AU" sz="1800" dirty="0" smtClean="0">
+                <a:latin typeface="Courier New" pitchFamily="49" charset="0"/>
+                <a:cs typeface="Courier New" pitchFamily="49" charset="0"/>
+              </a:rPr>
+              <a:t>" %&gt;</a:t>
             </a:r>
           </a:p>
           <a:p>
@@ -10247,11 +9374,11 @@
               <a:buNone/>
             </a:pPr>
             <a:r>
-              <a:rPr lang="en-AU" dirty="0" smtClean="0">
-                <a:latin typeface="Courier New" pitchFamily="49" charset="0"/>
-                <a:cs typeface="Courier New" pitchFamily="49" charset="0"/>
-              </a:rPr>
-              <a:t> return "Hello this is a method"; </a:t>
+              <a:rPr lang="en-AU" sz="1800" dirty="0" smtClean="0">
+                <a:latin typeface="Courier New" pitchFamily="49" charset="0"/>
+                <a:cs typeface="Courier New" pitchFamily="49" charset="0"/>
+              </a:rPr>
+              <a:t>&lt;html&gt; &lt;head&gt; </a:t>
             </a:r>
           </a:p>
           <a:p>
@@ -10259,11 +9386,39 @@
               <a:buNone/>
             </a:pPr>
             <a:r>
-              <a:rPr lang="en-AU" dirty="0" smtClean="0">
-                <a:latin typeface="Courier New" pitchFamily="49" charset="0"/>
-                <a:cs typeface="Courier New" pitchFamily="49" charset="0"/>
-              </a:rPr>
-              <a:t>}</a:t>
+              <a:rPr lang="en-AU" sz="1800" dirty="0" smtClean="0">
+                <a:latin typeface="Courier New" pitchFamily="49" charset="0"/>
+                <a:cs typeface="Courier New" pitchFamily="49" charset="0"/>
+              </a:rPr>
+              <a:t>	&lt;%! </a:t>
+            </a:r>
+            <a:r>
+              <a:rPr lang="en-AU" sz="1800" b="1" dirty="0" err="1" smtClean="0">
+                <a:latin typeface="Courier New" pitchFamily="49" charset="0"/>
+                <a:cs typeface="Courier New" pitchFamily="49" charset="0"/>
+              </a:rPr>
+              <a:t>int</a:t>
+            </a:r>
+            <a:r>
+              <a:rPr lang="en-AU" sz="1800" dirty="0" smtClean="0">
+                <a:latin typeface="Courier New" pitchFamily="49" charset="0"/>
+                <a:cs typeface="Courier New" pitchFamily="49" charset="0"/>
+              </a:rPr>
+              <a:t> </a:t>
+            </a:r>
+            <a:r>
+              <a:rPr lang="en-AU" sz="1800" dirty="0" err="1" smtClean="0">
+                <a:latin typeface="Courier New" pitchFamily="49" charset="0"/>
+                <a:cs typeface="Courier New" pitchFamily="49" charset="0"/>
+              </a:rPr>
+              <a:t>serverInstanceVariable</a:t>
+            </a:r>
+            <a:r>
+              <a:rPr lang="en-AU" sz="1800" dirty="0" smtClean="0">
+                <a:latin typeface="Courier New" pitchFamily="49" charset="0"/>
+                <a:cs typeface="Courier New" pitchFamily="49" charset="0"/>
+              </a:rPr>
+              <a:t> = 1;%&gt;</a:t>
             </a:r>
           </a:p>
           <a:p>
@@ -10271,58 +9426,91 @@
               <a:buNone/>
             </a:pPr>
             <a:r>
-              <a:rPr lang="en-AU" dirty="0" smtClean="0">
-                <a:latin typeface="Courier New" pitchFamily="49" charset="0"/>
-                <a:cs typeface="Courier New" pitchFamily="49" charset="0"/>
-              </a:rPr>
-              <a:t>%&gt;</a:t>
+              <a:rPr lang="en-AU" sz="1800" dirty="0" smtClean="0">
+                <a:latin typeface="Courier New" pitchFamily="49" charset="0"/>
+                <a:cs typeface="Courier New" pitchFamily="49" charset="0"/>
+              </a:rPr>
+              <a:t>	&lt;% </a:t>
+            </a:r>
+            <a:r>
+              <a:rPr lang="en-AU" sz="1800" b="1" dirty="0" err="1" smtClean="0">
+                <a:latin typeface="Courier New" pitchFamily="49" charset="0"/>
+                <a:cs typeface="Courier New" pitchFamily="49" charset="0"/>
+              </a:rPr>
+              <a:t>int</a:t>
+            </a:r>
+            <a:r>
+              <a:rPr lang="en-AU" sz="1800" dirty="0" smtClean="0">
+                <a:latin typeface="Courier New" pitchFamily="49" charset="0"/>
+                <a:cs typeface="Courier New" pitchFamily="49" charset="0"/>
+              </a:rPr>
+              <a:t> </a:t>
+            </a:r>
+            <a:r>
+              <a:rPr lang="en-AU" sz="1800" dirty="0" err="1" smtClean="0">
+                <a:latin typeface="Courier New" pitchFamily="49" charset="0"/>
+                <a:cs typeface="Courier New" pitchFamily="49" charset="0"/>
+              </a:rPr>
+              <a:t>localStackBasedVariable</a:t>
+            </a:r>
+            <a:r>
+              <a:rPr lang="en-AU" sz="1800" dirty="0" smtClean="0">
+                <a:latin typeface="Courier New" pitchFamily="49" charset="0"/>
+                <a:cs typeface="Courier New" pitchFamily="49" charset="0"/>
+              </a:rPr>
+              <a:t> = 1; %&gt;</a:t>
             </a:r>
           </a:p>
           <a:p>
             <a:pPr>
               <a:buNone/>
             </a:pPr>
-            <a:endParaRPr lang="en-AU" dirty="0" smtClean="0">
-              <a:latin typeface="Courier New" pitchFamily="49" charset="0"/>
-              <a:cs typeface="Courier New" pitchFamily="49" charset="0"/>
-            </a:endParaRPr>
-          </a:p>
-          <a:p>
-            <a:r>
-              <a:rPr lang="en-AU" dirty="0" smtClean="0"/>
-              <a:t>Method call</a:t>
-            </a:r>
-            <a:endParaRPr lang="en-AU" dirty="0" smtClean="0">
-              <a:latin typeface="Courier New" pitchFamily="49" charset="0"/>
-              <a:cs typeface="Courier New" pitchFamily="49" charset="0"/>
-            </a:endParaRPr>
+            <a:r>
+              <a:rPr lang="en-AU" sz="1800" dirty="0" smtClean="0">
+                <a:latin typeface="Courier New" pitchFamily="49" charset="0"/>
+                <a:cs typeface="Courier New" pitchFamily="49" charset="0"/>
+              </a:rPr>
+              <a:t>	&lt;table&gt; &lt;tr&gt;&lt;td&gt;</a:t>
+            </a:r>
           </a:p>
           <a:p>
             <a:pPr>
               <a:buNone/>
             </a:pPr>
             <a:r>
-              <a:rPr lang="en-AU" dirty="0" smtClean="0">
-                <a:latin typeface="Courier New" pitchFamily="49" charset="0"/>
-                <a:cs typeface="Courier New" pitchFamily="49" charset="0"/>
-              </a:rPr>
-              <a:t>&lt;%= </a:t>
-            </a:r>
-            <a:r>
-              <a:rPr lang="en-AU" dirty="0" err="1" smtClean="0">
-                <a:latin typeface="Courier New" pitchFamily="49" charset="0"/>
-                <a:cs typeface="Courier New" pitchFamily="49" charset="0"/>
-              </a:rPr>
-              <a:t>sayHello</a:t>
-            </a:r>
-            <a:r>
-              <a:rPr lang="en-AU" dirty="0" smtClean="0">
-                <a:latin typeface="Courier New" pitchFamily="49" charset="0"/>
-                <a:cs typeface="Courier New" pitchFamily="49" charset="0"/>
-              </a:rPr>
-              <a:t>() %&gt;</a:t>
-            </a:r>
-            <a:endParaRPr lang="en-AU" dirty="0">
+              <a:rPr lang="en-AU" sz="1800" dirty="0" smtClean="0">
+                <a:latin typeface="Courier New" pitchFamily="49" charset="0"/>
+                <a:cs typeface="Courier New" pitchFamily="49" charset="0"/>
+              </a:rPr>
+              <a:t>	&lt;%= </a:t>
+            </a:r>
+            <a:r>
+              <a:rPr lang="en-AU" sz="1800" dirty="0" err="1" smtClean="0">
+                <a:latin typeface="Courier New" pitchFamily="49" charset="0"/>
+                <a:cs typeface="Courier New" pitchFamily="49" charset="0"/>
+              </a:rPr>
+              <a:t>toStringOrBlank</a:t>
+            </a:r>
+            <a:r>
+              <a:rPr lang="en-AU" sz="1800" dirty="0" smtClean="0">
+                <a:latin typeface="Courier New" pitchFamily="49" charset="0"/>
+                <a:cs typeface="Courier New" pitchFamily="49" charset="0"/>
+              </a:rPr>
+              <a:t>( "expanded inline data " + 1 ) %&gt;</a:t>
+            </a:r>
+          </a:p>
+          <a:p>
+            <a:pPr>
+              <a:buNone/>
+            </a:pPr>
+            <a:r>
+              <a:rPr lang="en-AU" sz="1800" dirty="0" smtClean="0">
+                <a:latin typeface="Courier New" pitchFamily="49" charset="0"/>
+                <a:cs typeface="Courier New" pitchFamily="49" charset="0"/>
+              </a:rPr>
+              <a:t>	&lt;/td&gt;&lt;/tr&gt;...</a:t>
+            </a:r>
+            <a:endParaRPr lang="en-AU" sz="1800" dirty="0">
               <a:latin typeface="Courier New" pitchFamily="49" charset="0"/>
               <a:cs typeface="Courier New" pitchFamily="49" charset="0"/>
             </a:endParaRPr>
@@ -10373,12 +9561,14 @@
         </p:nvSpPr>
         <p:spPr/>
         <p:txBody>
-          <a:bodyPr/>
+          <a:bodyPr>
+            <a:normAutofit/>
+          </a:bodyPr>
           <a:lstStyle/>
           <a:p>
             <a:r>
               <a:rPr lang="en-AU" dirty="0" smtClean="0"/>
-              <a:t>JSP Directives</a:t>
+              <a:t>Generated Code...</a:t>
             </a:r>
             <a:endParaRPr lang="en-AU" dirty="0"/>
           </a:p>
@@ -10396,53 +9586,886 @@
         </p:nvSpPr>
         <p:spPr/>
         <p:txBody>
-          <a:bodyPr/>
+          <a:bodyPr>
+            <a:noAutofit/>
+          </a:bodyPr>
           <a:lstStyle/>
           <a:p>
-            <a:r>
-              <a:rPr lang="en-AU" dirty="0" smtClean="0"/>
-              <a:t>&lt;%@ page import="</a:t>
-            </a:r>
-            <a:r>
-              <a:rPr lang="en-AU" dirty="0" err="1" smtClean="0"/>
-              <a:t>java.util</a:t>
-            </a:r>
-            <a:r>
-              <a:rPr lang="en-AU" dirty="0" smtClean="0"/>
-              <a:t>.*" %&gt;</a:t>
-            </a:r>
-          </a:p>
-          <a:p>
-            <a:r>
-              <a:rPr lang="en-AU" dirty="0" smtClean="0"/>
-              <a:t>&lt;%@ page import="</a:t>
-            </a:r>
-            <a:r>
-              <a:rPr lang="en-AU" dirty="0" err="1" smtClean="0"/>
-              <a:t>java.util</a:t>
-            </a:r>
-            <a:r>
-              <a:rPr lang="en-AU" dirty="0" smtClean="0"/>
-              <a:t>.*,</a:t>
-            </a:r>
-            <a:r>
-              <a:rPr lang="en-AU" dirty="0" err="1" smtClean="0"/>
-              <a:t>java.text</a:t>
-            </a:r>
-            <a:r>
-              <a:rPr lang="en-AU" dirty="0" smtClean="0"/>
-              <a:t>.*" %&gt;</a:t>
-            </a:r>
-          </a:p>
-          <a:p>
-            <a:endParaRPr lang="en-AU" dirty="0" smtClean="0"/>
-          </a:p>
-          <a:p>
-            <a:r>
-              <a:rPr lang="en-AU" dirty="0" smtClean="0"/>
-              <a:t>&lt;HTML&gt; &lt;BODY&gt; Going to include hello.jsp...&lt;BR&gt; &lt;%@ include file="hello.jsp" %&gt; &lt;/BODY&gt; &lt;/HTML&gt;</a:t>
-            </a:r>
-            <a:endParaRPr lang="en-AU" dirty="0"/>
+            <a:pPr>
+              <a:buNone/>
+            </a:pPr>
+            <a:r>
+              <a:rPr lang="en-AU" sz="1050" b="1" dirty="0" smtClean="0">
+                <a:latin typeface="Courier New" pitchFamily="49" charset="0"/>
+                <a:cs typeface="Courier New" pitchFamily="49" charset="0"/>
+              </a:rPr>
+              <a:t>import</a:t>
+            </a:r>
+            <a:r>
+              <a:rPr lang="en-AU" sz="1050" dirty="0" smtClean="0">
+                <a:latin typeface="Courier New" pitchFamily="49" charset="0"/>
+                <a:cs typeface="Courier New" pitchFamily="49" charset="0"/>
+              </a:rPr>
+              <a:t> … </a:t>
+            </a:r>
+          </a:p>
+          <a:p>
+            <a:pPr>
+              <a:buNone/>
+            </a:pPr>
+            <a:r>
+              <a:rPr lang="en-AU" sz="1050" b="1" dirty="0" smtClean="0">
+                <a:latin typeface="Courier New" pitchFamily="49" charset="0"/>
+                <a:cs typeface="Courier New" pitchFamily="49" charset="0"/>
+              </a:rPr>
+              <a:t>class</a:t>
+            </a:r>
+            <a:r>
+              <a:rPr lang="en-AU" sz="1050" dirty="0" smtClean="0">
+                <a:latin typeface="Courier New" pitchFamily="49" charset="0"/>
+                <a:cs typeface="Courier New" pitchFamily="49" charset="0"/>
+              </a:rPr>
+              <a:t> _</a:t>
+            </a:r>
+            <a:r>
+              <a:rPr lang="en-AU" sz="1050" dirty="0" err="1" smtClean="0">
+                <a:latin typeface="Courier New" pitchFamily="49" charset="0"/>
+                <a:cs typeface="Courier New" pitchFamily="49" charset="0"/>
+              </a:rPr>
+              <a:t>myservlet</a:t>
+            </a:r>
+            <a:r>
+              <a:rPr lang="en-AU" sz="1050" dirty="0" smtClean="0">
+                <a:latin typeface="Courier New" pitchFamily="49" charset="0"/>
+                <a:cs typeface="Courier New" pitchFamily="49" charset="0"/>
+              </a:rPr>
+              <a:t> </a:t>
+            </a:r>
+            <a:r>
+              <a:rPr lang="en-AU" sz="1050" b="1" dirty="0" smtClean="0">
+                <a:latin typeface="Courier New" pitchFamily="49" charset="0"/>
+                <a:cs typeface="Courier New" pitchFamily="49" charset="0"/>
+              </a:rPr>
+              <a:t>implements</a:t>
+            </a:r>
+            <a:r>
+              <a:rPr lang="en-AU" sz="1050" dirty="0" smtClean="0">
+                <a:latin typeface="Courier New" pitchFamily="49" charset="0"/>
+                <a:cs typeface="Courier New" pitchFamily="49" charset="0"/>
+              </a:rPr>
+              <a:t> </a:t>
+            </a:r>
+            <a:r>
+              <a:rPr lang="en-AU" sz="1050" dirty="0" err="1" smtClean="0">
+                <a:latin typeface="Courier New" pitchFamily="49" charset="0"/>
+                <a:cs typeface="Courier New" pitchFamily="49" charset="0"/>
+              </a:rPr>
+              <a:t>Servlet</a:t>
+            </a:r>
+            <a:r>
+              <a:rPr lang="en-AU" sz="1050" dirty="0" smtClean="0">
+                <a:latin typeface="Courier New" pitchFamily="49" charset="0"/>
+                <a:cs typeface="Courier New" pitchFamily="49" charset="0"/>
+              </a:rPr>
+              <a:t>, </a:t>
+            </a:r>
+            <a:r>
+              <a:rPr lang="en-AU" sz="1050" dirty="0" err="1" smtClean="0">
+                <a:latin typeface="Courier New" pitchFamily="49" charset="0"/>
+                <a:cs typeface="Courier New" pitchFamily="49" charset="0"/>
+              </a:rPr>
+              <a:t>HttpJspPage</a:t>
+            </a:r>
+            <a:r>
+              <a:rPr lang="en-AU" sz="1050" dirty="0" smtClean="0">
+                <a:latin typeface="Courier New" pitchFamily="49" charset="0"/>
+                <a:cs typeface="Courier New" pitchFamily="49" charset="0"/>
+              </a:rPr>
+              <a:t> {</a:t>
+            </a:r>
+          </a:p>
+          <a:p>
+            <a:pPr>
+              <a:buNone/>
+            </a:pPr>
+            <a:r>
+              <a:rPr lang="en-AU" sz="1050" b="1" dirty="0" err="1" smtClean="0">
+                <a:latin typeface="Courier New" pitchFamily="49" charset="0"/>
+                <a:cs typeface="Courier New" pitchFamily="49" charset="0"/>
+              </a:rPr>
+              <a:t>int</a:t>
+            </a:r>
+            <a:r>
+              <a:rPr lang="en-AU" sz="1050" dirty="0" smtClean="0">
+                <a:latin typeface="Courier New" pitchFamily="49" charset="0"/>
+                <a:cs typeface="Courier New" pitchFamily="49" charset="0"/>
+              </a:rPr>
+              <a:t> </a:t>
+            </a:r>
+            <a:r>
+              <a:rPr lang="en-AU" sz="1050" dirty="0" err="1" smtClean="0">
+                <a:latin typeface="Courier New" pitchFamily="49" charset="0"/>
+                <a:cs typeface="Courier New" pitchFamily="49" charset="0"/>
+              </a:rPr>
+              <a:t>serverInstanceVariable</a:t>
+            </a:r>
+            <a:r>
+              <a:rPr lang="en-AU" sz="1050" dirty="0" smtClean="0">
+                <a:latin typeface="Courier New" pitchFamily="49" charset="0"/>
+                <a:cs typeface="Courier New" pitchFamily="49" charset="0"/>
+              </a:rPr>
+              <a:t> = 1;</a:t>
+            </a:r>
+          </a:p>
+          <a:p>
+            <a:pPr>
+              <a:buNone/>
+            </a:pPr>
+            <a:r>
+              <a:rPr lang="en-AU" sz="1050" dirty="0" smtClean="0">
+                <a:latin typeface="Courier New" pitchFamily="49" charset="0"/>
+                <a:cs typeface="Courier New" pitchFamily="49" charset="0"/>
+              </a:rPr>
+              <a:t> … </a:t>
+            </a:r>
+            <a:r>
+              <a:rPr lang="en-AU" sz="1050" b="1" dirty="0" smtClean="0">
+                <a:latin typeface="Courier New" pitchFamily="49" charset="0"/>
+                <a:cs typeface="Courier New" pitchFamily="49" charset="0"/>
+              </a:rPr>
+              <a:t>public</a:t>
+            </a:r>
+            <a:r>
+              <a:rPr lang="en-AU" sz="1050" dirty="0" smtClean="0">
+                <a:latin typeface="Courier New" pitchFamily="49" charset="0"/>
+                <a:cs typeface="Courier New" pitchFamily="49" charset="0"/>
+              </a:rPr>
+              <a:t> </a:t>
+            </a:r>
+            <a:r>
+              <a:rPr lang="en-AU" sz="1050" b="1" dirty="0" smtClean="0">
+                <a:latin typeface="Courier New" pitchFamily="49" charset="0"/>
+                <a:cs typeface="Courier New" pitchFamily="49" charset="0"/>
+              </a:rPr>
+              <a:t>void</a:t>
+            </a:r>
+            <a:r>
+              <a:rPr lang="en-AU" sz="1050" dirty="0" smtClean="0">
+                <a:latin typeface="Courier New" pitchFamily="49" charset="0"/>
+                <a:cs typeface="Courier New" pitchFamily="49" charset="0"/>
+              </a:rPr>
+              <a:t> _</a:t>
+            </a:r>
+            <a:r>
+              <a:rPr lang="en-AU" sz="1050" dirty="0" err="1" smtClean="0">
+                <a:latin typeface="Courier New" pitchFamily="49" charset="0"/>
+                <a:cs typeface="Courier New" pitchFamily="49" charset="0"/>
+              </a:rPr>
+              <a:t>jspService</a:t>
+            </a:r>
+            <a:r>
+              <a:rPr lang="en-AU" sz="1050" dirty="0" smtClean="0">
+                <a:latin typeface="Courier New" pitchFamily="49" charset="0"/>
+                <a:cs typeface="Courier New" pitchFamily="49" charset="0"/>
+              </a:rPr>
+              <a:t>(</a:t>
+            </a:r>
+            <a:r>
+              <a:rPr lang="en-AU" sz="1050" dirty="0" err="1" smtClean="0">
+                <a:latin typeface="Courier New" pitchFamily="49" charset="0"/>
+                <a:cs typeface="Courier New" pitchFamily="49" charset="0"/>
+              </a:rPr>
+              <a:t>HttpServletRequest</a:t>
+            </a:r>
+            <a:r>
+              <a:rPr lang="en-AU" sz="1050" dirty="0" smtClean="0">
+                <a:latin typeface="Courier New" pitchFamily="49" charset="0"/>
+                <a:cs typeface="Courier New" pitchFamily="49" charset="0"/>
+              </a:rPr>
+              <a:t> request, </a:t>
+            </a:r>
+            <a:r>
+              <a:rPr lang="en-AU" sz="1050" dirty="0" err="1" smtClean="0">
+                <a:latin typeface="Courier New" pitchFamily="49" charset="0"/>
+                <a:cs typeface="Courier New" pitchFamily="49" charset="0"/>
+              </a:rPr>
+              <a:t>HttpServletResponse</a:t>
+            </a:r>
+            <a:r>
+              <a:rPr lang="en-AU" sz="1050" dirty="0" smtClean="0">
+                <a:latin typeface="Courier New" pitchFamily="49" charset="0"/>
+                <a:cs typeface="Courier New" pitchFamily="49" charset="0"/>
+              </a:rPr>
+              <a:t> response ) </a:t>
+            </a:r>
+            <a:r>
+              <a:rPr lang="en-AU" sz="1050" b="1" dirty="0" smtClean="0">
+                <a:latin typeface="Courier New" pitchFamily="49" charset="0"/>
+                <a:cs typeface="Courier New" pitchFamily="49" charset="0"/>
+              </a:rPr>
+              <a:t>throws</a:t>
+            </a:r>
+            <a:r>
+              <a:rPr lang="en-AU" sz="1050" dirty="0" smtClean="0">
+                <a:latin typeface="Courier New" pitchFamily="49" charset="0"/>
+                <a:cs typeface="Courier New" pitchFamily="49" charset="0"/>
+              </a:rPr>
+              <a:t> </a:t>
+            </a:r>
+            <a:r>
+              <a:rPr lang="en-AU" sz="1050" dirty="0" err="1" smtClean="0">
+                <a:latin typeface="Courier New" pitchFamily="49" charset="0"/>
+                <a:cs typeface="Courier New" pitchFamily="49" charset="0"/>
+              </a:rPr>
+              <a:t>ServletException</a:t>
+            </a:r>
+            <a:r>
+              <a:rPr lang="en-AU" sz="1050" dirty="0" smtClean="0">
+                <a:latin typeface="Courier New" pitchFamily="49" charset="0"/>
+                <a:cs typeface="Courier New" pitchFamily="49" charset="0"/>
+              </a:rPr>
+              <a:t>, </a:t>
+            </a:r>
+            <a:r>
+              <a:rPr lang="en-AU" sz="1050" dirty="0" err="1" smtClean="0">
+                <a:latin typeface="Courier New" pitchFamily="49" charset="0"/>
+                <a:cs typeface="Courier New" pitchFamily="49" charset="0"/>
+              </a:rPr>
+              <a:t>java.io.IOException</a:t>
+            </a:r>
+            <a:r>
+              <a:rPr lang="en-AU" sz="1050" dirty="0" smtClean="0">
+                <a:latin typeface="Courier New" pitchFamily="49" charset="0"/>
+                <a:cs typeface="Courier New" pitchFamily="49" charset="0"/>
+              </a:rPr>
+              <a:t> {</a:t>
+            </a:r>
+          </a:p>
+          <a:p>
+            <a:pPr>
+              <a:buNone/>
+            </a:pPr>
+            <a:r>
+              <a:rPr lang="en-AU" sz="1050" dirty="0" smtClean="0">
+                <a:latin typeface="Courier New" pitchFamily="49" charset="0"/>
+                <a:cs typeface="Courier New" pitchFamily="49" charset="0"/>
+              </a:rPr>
+              <a:t>	</a:t>
+            </a:r>
+            <a:r>
+              <a:rPr lang="en-AU" sz="1050" dirty="0" err="1" smtClean="0">
+                <a:latin typeface="Courier New" pitchFamily="49" charset="0"/>
+                <a:cs typeface="Courier New" pitchFamily="49" charset="0"/>
+              </a:rPr>
+              <a:t>ServletConfig</a:t>
+            </a:r>
+            <a:r>
+              <a:rPr lang="en-AU" sz="1050" dirty="0" smtClean="0">
+                <a:latin typeface="Courier New" pitchFamily="49" charset="0"/>
+                <a:cs typeface="Courier New" pitchFamily="49" charset="0"/>
+              </a:rPr>
+              <a:t> </a:t>
+            </a:r>
+            <a:r>
+              <a:rPr lang="en-AU" sz="1050" dirty="0" err="1" smtClean="0">
+                <a:latin typeface="Courier New" pitchFamily="49" charset="0"/>
+                <a:cs typeface="Courier New" pitchFamily="49" charset="0"/>
+              </a:rPr>
+              <a:t>config</a:t>
+            </a:r>
+            <a:r>
+              <a:rPr lang="en-AU" sz="1050" dirty="0" smtClean="0">
+                <a:latin typeface="Courier New" pitchFamily="49" charset="0"/>
+                <a:cs typeface="Courier New" pitchFamily="49" charset="0"/>
+              </a:rPr>
+              <a:t> = …; </a:t>
+            </a:r>
+            <a:r>
+              <a:rPr lang="en-AU" sz="1050" i="1" dirty="0" smtClean="0">
+                <a:latin typeface="Courier New" pitchFamily="49" charset="0"/>
+                <a:cs typeface="Courier New" pitchFamily="49" charset="0"/>
+              </a:rPr>
+              <a:t>// Get the </a:t>
+            </a:r>
+            <a:r>
+              <a:rPr lang="en-AU" sz="1050" i="1" dirty="0" err="1" smtClean="0">
+                <a:latin typeface="Courier New" pitchFamily="49" charset="0"/>
+                <a:cs typeface="Courier New" pitchFamily="49" charset="0"/>
+              </a:rPr>
+              <a:t>servlet</a:t>
+            </a:r>
+            <a:r>
+              <a:rPr lang="en-AU" sz="1050" i="1" dirty="0" smtClean="0">
+                <a:latin typeface="Courier New" pitchFamily="49" charset="0"/>
+                <a:cs typeface="Courier New" pitchFamily="49" charset="0"/>
+              </a:rPr>
+              <a:t> </a:t>
+            </a:r>
+            <a:r>
+              <a:rPr lang="en-AU" sz="1050" i="1" dirty="0" err="1" smtClean="0">
+                <a:latin typeface="Courier New" pitchFamily="49" charset="0"/>
+                <a:cs typeface="Courier New" pitchFamily="49" charset="0"/>
+              </a:rPr>
+              <a:t>config</a:t>
+            </a:r>
+            <a:r>
+              <a:rPr lang="en-AU" sz="1050" dirty="0" smtClean="0">
+                <a:latin typeface="Courier New" pitchFamily="49" charset="0"/>
+                <a:cs typeface="Courier New" pitchFamily="49" charset="0"/>
+              </a:rPr>
+              <a:t> Object </a:t>
+            </a:r>
+          </a:p>
+          <a:p>
+            <a:pPr>
+              <a:buNone/>
+            </a:pPr>
+            <a:r>
+              <a:rPr lang="en-AU" sz="1050" dirty="0" smtClean="0">
+                <a:latin typeface="Courier New" pitchFamily="49" charset="0"/>
+                <a:cs typeface="Courier New" pitchFamily="49" charset="0"/>
+              </a:rPr>
+              <a:t>	page = </a:t>
+            </a:r>
+            <a:r>
+              <a:rPr lang="en-AU" sz="1050" b="1" dirty="0" smtClean="0">
+                <a:latin typeface="Courier New" pitchFamily="49" charset="0"/>
+                <a:cs typeface="Courier New" pitchFamily="49" charset="0"/>
+              </a:rPr>
+              <a:t>this</a:t>
+            </a:r>
+            <a:r>
+              <a:rPr lang="en-AU" sz="1050" dirty="0" smtClean="0">
+                <a:latin typeface="Courier New" pitchFamily="49" charset="0"/>
+                <a:cs typeface="Courier New" pitchFamily="49" charset="0"/>
+              </a:rPr>
+              <a:t>;</a:t>
+            </a:r>
+          </a:p>
+          <a:p>
+            <a:pPr>
+              <a:buNone/>
+            </a:pPr>
+            <a:r>
+              <a:rPr lang="en-AU" sz="1050" dirty="0" smtClean="0">
+                <a:latin typeface="Courier New" pitchFamily="49" charset="0"/>
+                <a:cs typeface="Courier New" pitchFamily="49" charset="0"/>
+              </a:rPr>
+              <a:t>	</a:t>
+            </a:r>
+            <a:r>
+              <a:rPr lang="en-AU" sz="1050" dirty="0" err="1" smtClean="0">
+                <a:latin typeface="Courier New" pitchFamily="49" charset="0"/>
+                <a:cs typeface="Courier New" pitchFamily="49" charset="0"/>
+              </a:rPr>
+              <a:t>PageContext</a:t>
+            </a:r>
+            <a:r>
+              <a:rPr lang="en-AU" sz="1050" dirty="0" smtClean="0">
+                <a:latin typeface="Courier New" pitchFamily="49" charset="0"/>
+                <a:cs typeface="Courier New" pitchFamily="49" charset="0"/>
+              </a:rPr>
+              <a:t> </a:t>
+            </a:r>
+            <a:r>
+              <a:rPr lang="en-AU" sz="1050" dirty="0" err="1" smtClean="0">
+                <a:latin typeface="Courier New" pitchFamily="49" charset="0"/>
+                <a:cs typeface="Courier New" pitchFamily="49" charset="0"/>
+              </a:rPr>
+              <a:t>pageContext</a:t>
+            </a:r>
+            <a:r>
+              <a:rPr lang="en-AU" sz="1050" dirty="0" smtClean="0">
+                <a:latin typeface="Courier New" pitchFamily="49" charset="0"/>
+                <a:cs typeface="Courier New" pitchFamily="49" charset="0"/>
+              </a:rPr>
+              <a:t> = …; </a:t>
+            </a:r>
+            <a:r>
+              <a:rPr lang="en-AU" sz="1050" i="1" dirty="0" smtClean="0">
+                <a:latin typeface="Courier New" pitchFamily="49" charset="0"/>
+                <a:cs typeface="Courier New" pitchFamily="49" charset="0"/>
+              </a:rPr>
+              <a:t>// Get the page context for this request</a:t>
+            </a:r>
+            <a:r>
+              <a:rPr lang="en-AU" sz="1050" dirty="0" smtClean="0">
+                <a:latin typeface="Courier New" pitchFamily="49" charset="0"/>
+                <a:cs typeface="Courier New" pitchFamily="49" charset="0"/>
+              </a:rPr>
+              <a:t> </a:t>
+            </a:r>
+          </a:p>
+          <a:p>
+            <a:pPr>
+              <a:buNone/>
+            </a:pPr>
+            <a:r>
+              <a:rPr lang="en-AU" sz="1050" dirty="0" smtClean="0">
+                <a:latin typeface="Courier New" pitchFamily="49" charset="0"/>
+                <a:cs typeface="Courier New" pitchFamily="49" charset="0"/>
+              </a:rPr>
+              <a:t>	</a:t>
+            </a:r>
+            <a:r>
+              <a:rPr lang="en-AU" sz="1050" dirty="0" err="1" smtClean="0">
+                <a:latin typeface="Courier New" pitchFamily="49" charset="0"/>
+                <a:cs typeface="Courier New" pitchFamily="49" charset="0"/>
+              </a:rPr>
+              <a:t>JspWriter</a:t>
+            </a:r>
+            <a:r>
+              <a:rPr lang="en-AU" sz="1050" dirty="0" smtClean="0">
+                <a:latin typeface="Courier New" pitchFamily="49" charset="0"/>
+                <a:cs typeface="Courier New" pitchFamily="49" charset="0"/>
+              </a:rPr>
+              <a:t> out = </a:t>
+            </a:r>
+            <a:r>
+              <a:rPr lang="en-AU" sz="1050" dirty="0" err="1" smtClean="0">
+                <a:latin typeface="Courier New" pitchFamily="49" charset="0"/>
+                <a:cs typeface="Courier New" pitchFamily="49" charset="0"/>
+              </a:rPr>
+              <a:t>pageContext.getOut</a:t>
+            </a:r>
+            <a:r>
+              <a:rPr lang="en-AU" sz="1050" dirty="0" smtClean="0">
+                <a:latin typeface="Courier New" pitchFamily="49" charset="0"/>
+                <a:cs typeface="Courier New" pitchFamily="49" charset="0"/>
+              </a:rPr>
+              <a:t>();</a:t>
+            </a:r>
+          </a:p>
+          <a:p>
+            <a:pPr>
+              <a:buNone/>
+            </a:pPr>
+            <a:r>
+              <a:rPr lang="en-AU" sz="1050" dirty="0" smtClean="0">
+                <a:latin typeface="Courier New" pitchFamily="49" charset="0"/>
+                <a:cs typeface="Courier New" pitchFamily="49" charset="0"/>
+              </a:rPr>
+              <a:t>	</a:t>
+            </a:r>
+            <a:r>
+              <a:rPr lang="en-AU" sz="1050" dirty="0" err="1" smtClean="0">
+                <a:latin typeface="Courier New" pitchFamily="49" charset="0"/>
+                <a:cs typeface="Courier New" pitchFamily="49" charset="0"/>
+              </a:rPr>
+              <a:t>HttpSession</a:t>
+            </a:r>
+            <a:r>
+              <a:rPr lang="en-AU" sz="1050" dirty="0" smtClean="0">
+                <a:latin typeface="Courier New" pitchFamily="49" charset="0"/>
+                <a:cs typeface="Courier New" pitchFamily="49" charset="0"/>
+              </a:rPr>
+              <a:t> session = </a:t>
+            </a:r>
+            <a:r>
+              <a:rPr lang="en-AU" sz="1050" dirty="0" err="1" smtClean="0">
+                <a:latin typeface="Courier New" pitchFamily="49" charset="0"/>
+                <a:cs typeface="Courier New" pitchFamily="49" charset="0"/>
+              </a:rPr>
+              <a:t>request.getSession</a:t>
+            </a:r>
+            <a:r>
+              <a:rPr lang="en-AU" sz="1050" dirty="0" smtClean="0">
+                <a:latin typeface="Courier New" pitchFamily="49" charset="0"/>
+                <a:cs typeface="Courier New" pitchFamily="49" charset="0"/>
+              </a:rPr>
+              <a:t>( </a:t>
+            </a:r>
+            <a:r>
+              <a:rPr lang="en-AU" sz="1050" b="1" dirty="0" smtClean="0">
+                <a:latin typeface="Courier New" pitchFamily="49" charset="0"/>
+                <a:cs typeface="Courier New" pitchFamily="49" charset="0"/>
+              </a:rPr>
+              <a:t>true</a:t>
+            </a:r>
+            <a:r>
+              <a:rPr lang="en-AU" sz="1050" dirty="0" smtClean="0">
+                <a:latin typeface="Courier New" pitchFamily="49" charset="0"/>
+                <a:cs typeface="Courier New" pitchFamily="49" charset="0"/>
+              </a:rPr>
+              <a:t> );</a:t>
+            </a:r>
+          </a:p>
+          <a:p>
+            <a:pPr>
+              <a:buNone/>
+            </a:pPr>
+            <a:r>
+              <a:rPr lang="en-AU" sz="1050" b="1" dirty="0" smtClean="0">
+                <a:latin typeface="Courier New" pitchFamily="49" charset="0"/>
+                <a:cs typeface="Courier New" pitchFamily="49" charset="0"/>
+              </a:rPr>
+              <a:t>	try</a:t>
+            </a:r>
+            <a:r>
+              <a:rPr lang="en-AU" sz="1050" dirty="0" smtClean="0">
+                <a:latin typeface="Courier New" pitchFamily="49" charset="0"/>
+                <a:cs typeface="Courier New" pitchFamily="49" charset="0"/>
+              </a:rPr>
+              <a:t> {</a:t>
+            </a:r>
+          </a:p>
+          <a:p>
+            <a:pPr>
+              <a:buNone/>
+            </a:pPr>
+            <a:r>
+              <a:rPr lang="en-AU" sz="1050" dirty="0" smtClean="0">
+                <a:latin typeface="Courier New" pitchFamily="49" charset="0"/>
+                <a:cs typeface="Courier New" pitchFamily="49" charset="0"/>
+              </a:rPr>
+              <a:t>		</a:t>
+            </a:r>
+            <a:r>
+              <a:rPr lang="en-AU" sz="1050" dirty="0" err="1" smtClean="0">
+                <a:latin typeface="Courier New" pitchFamily="49" charset="0"/>
+                <a:cs typeface="Courier New" pitchFamily="49" charset="0"/>
+              </a:rPr>
+              <a:t>out.print</a:t>
+            </a:r>
+            <a:r>
+              <a:rPr lang="en-AU" sz="1050" dirty="0" smtClean="0">
+                <a:latin typeface="Courier New" pitchFamily="49" charset="0"/>
+                <a:cs typeface="Courier New" pitchFamily="49" charset="0"/>
+              </a:rPr>
+              <a:t>( "&lt;html&gt;</a:t>
+            </a:r>
+            <a:r>
+              <a:rPr lang="en-AU" sz="1050" b="1" dirty="0" smtClean="0">
+                <a:latin typeface="Courier New" pitchFamily="49" charset="0"/>
+                <a:cs typeface="Courier New" pitchFamily="49" charset="0"/>
+              </a:rPr>
+              <a:t>\r\n</a:t>
+            </a:r>
+            <a:r>
+              <a:rPr lang="en-AU" sz="1050" dirty="0" smtClean="0">
+                <a:latin typeface="Courier New" pitchFamily="49" charset="0"/>
+                <a:cs typeface="Courier New" pitchFamily="49" charset="0"/>
+              </a:rPr>
+              <a:t>" );</a:t>
+            </a:r>
+          </a:p>
+          <a:p>
+            <a:pPr>
+              <a:buNone/>
+            </a:pPr>
+            <a:r>
+              <a:rPr lang="en-AU" sz="1050" dirty="0" smtClean="0">
+                <a:latin typeface="Courier New" pitchFamily="49" charset="0"/>
+                <a:cs typeface="Courier New" pitchFamily="49" charset="0"/>
+              </a:rPr>
+              <a:t>		</a:t>
+            </a:r>
+            <a:r>
+              <a:rPr lang="en-AU" sz="1050" dirty="0" err="1" smtClean="0">
+                <a:latin typeface="Courier New" pitchFamily="49" charset="0"/>
+                <a:cs typeface="Courier New" pitchFamily="49" charset="0"/>
+              </a:rPr>
+              <a:t>out.print</a:t>
+            </a:r>
+            <a:r>
+              <a:rPr lang="en-AU" sz="1050" dirty="0" smtClean="0">
+                <a:latin typeface="Courier New" pitchFamily="49" charset="0"/>
+                <a:cs typeface="Courier New" pitchFamily="49" charset="0"/>
+              </a:rPr>
+              <a:t>( "&lt;head&gt;</a:t>
+            </a:r>
+            <a:r>
+              <a:rPr lang="en-AU" sz="1050" b="1" dirty="0" smtClean="0">
+                <a:latin typeface="Courier New" pitchFamily="49" charset="0"/>
+                <a:cs typeface="Courier New" pitchFamily="49" charset="0"/>
+              </a:rPr>
+              <a:t>\r\n</a:t>
+            </a:r>
+            <a:r>
+              <a:rPr lang="en-AU" sz="1050" dirty="0" smtClean="0">
+                <a:latin typeface="Courier New" pitchFamily="49" charset="0"/>
+                <a:cs typeface="Courier New" pitchFamily="49" charset="0"/>
+              </a:rPr>
+              <a:t>" );</a:t>
+            </a:r>
+          </a:p>
+          <a:p>
+            <a:pPr>
+              <a:buNone/>
+            </a:pPr>
+            <a:r>
+              <a:rPr lang="en-AU" sz="1050" dirty="0" smtClean="0">
+                <a:latin typeface="Courier New" pitchFamily="49" charset="0"/>
+                <a:cs typeface="Courier New" pitchFamily="49" charset="0"/>
+              </a:rPr>
+              <a:t>		… </a:t>
+            </a:r>
+          </a:p>
+          <a:p>
+            <a:pPr>
+              <a:buNone/>
+            </a:pPr>
+            <a:r>
+              <a:rPr lang="en-AU" sz="1050" b="1" dirty="0" smtClean="0">
+                <a:latin typeface="Courier New" pitchFamily="49" charset="0"/>
+                <a:cs typeface="Courier New" pitchFamily="49" charset="0"/>
+              </a:rPr>
+              <a:t>		</a:t>
+            </a:r>
+            <a:r>
+              <a:rPr lang="en-AU" sz="1050" b="1" dirty="0" err="1" smtClean="0">
+                <a:latin typeface="Courier New" pitchFamily="49" charset="0"/>
+                <a:cs typeface="Courier New" pitchFamily="49" charset="0"/>
+              </a:rPr>
+              <a:t>int</a:t>
+            </a:r>
+            <a:r>
+              <a:rPr lang="en-AU" sz="1050" dirty="0" smtClean="0">
+                <a:latin typeface="Courier New" pitchFamily="49" charset="0"/>
+                <a:cs typeface="Courier New" pitchFamily="49" charset="0"/>
+              </a:rPr>
+              <a:t> </a:t>
+            </a:r>
+            <a:r>
+              <a:rPr lang="en-AU" sz="1050" dirty="0" err="1" smtClean="0">
+                <a:latin typeface="Courier New" pitchFamily="49" charset="0"/>
+                <a:cs typeface="Courier New" pitchFamily="49" charset="0"/>
+              </a:rPr>
+              <a:t>LocalStackBasedVariable</a:t>
+            </a:r>
+            <a:r>
+              <a:rPr lang="en-AU" sz="1050" dirty="0" smtClean="0">
+                <a:latin typeface="Courier New" pitchFamily="49" charset="0"/>
+                <a:cs typeface="Courier New" pitchFamily="49" charset="0"/>
+              </a:rPr>
+              <a:t> = 1;</a:t>
+            </a:r>
+          </a:p>
+          <a:p>
+            <a:pPr>
+              <a:buNone/>
+            </a:pPr>
+            <a:r>
+              <a:rPr lang="en-AU" sz="1050" dirty="0" smtClean="0">
+                <a:latin typeface="Courier New" pitchFamily="49" charset="0"/>
+                <a:cs typeface="Courier New" pitchFamily="49" charset="0"/>
+              </a:rPr>
+              <a:t>		…</a:t>
+            </a:r>
+          </a:p>
+          <a:p>
+            <a:pPr>
+              <a:buNone/>
+            </a:pPr>
+            <a:r>
+              <a:rPr lang="en-AU" sz="1050" dirty="0" smtClean="0">
+                <a:latin typeface="Courier New" pitchFamily="49" charset="0"/>
+                <a:cs typeface="Courier New" pitchFamily="49" charset="0"/>
+              </a:rPr>
+              <a:t>		</a:t>
+            </a:r>
+            <a:r>
+              <a:rPr lang="en-AU" sz="1050" dirty="0" err="1" smtClean="0">
+                <a:latin typeface="Courier New" pitchFamily="49" charset="0"/>
+                <a:cs typeface="Courier New" pitchFamily="49" charset="0"/>
+              </a:rPr>
+              <a:t>out.print</a:t>
+            </a:r>
+            <a:r>
+              <a:rPr lang="en-AU" sz="1050" dirty="0" smtClean="0">
+                <a:latin typeface="Courier New" pitchFamily="49" charset="0"/>
+                <a:cs typeface="Courier New" pitchFamily="49" charset="0"/>
+              </a:rPr>
+              <a:t>( "&lt;table&gt;</a:t>
+            </a:r>
+            <a:r>
+              <a:rPr lang="en-AU" sz="1050" b="1" dirty="0" smtClean="0">
+                <a:latin typeface="Courier New" pitchFamily="49" charset="0"/>
+                <a:cs typeface="Courier New" pitchFamily="49" charset="0"/>
+              </a:rPr>
+              <a:t>\r\n</a:t>
+            </a:r>
+            <a:r>
+              <a:rPr lang="en-AU" sz="1050" dirty="0" smtClean="0">
+                <a:latin typeface="Courier New" pitchFamily="49" charset="0"/>
+                <a:cs typeface="Courier New" pitchFamily="49" charset="0"/>
+              </a:rPr>
+              <a:t>" );</a:t>
+            </a:r>
+          </a:p>
+          <a:p>
+            <a:pPr>
+              <a:buNone/>
+            </a:pPr>
+            <a:r>
+              <a:rPr lang="en-AU" sz="1050" dirty="0" smtClean="0">
+                <a:latin typeface="Courier New" pitchFamily="49" charset="0"/>
+                <a:cs typeface="Courier New" pitchFamily="49" charset="0"/>
+              </a:rPr>
+              <a:t>		</a:t>
+            </a:r>
+            <a:r>
+              <a:rPr lang="en-AU" sz="1050" dirty="0" err="1" smtClean="0">
+                <a:latin typeface="Courier New" pitchFamily="49" charset="0"/>
+                <a:cs typeface="Courier New" pitchFamily="49" charset="0"/>
+              </a:rPr>
+              <a:t>out.print</a:t>
+            </a:r>
+            <a:r>
+              <a:rPr lang="en-AU" sz="1050" dirty="0" smtClean="0">
+                <a:latin typeface="Courier New" pitchFamily="49" charset="0"/>
+                <a:cs typeface="Courier New" pitchFamily="49" charset="0"/>
+              </a:rPr>
+              <a:t>( " &lt;tr&gt;&lt;td&gt;" );</a:t>
+            </a:r>
+          </a:p>
+          <a:p>
+            <a:pPr>
+              <a:buNone/>
+            </a:pPr>
+            <a:r>
+              <a:rPr lang="en-AU" sz="1050" dirty="0" smtClean="0">
+                <a:latin typeface="Courier New" pitchFamily="49" charset="0"/>
+                <a:cs typeface="Courier New" pitchFamily="49" charset="0"/>
+              </a:rPr>
+              <a:t>		</a:t>
+            </a:r>
+            <a:r>
+              <a:rPr lang="en-AU" sz="1050" dirty="0" err="1" smtClean="0">
+                <a:latin typeface="Courier New" pitchFamily="49" charset="0"/>
+                <a:cs typeface="Courier New" pitchFamily="49" charset="0"/>
+              </a:rPr>
+              <a:t>out.print</a:t>
+            </a:r>
+            <a:r>
+              <a:rPr lang="en-AU" sz="1050" dirty="0" smtClean="0">
+                <a:latin typeface="Courier New" pitchFamily="49" charset="0"/>
+                <a:cs typeface="Courier New" pitchFamily="49" charset="0"/>
+              </a:rPr>
+              <a:t>( </a:t>
+            </a:r>
+            <a:r>
+              <a:rPr lang="en-AU" sz="1050" dirty="0" err="1" smtClean="0">
+                <a:latin typeface="Courier New" pitchFamily="49" charset="0"/>
+                <a:cs typeface="Courier New" pitchFamily="49" charset="0"/>
+              </a:rPr>
+              <a:t>toStringOrBlank</a:t>
+            </a:r>
+            <a:r>
+              <a:rPr lang="en-AU" sz="1050" dirty="0" smtClean="0">
+                <a:latin typeface="Courier New" pitchFamily="49" charset="0"/>
+                <a:cs typeface="Courier New" pitchFamily="49" charset="0"/>
+              </a:rPr>
+              <a:t>( "expanded inline data " + 1 ));</a:t>
+            </a:r>
+          </a:p>
+          <a:p>
+            <a:pPr>
+              <a:buNone/>
+            </a:pPr>
+            <a:r>
+              <a:rPr lang="en-AU" sz="1050" dirty="0" smtClean="0">
+                <a:latin typeface="Courier New" pitchFamily="49" charset="0"/>
+                <a:cs typeface="Courier New" pitchFamily="49" charset="0"/>
+              </a:rPr>
+              <a:t>		</a:t>
+            </a:r>
+            <a:r>
+              <a:rPr lang="en-AU" sz="1050" dirty="0" err="1" smtClean="0">
+                <a:latin typeface="Courier New" pitchFamily="49" charset="0"/>
+                <a:cs typeface="Courier New" pitchFamily="49" charset="0"/>
+              </a:rPr>
+              <a:t>out.print</a:t>
+            </a:r>
+            <a:r>
+              <a:rPr lang="en-AU" sz="1050" dirty="0" smtClean="0">
+                <a:latin typeface="Courier New" pitchFamily="49" charset="0"/>
+                <a:cs typeface="Courier New" pitchFamily="49" charset="0"/>
+              </a:rPr>
+              <a:t>( " &lt;/td&gt;&lt;/tr&gt;</a:t>
+            </a:r>
+            <a:r>
+              <a:rPr lang="en-AU" sz="1050" b="1" dirty="0" smtClean="0">
+                <a:latin typeface="Courier New" pitchFamily="49" charset="0"/>
+                <a:cs typeface="Courier New" pitchFamily="49" charset="0"/>
+              </a:rPr>
+              <a:t>\r\n</a:t>
+            </a:r>
+            <a:r>
+              <a:rPr lang="en-AU" sz="1050" dirty="0" smtClean="0">
+                <a:latin typeface="Courier New" pitchFamily="49" charset="0"/>
+                <a:cs typeface="Courier New" pitchFamily="49" charset="0"/>
+              </a:rPr>
+              <a:t>" );</a:t>
+            </a:r>
+          </a:p>
+          <a:p>
+            <a:pPr>
+              <a:buNone/>
+            </a:pPr>
+            <a:r>
+              <a:rPr lang="en-AU" sz="1050" dirty="0" smtClean="0">
+                <a:latin typeface="Courier New" pitchFamily="49" charset="0"/>
+                <a:cs typeface="Courier New" pitchFamily="49" charset="0"/>
+              </a:rPr>
+              <a:t>		…</a:t>
+            </a:r>
+          </a:p>
+          <a:p>
+            <a:pPr>
+              <a:buNone/>
+            </a:pPr>
+            <a:r>
+              <a:rPr lang="en-AU" sz="1050" dirty="0" smtClean="0">
+                <a:latin typeface="Courier New" pitchFamily="49" charset="0"/>
+                <a:cs typeface="Courier New" pitchFamily="49" charset="0"/>
+              </a:rPr>
+              <a:t>	} </a:t>
+            </a:r>
+            <a:r>
+              <a:rPr lang="en-AU" sz="1050" b="1" dirty="0" smtClean="0">
+                <a:latin typeface="Courier New" pitchFamily="49" charset="0"/>
+                <a:cs typeface="Courier New" pitchFamily="49" charset="0"/>
+              </a:rPr>
+              <a:t>catch</a:t>
+            </a:r>
+            <a:r>
+              <a:rPr lang="en-AU" sz="1050" dirty="0" smtClean="0">
+                <a:latin typeface="Courier New" pitchFamily="49" charset="0"/>
+                <a:cs typeface="Courier New" pitchFamily="49" charset="0"/>
+              </a:rPr>
+              <a:t> ( Exception _exception ) { </a:t>
+            </a:r>
+            <a:r>
+              <a:rPr lang="en-AU" sz="1050" i="1" dirty="0" smtClean="0">
+                <a:latin typeface="Courier New" pitchFamily="49" charset="0"/>
+                <a:cs typeface="Courier New" pitchFamily="49" charset="0"/>
+              </a:rPr>
+              <a:t>...</a:t>
+            </a:r>
+            <a:r>
+              <a:rPr lang="en-AU" sz="1050" dirty="0" smtClean="0">
+                <a:latin typeface="Courier New" pitchFamily="49" charset="0"/>
+                <a:cs typeface="Courier New" pitchFamily="49" charset="0"/>
+              </a:rPr>
+              <a:t> </a:t>
+            </a:r>
+          </a:p>
+          <a:p>
+            <a:pPr>
+              <a:buNone/>
+            </a:pPr>
+            <a:r>
+              <a:rPr lang="en-AU" sz="1050" dirty="0" smtClean="0">
+                <a:latin typeface="Courier New" pitchFamily="49" charset="0"/>
+                <a:cs typeface="Courier New" pitchFamily="49" charset="0"/>
+              </a:rPr>
+              <a:t>	} } }</a:t>
+            </a:r>
+            <a:endParaRPr lang="en-AU" sz="1050" dirty="0">
+              <a:latin typeface="Courier New" pitchFamily="49" charset="0"/>
+              <a:cs typeface="Courier New" pitchFamily="49" charset="0"/>
+            </a:endParaRPr>
           </a:p>
         </p:txBody>
       </p:sp>
@@ -10494,12 +10517,8 @@
           <a:lstStyle/>
           <a:p>
             <a:r>
-              <a:rPr lang="en-AU" dirty="0" err="1" smtClean="0"/>
-              <a:t>Builtin</a:t>
-            </a:r>
-            <a:r>
               <a:rPr lang="en-AU" dirty="0" smtClean="0"/>
-              <a:t> JSP Objects</a:t>
+              <a:t>JSP Methods</a:t>
             </a:r>
             <a:endParaRPr lang="en-AU" dirty="0"/>
           </a:p>
@@ -10518,86 +10537,141 @@
         <p:spPr/>
         <p:txBody>
           <a:bodyPr>
-            <a:normAutofit lnSpcReduction="10000"/>
+            <a:normAutofit fontScale="92500" lnSpcReduction="10000"/>
           </a:bodyPr>
           <a:lstStyle/>
           <a:p>
             <a:r>
-              <a:rPr lang="en-AU" dirty="0" err="1" smtClean="0"/>
-              <a:t>HTTPServletRequest</a:t>
-            </a:r>
-            <a:r>
               <a:rPr lang="en-AU" dirty="0" smtClean="0"/>
-              <a:t> request</a:t>
-            </a:r>
-          </a:p>
-          <a:p>
-            <a:pPr lvl="1"/>
+              <a:t>Method definition</a:t>
+            </a:r>
+            <a:endParaRPr lang="en-AU" dirty="0" smtClean="0">
+              <a:latin typeface="Courier New" pitchFamily="49" charset="0"/>
+              <a:cs typeface="Courier New" pitchFamily="49" charset="0"/>
+            </a:endParaRPr>
+          </a:p>
+          <a:p>
+            <a:pPr>
+              <a:buNone/>
+            </a:pPr>
+            <a:r>
+              <a:rPr lang="en-AU" dirty="0" smtClean="0">
+                <a:latin typeface="Courier New" pitchFamily="49" charset="0"/>
+                <a:cs typeface="Courier New" pitchFamily="49" charset="0"/>
+              </a:rPr>
+              <a:t>&lt;%! public String </a:t>
+            </a:r>
+            <a:r>
+              <a:rPr lang="en-AU" dirty="0" err="1" smtClean="0">
+                <a:latin typeface="Courier New" pitchFamily="49" charset="0"/>
+                <a:cs typeface="Courier New" pitchFamily="49" charset="0"/>
+              </a:rPr>
+              <a:t>sayHello</a:t>
+            </a:r>
+            <a:r>
+              <a:rPr lang="en-AU" dirty="0" smtClean="0">
+                <a:latin typeface="Courier New" pitchFamily="49" charset="0"/>
+                <a:cs typeface="Courier New" pitchFamily="49" charset="0"/>
+              </a:rPr>
+              <a:t>()</a:t>
+            </a:r>
+          </a:p>
+          <a:p>
+            <a:pPr>
+              <a:buNone/>
+            </a:pPr>
+            <a:r>
+              <a:rPr lang="en-AU" dirty="0" smtClean="0">
+                <a:latin typeface="Courier New" pitchFamily="49" charset="0"/>
+                <a:cs typeface="Courier New" pitchFamily="49" charset="0"/>
+              </a:rPr>
+              <a:t>{</a:t>
+            </a:r>
+          </a:p>
+          <a:p>
+            <a:pPr>
+              <a:buNone/>
+            </a:pPr>
+            <a:r>
+              <a:rPr lang="en-AU" dirty="0" smtClean="0">
+                <a:latin typeface="Courier New" pitchFamily="49" charset="0"/>
+                <a:cs typeface="Courier New" pitchFamily="49" charset="0"/>
+              </a:rPr>
+              <a:t> return "Hello this is a method"; </a:t>
+            </a:r>
+          </a:p>
+          <a:p>
+            <a:pPr>
+              <a:buNone/>
+            </a:pPr>
+            <a:r>
+              <a:rPr lang="en-AU" dirty="0" smtClean="0">
+                <a:latin typeface="Courier New" pitchFamily="49" charset="0"/>
+                <a:cs typeface="Courier New" pitchFamily="49" charset="0"/>
+              </a:rPr>
+              <a:t>}</a:t>
+            </a:r>
+          </a:p>
+          <a:p>
+            <a:pPr>
+              <a:buNone/>
+            </a:pPr>
+            <a:r>
+              <a:rPr lang="en-AU" dirty="0" smtClean="0">
+                <a:latin typeface="Courier New" pitchFamily="49" charset="0"/>
+                <a:cs typeface="Courier New" pitchFamily="49" charset="0"/>
+              </a:rPr>
+              <a:t>%&gt;</a:t>
+            </a:r>
+          </a:p>
+          <a:p>
+            <a:pPr>
+              <a:buNone/>
+            </a:pPr>
+            <a:endParaRPr lang="en-AU" dirty="0" smtClean="0">
+              <a:latin typeface="Courier New" pitchFamily="49" charset="0"/>
+              <a:cs typeface="Courier New" pitchFamily="49" charset="0"/>
+            </a:endParaRPr>
+          </a:p>
+          <a:p>
             <a:r>
               <a:rPr lang="en-AU" dirty="0" smtClean="0"/>
-              <a:t>Read different key / value pairs</a:t>
-            </a:r>
-          </a:p>
-          <a:p>
-            <a:pPr lvl="1"/>
-            <a:r>
-              <a:rPr lang="en-AU" dirty="0" smtClean="0"/>
-              <a:t>Header attributes</a:t>
-            </a:r>
-          </a:p>
-          <a:p>
-            <a:pPr lvl="1"/>
-            <a:r>
-              <a:rPr lang="en-AU" dirty="0" smtClean="0"/>
-              <a:t> Cookies</a:t>
-            </a:r>
-          </a:p>
-          <a:p>
-            <a:pPr lvl="1"/>
-            <a:r>
-              <a:rPr lang="en-AU" dirty="0" smtClean="0"/>
-              <a:t>... + lots more</a:t>
-            </a:r>
-          </a:p>
-          <a:p>
-            <a:r>
-              <a:rPr lang="en-AU" dirty="0" err="1" smtClean="0"/>
-              <a:t>HTTPServletResponse</a:t>
-            </a:r>
-            <a:r>
-              <a:rPr lang="en-AU" dirty="0" smtClean="0"/>
-              <a:t> </a:t>
-            </a:r>
-            <a:r>
-              <a:rPr lang="en-AU" dirty="0" err="1" smtClean="0"/>
-              <a:t>reponse</a:t>
-            </a:r>
-            <a:endParaRPr lang="en-AU" dirty="0" smtClean="0"/>
-          </a:p>
-          <a:p>
-            <a:pPr lvl="1"/>
-            <a:r>
-              <a:rPr lang="en-AU" dirty="0" smtClean="0"/>
-              <a:t>Write different key / value pairs</a:t>
-            </a:r>
-          </a:p>
-          <a:p>
-            <a:r>
-              <a:rPr lang="en-AU" dirty="0" err="1" smtClean="0"/>
-              <a:t>JspWriter</a:t>
-            </a:r>
-            <a:r>
-              <a:rPr lang="en-AU" dirty="0" smtClean="0"/>
-              <a:t> out</a:t>
-            </a:r>
-          </a:p>
-          <a:p>
-            <a:pPr lvl="1"/>
-            <a:r>
-              <a:rPr lang="en-AU" dirty="0" smtClean="0"/>
-              <a:t>Default output stream / writer for a JSP page</a:t>
-            </a:r>
-            <a:endParaRPr lang="en-AU" dirty="0"/>
+              <a:t>Method call</a:t>
+            </a:r>
+            <a:endParaRPr lang="en-AU" dirty="0" smtClean="0">
+              <a:latin typeface="Courier New" pitchFamily="49" charset="0"/>
+              <a:cs typeface="Courier New" pitchFamily="49" charset="0"/>
+            </a:endParaRPr>
+          </a:p>
+          <a:p>
+            <a:pPr>
+              <a:buNone/>
+            </a:pPr>
+            <a:r>
+              <a:rPr lang="en-AU" dirty="0" smtClean="0">
+                <a:latin typeface="Courier New" pitchFamily="49" charset="0"/>
+                <a:cs typeface="Courier New" pitchFamily="49" charset="0"/>
+              </a:rPr>
+              <a:t>&lt;%= </a:t>
+            </a:r>
+            <a:r>
+              <a:rPr lang="en-AU" dirty="0" err="1" smtClean="0">
+                <a:latin typeface="Courier New" pitchFamily="49" charset="0"/>
+                <a:cs typeface="Courier New" pitchFamily="49" charset="0"/>
+              </a:rPr>
+              <a:t>sayHello</a:t>
+            </a:r>
+            <a:r>
+              <a:rPr lang="en-AU" dirty="0" smtClean="0">
+                <a:latin typeface="Courier New" pitchFamily="49" charset="0"/>
+                <a:cs typeface="Courier New" pitchFamily="49" charset="0"/>
+              </a:rPr>
+              <a:t>() %&gt;</a:t>
+            </a:r>
+            <a:endParaRPr lang="en-AU" dirty="0">
+              <a:latin typeface="Courier New" pitchFamily="49" charset="0"/>
+              <a:cs typeface="Courier New" pitchFamily="49" charset="0"/>
+            </a:endParaRPr>
           </a:p>
         </p:txBody>
       </p:sp>
@@ -10649,16 +10723,16 @@
           <a:lstStyle/>
           <a:p>
             <a:r>
-              <a:rPr lang="en-NZ" dirty="0" smtClean="0"/>
-              <a:t>JDBC – Java Database Connectivity</a:t>
-            </a:r>
-            <a:endParaRPr lang="en-NZ" dirty="0"/>
-          </a:p>
-        </p:txBody>
-      </p:sp>
-      <p:sp>
-        <p:nvSpPr>
-          <p:cNvPr id="6" name="Content Placeholder 5"/>
+              <a:rPr lang="en-AU" dirty="0" smtClean="0"/>
+              <a:t>JSP Directives</a:t>
+            </a:r>
+            <a:endParaRPr lang="en-AU" dirty="0"/>
+          </a:p>
+        </p:txBody>
+      </p:sp>
+      <p:sp>
+        <p:nvSpPr>
+          <p:cNvPr id="5" name="Content Placeholder 4"/>
           <p:cNvSpPr>
             <a:spLocks noGrp="1"/>
           </p:cNvSpPr>
@@ -10668,112 +10742,53 @@
         </p:nvSpPr>
         <p:spPr/>
         <p:txBody>
-          <a:bodyPr>
-            <a:normAutofit fontScale="62500" lnSpcReduction="20000"/>
-          </a:bodyPr>
+          <a:bodyPr/>
           <a:lstStyle/>
           <a:p>
             <a:r>
-              <a:rPr lang="en-NZ" dirty="0" smtClean="0"/>
-              <a:t>A common interface which allows a Java Program to access a SQL / relational database technology programmatically</a:t>
-            </a:r>
-          </a:p>
-          <a:p>
-            <a:r>
-              <a:rPr lang="en-NZ" dirty="0" smtClean="0"/>
-              <a:t>JDBC classes and factory methods abstract common SQL database functions such as:</a:t>
-            </a:r>
-          </a:p>
-          <a:p>
-            <a:pPr lvl="1"/>
-            <a:r>
-              <a:rPr lang="en-NZ" dirty="0" smtClean="0"/>
-              <a:t>Connect / Disconnect</a:t>
-            </a:r>
-          </a:p>
-          <a:p>
-            <a:pPr lvl="1"/>
-            <a:r>
-              <a:rPr lang="en-NZ" dirty="0" smtClean="0"/>
-              <a:t>Statements</a:t>
-            </a:r>
-          </a:p>
-          <a:p>
-            <a:pPr lvl="2"/>
-            <a:r>
-              <a:rPr lang="en-NZ" dirty="0" smtClean="0"/>
-              <a:t>Select</a:t>
-            </a:r>
-          </a:p>
-          <a:p>
-            <a:pPr lvl="2"/>
-            <a:r>
-              <a:rPr lang="en-NZ" dirty="0" smtClean="0"/>
-              <a:t>Insert</a:t>
-            </a:r>
-          </a:p>
-          <a:p>
-            <a:pPr lvl="2"/>
-            <a:r>
-              <a:rPr lang="en-NZ" dirty="0" smtClean="0"/>
-              <a:t>Update</a:t>
-            </a:r>
-          </a:p>
-          <a:p>
-            <a:pPr lvl="2"/>
-            <a:r>
-              <a:rPr lang="en-NZ" dirty="0" smtClean="0"/>
-              <a:t>Delete</a:t>
-            </a:r>
-          </a:p>
-          <a:p>
-            <a:pPr lvl="2"/>
-            <a:r>
-              <a:rPr lang="en-NZ" dirty="0" smtClean="0"/>
-              <a:t>DDL ( create table etc …)</a:t>
-            </a:r>
-          </a:p>
-          <a:p>
-            <a:pPr lvl="1"/>
-            <a:r>
-              <a:rPr lang="en-NZ" dirty="0" err="1" smtClean="0"/>
-              <a:t>ResultSets</a:t>
-            </a:r>
-            <a:endParaRPr lang="en-NZ" dirty="0" smtClean="0"/>
-          </a:p>
-          <a:p>
-            <a:pPr lvl="1"/>
-            <a:r>
-              <a:rPr lang="en-NZ" dirty="0" err="1" smtClean="0"/>
-              <a:t>PreparedStatements</a:t>
-            </a:r>
-            <a:endParaRPr lang="en-NZ" dirty="0" smtClean="0"/>
-          </a:p>
-          <a:p>
-            <a:pPr lvl="1"/>
-            <a:r>
-              <a:rPr lang="en-NZ" dirty="0" err="1" smtClean="0"/>
-              <a:t>ResultSetMetaData</a:t>
-            </a:r>
-            <a:endParaRPr lang="en-NZ" dirty="0" smtClean="0"/>
-          </a:p>
-          <a:p>
-            <a:pPr lvl="1"/>
-            <a:endParaRPr lang="en-NZ" dirty="0" smtClean="0"/>
-          </a:p>
-          <a:p>
-            <a:r>
-              <a:rPr lang="en-NZ" dirty="0" smtClean="0"/>
-              <a:t>Classes and Factory methods live in the </a:t>
-            </a:r>
-            <a:r>
-              <a:rPr lang="en-NZ" dirty="0" err="1" smtClean="0"/>
-              <a:t>java.sql</a:t>
-            </a:r>
-            <a:r>
-              <a:rPr lang="en-NZ" dirty="0" smtClean="0"/>
-              <a:t>.* package</a:t>
-            </a:r>
+              <a:rPr lang="en-AU" dirty="0" smtClean="0"/>
+              <a:t>&lt;%@ page import="</a:t>
+            </a:r>
+            <a:r>
+              <a:rPr lang="en-AU" dirty="0" err="1" smtClean="0"/>
+              <a:t>java.util</a:t>
+            </a:r>
+            <a:r>
+              <a:rPr lang="en-AU" dirty="0" smtClean="0"/>
+              <a:t>.*" %&gt;</a:t>
+            </a:r>
+          </a:p>
+          <a:p>
+            <a:r>
+              <a:rPr lang="en-AU" dirty="0" smtClean="0"/>
+              <a:t>&lt;%@ page import="</a:t>
+            </a:r>
+            <a:r>
+              <a:rPr lang="en-AU" dirty="0" err="1" smtClean="0"/>
+              <a:t>java.util</a:t>
+            </a:r>
+            <a:r>
+              <a:rPr lang="en-AU" dirty="0" smtClean="0"/>
+              <a:t>.*,</a:t>
+            </a:r>
+            <a:r>
+              <a:rPr lang="en-AU" dirty="0" err="1" smtClean="0"/>
+              <a:t>java.text</a:t>
+            </a:r>
+            <a:r>
+              <a:rPr lang="en-AU" dirty="0" smtClean="0"/>
+              <a:t>.*" %&gt;</a:t>
+            </a:r>
+          </a:p>
+          <a:p>
+            <a:endParaRPr lang="en-AU" dirty="0" smtClean="0"/>
+          </a:p>
+          <a:p>
+            <a:r>
+              <a:rPr lang="en-AU" dirty="0" smtClean="0"/>
+              <a:t>&lt;HTML&gt; &lt;BODY&gt; Going to include hello.jsp...&lt;BR&gt; &lt;%@ include file="hello.jsp" %&gt; &lt;/BODY&gt; &lt;/HTML&gt;</a:t>
+            </a:r>
+            <a:endParaRPr lang="en-AU" dirty="0"/>
           </a:p>
         </p:txBody>
       </p:sp>
@@ -10825,10 +10840,14 @@
           <a:lstStyle/>
           <a:p>
             <a:r>
-              <a:rPr lang="en-NZ" dirty="0" smtClean="0"/>
-              <a:t>What is JDBC?</a:t>
-            </a:r>
-            <a:endParaRPr lang="en-NZ" dirty="0"/>
+              <a:rPr lang="en-AU" dirty="0" err="1" smtClean="0"/>
+              <a:t>Builtin</a:t>
+            </a:r>
+            <a:r>
+              <a:rPr lang="en-AU" dirty="0" smtClean="0"/>
+              <a:t> JSP Objects</a:t>
+            </a:r>
+            <a:endParaRPr lang="en-AU" dirty="0"/>
           </a:p>
         </p:txBody>
       </p:sp>
@@ -10845,45 +10864,86 @@
         <p:spPr/>
         <p:txBody>
           <a:bodyPr>
-            <a:normAutofit fontScale="85000" lnSpcReduction="20000"/>
+            <a:normAutofit lnSpcReduction="10000"/>
           </a:bodyPr>
           <a:lstStyle/>
           <a:p>
             <a:r>
-              <a:rPr lang="en-NZ" dirty="0" smtClean="0"/>
-              <a:t>API written in such a way to provide an abstracted interface to allow applications written using JDBC to access and interact with many different database products</a:t>
-            </a:r>
-          </a:p>
-          <a:p>
-            <a:r>
-              <a:rPr lang="en-NZ" dirty="0" smtClean="0"/>
-              <a:t>JDBC uses a Driver based model which allows a Java application to access any database server for which a JDBC driver exists</a:t>
-            </a:r>
-          </a:p>
-          <a:p>
-            <a:r>
-              <a:rPr lang="en-NZ" dirty="0" smtClean="0"/>
-              <a:t>Makes database / application development easier as programmers do not need to familiarize themselves with the database libraries provided by different vendors.</a:t>
+              <a:rPr lang="en-AU" dirty="0" err="1" smtClean="0"/>
+              <a:t>HTTPServletRequest</a:t>
+            </a:r>
+            <a:r>
+              <a:rPr lang="en-AU" dirty="0" smtClean="0"/>
+              <a:t> request</a:t>
             </a:r>
           </a:p>
           <a:p>
             <a:pPr lvl="1"/>
             <a:r>
-              <a:rPr lang="en-NZ" dirty="0" err="1" smtClean="0"/>
-              <a:t>ie</a:t>
-            </a:r>
-            <a:r>
-              <a:rPr lang="en-NZ" dirty="0" smtClean="0"/>
-              <a:t>. low level API’s provided by the likes of IBM (DB2), Microsoft (SQL Server) and Oracle.</a:t>
+              <a:rPr lang="en-AU" dirty="0" smtClean="0"/>
+              <a:t>Read different key / value pairs</a:t>
             </a:r>
           </a:p>
           <a:p>
             <a:pPr lvl="1"/>
             <a:r>
-              <a:rPr lang="en-NZ" dirty="0" smtClean="0"/>
-              <a:t>Hides many unnecessary details</a:t>
-            </a:r>
-            <a:endParaRPr lang="en-NZ" dirty="0"/>
+              <a:rPr lang="en-AU" dirty="0" smtClean="0"/>
+              <a:t>Header attributes</a:t>
+            </a:r>
+          </a:p>
+          <a:p>
+            <a:pPr lvl="1"/>
+            <a:r>
+              <a:rPr lang="en-AU" dirty="0" smtClean="0"/>
+              <a:t> Cookies</a:t>
+            </a:r>
+          </a:p>
+          <a:p>
+            <a:pPr lvl="1"/>
+            <a:r>
+              <a:rPr lang="en-AU" dirty="0" smtClean="0"/>
+              <a:t>... + lots more</a:t>
+            </a:r>
+          </a:p>
+          <a:p>
+            <a:r>
+              <a:rPr lang="en-AU" dirty="0" err="1" smtClean="0"/>
+              <a:t>HTTPServletResponse</a:t>
+            </a:r>
+            <a:r>
+              <a:rPr lang="en-AU" dirty="0" smtClean="0"/>
+              <a:t> </a:t>
+            </a:r>
+            <a:r>
+              <a:rPr lang="en-AU" dirty="0" err="1" smtClean="0"/>
+              <a:t>reponse</a:t>
+            </a:r>
+            <a:endParaRPr lang="en-AU" dirty="0" smtClean="0"/>
+          </a:p>
+          <a:p>
+            <a:pPr lvl="1"/>
+            <a:r>
+              <a:rPr lang="en-AU" dirty="0" smtClean="0"/>
+              <a:t>Write different key / value pairs</a:t>
+            </a:r>
+          </a:p>
+          <a:p>
+            <a:r>
+              <a:rPr lang="en-AU" dirty="0" err="1" smtClean="0"/>
+              <a:t>JspWriter</a:t>
+            </a:r>
+            <a:r>
+              <a:rPr lang="en-AU" dirty="0" smtClean="0"/>
+              <a:t> out</a:t>
+            </a:r>
+          </a:p>
+          <a:p>
+            <a:pPr lvl="1"/>
+            <a:r>
+              <a:rPr lang="en-AU" dirty="0" smtClean="0"/>
+              <a:t>Default output stream / writer for a JSP page</a:t>
+            </a:r>
+            <a:endParaRPr lang="en-AU" dirty="0"/>
           </a:p>
         </p:txBody>
       </p:sp>
@@ -10903,6 +10963,292 @@
 </file>
 
 <file path=ppt/slides/slide26.xml><?xml version="1.0" encoding="utf-8"?>
+<p:sld xmlns:a="http://schemas.openxmlformats.org/drawingml/2006/main" xmlns:r="http://schemas.openxmlformats.org/officeDocument/2006/relationships" xmlns:p="http://schemas.openxmlformats.org/presentationml/2006/main">
+  <p:cSld>
+    <p:spTree>
+      <p:nvGrpSpPr>
+        <p:cNvPr id="1" name=""/>
+        <p:cNvGrpSpPr/>
+        <p:nvPr/>
+      </p:nvGrpSpPr>
+      <p:grpSpPr>
+        <a:xfrm>
+          <a:off x="0" y="0"/>
+          <a:ext cx="0" cy="0"/>
+          <a:chOff x="0" y="0"/>
+          <a:chExt cx="0" cy="0"/>
+        </a:xfrm>
+      </p:grpSpPr>
+      <p:sp>
+        <p:nvSpPr>
+          <p:cNvPr id="2" name="Title 1"/>
+          <p:cNvSpPr>
+            <a:spLocks noGrp="1"/>
+          </p:cNvSpPr>
+          <p:nvPr>
+            <p:ph type="title"/>
+          </p:nvPr>
+        </p:nvSpPr>
+        <p:spPr/>
+        <p:txBody>
+          <a:bodyPr/>
+          <a:lstStyle/>
+          <a:p>
+            <a:r>
+              <a:rPr lang="en-NZ" dirty="0" smtClean="0"/>
+              <a:t>JDBC – Java Database Connectivity</a:t>
+            </a:r>
+            <a:endParaRPr lang="en-NZ" dirty="0"/>
+          </a:p>
+        </p:txBody>
+      </p:sp>
+      <p:sp>
+        <p:nvSpPr>
+          <p:cNvPr id="6" name="Content Placeholder 5"/>
+          <p:cNvSpPr>
+            <a:spLocks noGrp="1"/>
+          </p:cNvSpPr>
+          <p:nvPr>
+            <p:ph sz="quarter" idx="13"/>
+          </p:nvPr>
+        </p:nvSpPr>
+        <p:spPr/>
+        <p:txBody>
+          <a:bodyPr>
+            <a:normAutofit fontScale="62500" lnSpcReduction="20000"/>
+          </a:bodyPr>
+          <a:lstStyle/>
+          <a:p>
+            <a:r>
+              <a:rPr lang="en-NZ" dirty="0" smtClean="0"/>
+              <a:t>A common interface which allows a Java Program to access a SQL / relational database technology programmatically</a:t>
+            </a:r>
+          </a:p>
+          <a:p>
+            <a:r>
+              <a:rPr lang="en-NZ" dirty="0" smtClean="0"/>
+              <a:t>JDBC classes and factory methods abstract common SQL database functions such as:</a:t>
+            </a:r>
+          </a:p>
+          <a:p>
+            <a:pPr lvl="1"/>
+            <a:r>
+              <a:rPr lang="en-NZ" dirty="0" smtClean="0"/>
+              <a:t>Connect / Disconnect</a:t>
+            </a:r>
+          </a:p>
+          <a:p>
+            <a:pPr lvl="1"/>
+            <a:r>
+              <a:rPr lang="en-NZ" dirty="0" smtClean="0"/>
+              <a:t>Statements</a:t>
+            </a:r>
+          </a:p>
+          <a:p>
+            <a:pPr lvl="2"/>
+            <a:r>
+              <a:rPr lang="en-NZ" dirty="0" smtClean="0"/>
+              <a:t>Select</a:t>
+            </a:r>
+          </a:p>
+          <a:p>
+            <a:pPr lvl="2"/>
+            <a:r>
+              <a:rPr lang="en-NZ" dirty="0" smtClean="0"/>
+              <a:t>Insert</a:t>
+            </a:r>
+          </a:p>
+          <a:p>
+            <a:pPr lvl="2"/>
+            <a:r>
+              <a:rPr lang="en-NZ" dirty="0" smtClean="0"/>
+              <a:t>Update</a:t>
+            </a:r>
+          </a:p>
+          <a:p>
+            <a:pPr lvl="2"/>
+            <a:r>
+              <a:rPr lang="en-NZ" dirty="0" smtClean="0"/>
+              <a:t>Delete</a:t>
+            </a:r>
+          </a:p>
+          <a:p>
+            <a:pPr lvl="2"/>
+            <a:r>
+              <a:rPr lang="en-NZ" dirty="0" smtClean="0"/>
+              <a:t>DDL ( create table etc …)</a:t>
+            </a:r>
+          </a:p>
+          <a:p>
+            <a:pPr lvl="1"/>
+            <a:r>
+              <a:rPr lang="en-NZ" dirty="0" err="1" smtClean="0"/>
+              <a:t>ResultSets</a:t>
+            </a:r>
+            <a:endParaRPr lang="en-NZ" dirty="0" smtClean="0"/>
+          </a:p>
+          <a:p>
+            <a:pPr lvl="1"/>
+            <a:r>
+              <a:rPr lang="en-NZ" dirty="0" err="1" smtClean="0"/>
+              <a:t>PreparedStatements</a:t>
+            </a:r>
+            <a:endParaRPr lang="en-NZ" dirty="0" smtClean="0"/>
+          </a:p>
+          <a:p>
+            <a:pPr lvl="1"/>
+            <a:r>
+              <a:rPr lang="en-NZ" dirty="0" err="1" smtClean="0"/>
+              <a:t>ResultSetMetaData</a:t>
+            </a:r>
+            <a:endParaRPr lang="en-NZ" dirty="0" smtClean="0"/>
+          </a:p>
+          <a:p>
+            <a:pPr lvl="1"/>
+            <a:endParaRPr lang="en-NZ" dirty="0" smtClean="0"/>
+          </a:p>
+          <a:p>
+            <a:r>
+              <a:rPr lang="en-NZ" dirty="0" smtClean="0"/>
+              <a:t>Classes and Factory methods live in the </a:t>
+            </a:r>
+            <a:r>
+              <a:rPr lang="en-NZ" dirty="0" err="1" smtClean="0"/>
+              <a:t>java.sql</a:t>
+            </a:r>
+            <a:r>
+              <a:rPr lang="en-NZ" dirty="0" smtClean="0"/>
+              <a:t>.* package</a:t>
+            </a:r>
+          </a:p>
+        </p:txBody>
+      </p:sp>
+    </p:spTree>
+  </p:cSld>
+  <p:clrMapOvr>
+    <a:masterClrMapping/>
+  </p:clrMapOvr>
+  <p:timing>
+    <p:tnLst>
+      <p:par>
+        <p:cTn id="1" dur="indefinite" restart="never" nodeType="tmRoot"/>
+      </p:par>
+    </p:tnLst>
+  </p:timing>
+</p:sld>
+</file>
+
+<file path=ppt/slides/slide27.xml><?xml version="1.0" encoding="utf-8"?>
+<p:sld xmlns:a="http://schemas.openxmlformats.org/drawingml/2006/main" xmlns:r="http://schemas.openxmlformats.org/officeDocument/2006/relationships" xmlns:p="http://schemas.openxmlformats.org/presentationml/2006/main">
+  <p:cSld>
+    <p:spTree>
+      <p:nvGrpSpPr>
+        <p:cNvPr id="1" name=""/>
+        <p:cNvGrpSpPr/>
+        <p:nvPr/>
+      </p:nvGrpSpPr>
+      <p:grpSpPr>
+        <a:xfrm>
+          <a:off x="0" y="0"/>
+          <a:ext cx="0" cy="0"/>
+          <a:chOff x="0" y="0"/>
+          <a:chExt cx="0" cy="0"/>
+        </a:xfrm>
+      </p:grpSpPr>
+      <p:sp>
+        <p:nvSpPr>
+          <p:cNvPr id="2" name="Title 1"/>
+          <p:cNvSpPr>
+            <a:spLocks noGrp="1"/>
+          </p:cNvSpPr>
+          <p:nvPr>
+            <p:ph type="title"/>
+          </p:nvPr>
+        </p:nvSpPr>
+        <p:spPr/>
+        <p:txBody>
+          <a:bodyPr/>
+          <a:lstStyle/>
+          <a:p>
+            <a:r>
+              <a:rPr lang="en-NZ" dirty="0" smtClean="0"/>
+              <a:t>What is JDBC?</a:t>
+            </a:r>
+            <a:endParaRPr lang="en-NZ" dirty="0"/>
+          </a:p>
+        </p:txBody>
+      </p:sp>
+      <p:sp>
+        <p:nvSpPr>
+          <p:cNvPr id="5" name="Content Placeholder 4"/>
+          <p:cNvSpPr>
+            <a:spLocks noGrp="1"/>
+          </p:cNvSpPr>
+          <p:nvPr>
+            <p:ph sz="quarter" idx="13"/>
+          </p:nvPr>
+        </p:nvSpPr>
+        <p:spPr/>
+        <p:txBody>
+          <a:bodyPr>
+            <a:normAutofit fontScale="85000" lnSpcReduction="20000"/>
+          </a:bodyPr>
+          <a:lstStyle/>
+          <a:p>
+            <a:r>
+              <a:rPr lang="en-NZ" dirty="0" smtClean="0"/>
+              <a:t>API written in such a way to provide an abstracted interface to allow applications written using JDBC to access and interact with many different database products</a:t>
+            </a:r>
+          </a:p>
+          <a:p>
+            <a:r>
+              <a:rPr lang="en-NZ" dirty="0" smtClean="0"/>
+              <a:t>JDBC uses a Driver based model which allows a Java application to access any database server for which a JDBC driver exists</a:t>
+            </a:r>
+          </a:p>
+          <a:p>
+            <a:r>
+              <a:rPr lang="en-NZ" dirty="0" smtClean="0"/>
+              <a:t>Makes database / application development easier as programmers do not need to familiarize themselves with the database libraries provided by different vendors.</a:t>
+            </a:r>
+          </a:p>
+          <a:p>
+            <a:pPr lvl="1"/>
+            <a:r>
+              <a:rPr lang="en-NZ" dirty="0" err="1" smtClean="0"/>
+              <a:t>ie</a:t>
+            </a:r>
+            <a:r>
+              <a:rPr lang="en-NZ" dirty="0" smtClean="0"/>
+              <a:t>. low level API’s provided by the likes of IBM (DB2), Microsoft (SQL Server) and Oracle.</a:t>
+            </a:r>
+          </a:p>
+          <a:p>
+            <a:pPr lvl="1"/>
+            <a:r>
+              <a:rPr lang="en-NZ" dirty="0" smtClean="0"/>
+              <a:t>Hides many unnecessary details</a:t>
+            </a:r>
+            <a:endParaRPr lang="en-NZ" dirty="0"/>
+          </a:p>
+        </p:txBody>
+      </p:sp>
+    </p:spTree>
+  </p:cSld>
+  <p:clrMapOvr>
+    <a:masterClrMapping/>
+  </p:clrMapOvr>
+  <p:timing>
+    <p:tnLst>
+      <p:par>
+        <p:cTn id="1" dur="indefinite" restart="never" nodeType="tmRoot"/>
+      </p:par>
+    </p:tnLst>
+  </p:timing>
+</p:sld>
+</file>
+
+<file path=ppt/slides/slide28.xml><?xml version="1.0" encoding="utf-8"?>
 <p:sld xmlns:a="http://schemas.openxmlformats.org/drawingml/2006/main" xmlns:r="http://schemas.openxmlformats.org/officeDocument/2006/relationships" xmlns:p="http://schemas.openxmlformats.org/presentationml/2006/main">
   <p:cSld>
     <p:spTree>
@@ -11046,501 +11392,6 @@
 </p:sld>
 </file>
 
-<file path=ppt/slides/slide27.xml><?xml version="1.0" encoding="utf-8"?>
-<p:sld xmlns:a="http://schemas.openxmlformats.org/drawingml/2006/main" xmlns:r="http://schemas.openxmlformats.org/officeDocument/2006/relationships" xmlns:p="http://schemas.openxmlformats.org/presentationml/2006/main">
-  <p:cSld>
-    <p:spTree>
-      <p:nvGrpSpPr>
-        <p:cNvPr id="1" name=""/>
-        <p:cNvGrpSpPr/>
-        <p:nvPr/>
-      </p:nvGrpSpPr>
-      <p:grpSpPr>
-        <a:xfrm>
-          <a:off x="0" y="0"/>
-          <a:ext cx="0" cy="0"/>
-          <a:chOff x="0" y="0"/>
-          <a:chExt cx="0" cy="0"/>
-        </a:xfrm>
-      </p:grpSpPr>
-      <p:sp>
-        <p:nvSpPr>
-          <p:cNvPr id="2" name="Title 1"/>
-          <p:cNvSpPr>
-            <a:spLocks noGrp="1"/>
-          </p:cNvSpPr>
-          <p:nvPr>
-            <p:ph type="title"/>
-          </p:nvPr>
-        </p:nvSpPr>
-        <p:spPr/>
-        <p:txBody>
-          <a:bodyPr/>
-          <a:lstStyle/>
-          <a:p>
-            <a:r>
-              <a:rPr lang="en-NZ" dirty="0" err="1" smtClean="0"/>
-              <a:t>DataSource</a:t>
-            </a:r>
-            <a:endParaRPr lang="en-NZ" dirty="0"/>
-          </a:p>
-        </p:txBody>
-      </p:sp>
-      <p:sp>
-        <p:nvSpPr>
-          <p:cNvPr id="5" name="Content Placeholder 4"/>
-          <p:cNvSpPr>
-            <a:spLocks noGrp="1"/>
-          </p:cNvSpPr>
-          <p:nvPr>
-            <p:ph sz="quarter" idx="13"/>
-          </p:nvPr>
-        </p:nvSpPr>
-        <p:spPr/>
-        <p:txBody>
-          <a:bodyPr>
-            <a:normAutofit fontScale="92500" lnSpcReduction="20000"/>
-          </a:bodyPr>
-          <a:lstStyle/>
-          <a:p>
-            <a:r>
-              <a:rPr lang="en-NZ" dirty="0" smtClean="0"/>
-              <a:t>Factory method for defining and obtaining access to a database Connection object</a:t>
-            </a:r>
-          </a:p>
-          <a:p>
-            <a:r>
-              <a:rPr lang="en-NZ" dirty="0" smtClean="0"/>
-              <a:t>Allows programmer to specify data about a database connection</a:t>
-            </a:r>
-          </a:p>
-          <a:p>
-            <a:r>
-              <a:rPr lang="en-NZ" dirty="0" smtClean="0"/>
-              <a:t>Vendors often provide their own variations of the generic Java </a:t>
-            </a:r>
-            <a:r>
-              <a:rPr lang="en-NZ" dirty="0" err="1" smtClean="0"/>
-              <a:t>DataSource</a:t>
-            </a:r>
-            <a:endParaRPr lang="en-NZ" dirty="0" smtClean="0"/>
-          </a:p>
-          <a:p>
-            <a:r>
-              <a:rPr lang="en-NZ" dirty="0" smtClean="0"/>
-              <a:t>Sets up information related to database:</a:t>
-            </a:r>
-          </a:p>
-          <a:p>
-            <a:pPr lvl="1"/>
-            <a:r>
-              <a:rPr lang="en-NZ" dirty="0" smtClean="0"/>
-              <a:t>Port</a:t>
-            </a:r>
-          </a:p>
-          <a:p>
-            <a:pPr lvl="1"/>
-            <a:r>
-              <a:rPr lang="en-NZ" dirty="0" smtClean="0"/>
-              <a:t>Hostname</a:t>
-            </a:r>
-          </a:p>
-          <a:p>
-            <a:pPr lvl="1"/>
-            <a:r>
-              <a:rPr lang="en-NZ" dirty="0" smtClean="0"/>
-              <a:t>Schema</a:t>
-            </a:r>
-          </a:p>
-          <a:p>
-            <a:pPr lvl="1"/>
-            <a:r>
-              <a:rPr lang="en-NZ" dirty="0" smtClean="0"/>
-              <a:t>And Database name</a:t>
-            </a:r>
-          </a:p>
-          <a:p>
-            <a:pPr lvl="1"/>
-            <a:endParaRPr lang="en-NZ" dirty="0"/>
-          </a:p>
-        </p:txBody>
-      </p:sp>
-    </p:spTree>
-  </p:cSld>
-  <p:clrMapOvr>
-    <a:masterClrMapping/>
-  </p:clrMapOvr>
-  <p:timing>
-    <p:tnLst>
-      <p:par>
-        <p:cTn id="1" dur="indefinite" restart="never" nodeType="tmRoot"/>
-      </p:par>
-    </p:tnLst>
-  </p:timing>
-</p:sld>
-</file>
-
-<file path=ppt/slides/slide28.xml><?xml version="1.0" encoding="utf-8"?>
-<p:sld xmlns:a="http://schemas.openxmlformats.org/drawingml/2006/main" xmlns:r="http://schemas.openxmlformats.org/officeDocument/2006/relationships" xmlns:p="http://schemas.openxmlformats.org/presentationml/2006/main">
-  <p:cSld>
-    <p:spTree>
-      <p:nvGrpSpPr>
-        <p:cNvPr id="1" name=""/>
-        <p:cNvGrpSpPr/>
-        <p:nvPr/>
-      </p:nvGrpSpPr>
-      <p:grpSpPr>
-        <a:xfrm>
-          <a:off x="0" y="0"/>
-          <a:ext cx="0" cy="0"/>
-          <a:chOff x="0" y="0"/>
-          <a:chExt cx="0" cy="0"/>
-        </a:xfrm>
-      </p:grpSpPr>
-      <p:sp>
-        <p:nvSpPr>
-          <p:cNvPr id="2" name="Title 1"/>
-          <p:cNvSpPr>
-            <a:spLocks noGrp="1"/>
-          </p:cNvSpPr>
-          <p:nvPr>
-            <p:ph type="title"/>
-          </p:nvPr>
-        </p:nvSpPr>
-        <p:spPr/>
-        <p:txBody>
-          <a:bodyPr/>
-          <a:lstStyle/>
-          <a:p>
-            <a:r>
-              <a:rPr lang="en-NZ" dirty="0" smtClean="0"/>
-              <a:t>Example</a:t>
-            </a:r>
-            <a:endParaRPr lang="en-NZ" dirty="0"/>
-          </a:p>
-        </p:txBody>
-      </p:sp>
-      <p:sp>
-        <p:nvSpPr>
-          <p:cNvPr id="5" name="Content Placeholder 4"/>
-          <p:cNvSpPr>
-            <a:spLocks noGrp="1"/>
-          </p:cNvSpPr>
-          <p:nvPr>
-            <p:ph sz="quarter" idx="13"/>
-          </p:nvPr>
-        </p:nvSpPr>
-        <p:spPr/>
-        <p:txBody>
-          <a:bodyPr>
-            <a:normAutofit/>
-          </a:bodyPr>
-          <a:lstStyle/>
-          <a:p>
-            <a:pPr>
-              <a:buNone/>
-            </a:pPr>
-            <a:r>
-              <a:rPr lang="en-NZ" sz="1800" dirty="0" err="1" smtClean="0">
-                <a:latin typeface="Courier New" pitchFamily="49" charset="0"/>
-                <a:cs typeface="Courier New" pitchFamily="49" charset="0"/>
-              </a:rPr>
-              <a:t>SQLServerDataSource</a:t>
-            </a:r>
-            <a:r>
-              <a:rPr lang="en-NZ" sz="1800" dirty="0" smtClean="0">
-                <a:latin typeface="Courier New" pitchFamily="49" charset="0"/>
-                <a:cs typeface="Courier New" pitchFamily="49" charset="0"/>
-              </a:rPr>
-              <a:t> </a:t>
-            </a:r>
-            <a:r>
-              <a:rPr lang="en-NZ" sz="1800" dirty="0" err="1" smtClean="0">
-                <a:latin typeface="Courier New" pitchFamily="49" charset="0"/>
-                <a:cs typeface="Courier New" pitchFamily="49" charset="0"/>
-              </a:rPr>
-              <a:t>ds</a:t>
-            </a:r>
-            <a:r>
-              <a:rPr lang="en-NZ" sz="1800" dirty="0" smtClean="0">
-                <a:latin typeface="Courier New" pitchFamily="49" charset="0"/>
-                <a:cs typeface="Courier New" pitchFamily="49" charset="0"/>
-              </a:rPr>
-              <a:t> = </a:t>
-            </a:r>
-            <a:r>
-              <a:rPr lang="en-NZ" sz="1800" b="1" dirty="0" smtClean="0">
-                <a:latin typeface="Courier New" pitchFamily="49" charset="0"/>
-                <a:cs typeface="Courier New" pitchFamily="49" charset="0"/>
-              </a:rPr>
-              <a:t>new </a:t>
-            </a:r>
-            <a:r>
-              <a:rPr lang="en-NZ" sz="1800" b="1" dirty="0" err="1" smtClean="0">
-                <a:latin typeface="Courier New" pitchFamily="49" charset="0"/>
-                <a:cs typeface="Courier New" pitchFamily="49" charset="0"/>
-              </a:rPr>
-              <a:t>SQLServerDataSource</a:t>
-            </a:r>
-            <a:r>
-              <a:rPr lang="en-NZ" sz="1800" b="1" dirty="0" smtClean="0">
-                <a:latin typeface="Courier New" pitchFamily="49" charset="0"/>
-                <a:cs typeface="Courier New" pitchFamily="49" charset="0"/>
-              </a:rPr>
-              <a:t> ();</a:t>
-            </a:r>
-          </a:p>
-          <a:p>
-            <a:pPr>
-              <a:buNone/>
-            </a:pPr>
-            <a:endParaRPr lang="en-NZ" sz="1800" dirty="0" smtClean="0">
-              <a:latin typeface="Courier New" pitchFamily="49" charset="0"/>
-              <a:cs typeface="Courier New" pitchFamily="49" charset="0"/>
-            </a:endParaRPr>
-          </a:p>
-          <a:p>
-            <a:pPr>
-              <a:buNone/>
-            </a:pPr>
-            <a:r>
-              <a:rPr lang="en-NZ" sz="1800" dirty="0" err="1" smtClean="0">
-                <a:latin typeface="Courier New" pitchFamily="49" charset="0"/>
-                <a:cs typeface="Courier New" pitchFamily="49" charset="0"/>
-              </a:rPr>
-              <a:t>ds.setIntegratedSecurity</a:t>
-            </a:r>
-            <a:r>
-              <a:rPr lang="en-NZ" sz="1800" dirty="0" smtClean="0">
-                <a:latin typeface="Courier New" pitchFamily="49" charset="0"/>
-                <a:cs typeface="Courier New" pitchFamily="49" charset="0"/>
-              </a:rPr>
-              <a:t>(</a:t>
-            </a:r>
-            <a:r>
-              <a:rPr lang="en-NZ" sz="1800" b="1" dirty="0" smtClean="0">
-                <a:latin typeface="Courier New" pitchFamily="49" charset="0"/>
-                <a:cs typeface="Courier New" pitchFamily="49" charset="0"/>
-              </a:rPr>
-              <a:t>false);</a:t>
-            </a:r>
-          </a:p>
-          <a:p>
-            <a:pPr>
-              <a:buNone/>
-            </a:pPr>
-            <a:r>
-              <a:rPr lang="en-NZ" sz="1800" dirty="0" err="1" smtClean="0">
-                <a:latin typeface="Courier New" pitchFamily="49" charset="0"/>
-                <a:cs typeface="Courier New" pitchFamily="49" charset="0"/>
-              </a:rPr>
-              <a:t>ds.setServerName</a:t>
-            </a:r>
-            <a:r>
-              <a:rPr lang="en-NZ" sz="1800" dirty="0" smtClean="0">
-                <a:latin typeface="Courier New" pitchFamily="49" charset="0"/>
-                <a:cs typeface="Courier New" pitchFamily="49" charset="0"/>
-              </a:rPr>
-              <a:t>("</a:t>
-            </a:r>
-            <a:r>
-              <a:rPr lang="en-NZ" sz="1800" dirty="0" err="1" smtClean="0">
-                <a:latin typeface="Courier New" pitchFamily="49" charset="0"/>
-                <a:cs typeface="Courier New" pitchFamily="49" charset="0"/>
-              </a:rPr>
-              <a:t>hyperdisc.unitec.ac.nz</a:t>
-            </a:r>
-            <a:r>
-              <a:rPr lang="en-NZ" sz="1800" dirty="0" smtClean="0">
-                <a:latin typeface="Courier New" pitchFamily="49" charset="0"/>
-                <a:cs typeface="Courier New" pitchFamily="49" charset="0"/>
-              </a:rPr>
-              <a:t>");</a:t>
-            </a:r>
-          </a:p>
-          <a:p>
-            <a:pPr>
-              <a:buNone/>
-            </a:pPr>
-            <a:r>
-              <a:rPr lang="en-NZ" sz="1800" dirty="0" err="1" smtClean="0">
-                <a:latin typeface="Courier New" pitchFamily="49" charset="0"/>
-                <a:cs typeface="Courier New" pitchFamily="49" charset="0"/>
-              </a:rPr>
-              <a:t>ds.setPortNumber</a:t>
-            </a:r>
-            <a:r>
-              <a:rPr lang="en-NZ" sz="1800" dirty="0" smtClean="0">
-                <a:latin typeface="Courier New" pitchFamily="49" charset="0"/>
-                <a:cs typeface="Courier New" pitchFamily="49" charset="0"/>
-              </a:rPr>
-              <a:t>(1433);</a:t>
-            </a:r>
-          </a:p>
-          <a:p>
-            <a:pPr>
-              <a:buNone/>
-            </a:pPr>
-            <a:r>
-              <a:rPr lang="en-NZ" sz="1800" dirty="0" err="1" smtClean="0">
-                <a:latin typeface="Courier New" pitchFamily="49" charset="0"/>
-                <a:cs typeface="Courier New" pitchFamily="49" charset="0"/>
-              </a:rPr>
-              <a:t>ds.setUser</a:t>
-            </a:r>
-            <a:r>
-              <a:rPr lang="en-NZ" sz="1800" dirty="0" smtClean="0">
-                <a:latin typeface="Courier New" pitchFamily="49" charset="0"/>
-                <a:cs typeface="Courier New" pitchFamily="49" charset="0"/>
-              </a:rPr>
-              <a:t>("patelc08");</a:t>
-            </a:r>
-          </a:p>
-          <a:p>
-            <a:pPr>
-              <a:buNone/>
-            </a:pPr>
-            <a:r>
-              <a:rPr lang="en-NZ" sz="1800" dirty="0" err="1" smtClean="0">
-                <a:latin typeface="Courier New" pitchFamily="49" charset="0"/>
-                <a:cs typeface="Courier New" pitchFamily="49" charset="0"/>
-              </a:rPr>
-              <a:t>ds.setPassword</a:t>
-            </a:r>
-            <a:r>
-              <a:rPr lang="en-NZ" sz="1800" dirty="0" smtClean="0">
-                <a:latin typeface="Courier New" pitchFamily="49" charset="0"/>
-                <a:cs typeface="Courier New" pitchFamily="49" charset="0"/>
-              </a:rPr>
-              <a:t>(“</a:t>
-            </a:r>
-            <a:r>
-              <a:rPr lang="en-NZ" sz="1800" dirty="0" err="1" smtClean="0">
-                <a:latin typeface="Courier New" pitchFamily="49" charset="0"/>
-                <a:cs typeface="Courier New" pitchFamily="49" charset="0"/>
-              </a:rPr>
-              <a:t>xxxxxxxx</a:t>
-            </a:r>
-            <a:r>
-              <a:rPr lang="en-NZ" sz="1800" dirty="0" smtClean="0">
-                <a:latin typeface="Courier New" pitchFamily="49" charset="0"/>
-                <a:cs typeface="Courier New" pitchFamily="49" charset="0"/>
-              </a:rPr>
-              <a:t>");</a:t>
-            </a:r>
-          </a:p>
-          <a:p>
-            <a:pPr>
-              <a:buNone/>
-            </a:pPr>
-            <a:r>
-              <a:rPr lang="en-NZ" sz="1800" dirty="0" err="1" smtClean="0">
-                <a:latin typeface="Courier New" pitchFamily="49" charset="0"/>
-                <a:cs typeface="Courier New" pitchFamily="49" charset="0"/>
-              </a:rPr>
-              <a:t>ds.setDatabaseName</a:t>
-            </a:r>
-            <a:r>
-              <a:rPr lang="en-NZ" sz="1800" dirty="0" smtClean="0">
-                <a:latin typeface="Courier New" pitchFamily="49" charset="0"/>
-                <a:cs typeface="Courier New" pitchFamily="49" charset="0"/>
-              </a:rPr>
-              <a:t>("patelc08sqlserver1");</a:t>
-            </a:r>
-          </a:p>
-          <a:p>
-            <a:pPr>
-              <a:buNone/>
-            </a:pPr>
-            <a:r>
-              <a:rPr lang="en-NZ" sz="1800" dirty="0" err="1" smtClean="0">
-                <a:latin typeface="Courier New" pitchFamily="49" charset="0"/>
-                <a:cs typeface="Courier New" pitchFamily="49" charset="0"/>
-              </a:rPr>
-              <a:t>ds.setInstanceName</a:t>
-            </a:r>
-            <a:r>
-              <a:rPr lang="en-NZ" sz="1800" dirty="0" smtClean="0">
-                <a:latin typeface="Courier New" pitchFamily="49" charset="0"/>
-                <a:cs typeface="Courier New" pitchFamily="49" charset="0"/>
-              </a:rPr>
-              <a:t>("</a:t>
-            </a:r>
-            <a:r>
-              <a:rPr lang="en-NZ" sz="1800" dirty="0" err="1" smtClean="0">
-                <a:latin typeface="Courier New" pitchFamily="49" charset="0"/>
-                <a:cs typeface="Courier New" pitchFamily="49" charset="0"/>
-              </a:rPr>
-              <a:t>dbo</a:t>
-            </a:r>
-            <a:r>
-              <a:rPr lang="en-NZ" sz="1800" dirty="0" smtClean="0">
-                <a:latin typeface="Courier New" pitchFamily="49" charset="0"/>
-                <a:cs typeface="Courier New" pitchFamily="49" charset="0"/>
-              </a:rPr>
-              <a:t>");</a:t>
-            </a:r>
-          </a:p>
-          <a:p>
-            <a:endParaRPr lang="en-NZ" dirty="0" smtClean="0"/>
-          </a:p>
-          <a:p>
-            <a:pPr>
-              <a:buNone/>
-            </a:pPr>
-            <a:r>
-              <a:rPr lang="en-NZ" sz="1800" dirty="0" smtClean="0">
-                <a:latin typeface="Courier New" pitchFamily="49" charset="0"/>
-                <a:cs typeface="Courier New" pitchFamily="49" charset="0"/>
-              </a:rPr>
-              <a:t>Connection </a:t>
-            </a:r>
-            <a:r>
-              <a:rPr lang="en-NZ" sz="1800" dirty="0" err="1" smtClean="0">
-                <a:latin typeface="Courier New" pitchFamily="49" charset="0"/>
-                <a:cs typeface="Courier New" pitchFamily="49" charset="0"/>
-              </a:rPr>
-              <a:t>conn</a:t>
-            </a:r>
-            <a:r>
-              <a:rPr lang="en-NZ" sz="1800" dirty="0" smtClean="0">
-                <a:latin typeface="Courier New" pitchFamily="49" charset="0"/>
-                <a:cs typeface="Courier New" pitchFamily="49" charset="0"/>
-              </a:rPr>
-              <a:t> = </a:t>
-            </a:r>
-            <a:r>
-              <a:rPr lang="en-NZ" sz="1800" dirty="0" err="1" smtClean="0">
-                <a:latin typeface="Courier New" pitchFamily="49" charset="0"/>
-                <a:cs typeface="Courier New" pitchFamily="49" charset="0"/>
-              </a:rPr>
-              <a:t>ds.getConnection</a:t>
-            </a:r>
-            <a:r>
-              <a:rPr lang="en-NZ" sz="1800" dirty="0" smtClean="0">
-                <a:latin typeface="Courier New" pitchFamily="49" charset="0"/>
-                <a:cs typeface="Courier New" pitchFamily="49" charset="0"/>
-              </a:rPr>
-              <a:t>();</a:t>
-            </a:r>
-          </a:p>
-        </p:txBody>
-      </p:sp>
-    </p:spTree>
-  </p:cSld>
-  <p:clrMapOvr>
-    <a:masterClrMapping/>
-  </p:clrMapOvr>
-  <p:timing>
-    <p:tnLst>
-      <p:par>
-        <p:cTn id="1" dur="indefinite" restart="never" nodeType="tmRoot"/>
-      </p:par>
-    </p:tnLst>
-  </p:timing>
-</p:sld>
-</file>
-
 <file path=ppt/slides/slide29.xml><?xml version="1.0" encoding="utf-8"?>
 <p:sld xmlns:a="http://schemas.openxmlformats.org/drawingml/2006/main" xmlns:r="http://schemas.openxmlformats.org/officeDocument/2006/relationships" xmlns:p="http://schemas.openxmlformats.org/presentationml/2006/main">
   <p:cSld>
@@ -11574,8 +11425,8 @@
           <a:lstStyle/>
           <a:p>
             <a:r>
-              <a:rPr lang="en-NZ" dirty="0" smtClean="0"/>
-              <a:t>Connection</a:t>
+              <a:rPr lang="en-NZ" dirty="0" err="1" smtClean="0"/>
+              <a:t>DataSource</a:t>
             </a:r>
             <a:endParaRPr lang="en-NZ" dirty="0"/>
           </a:p>
@@ -11600,49 +11451,59 @@
           <a:p>
             <a:r>
               <a:rPr lang="en-NZ" dirty="0" smtClean="0"/>
-              <a:t>Java wrapper around database session / connection</a:t>
+              <a:t>Factory method for defining and obtaining access to a database Connection object</a:t>
             </a:r>
           </a:p>
           <a:p>
             <a:r>
               <a:rPr lang="en-NZ" dirty="0" smtClean="0"/>
-              <a:t>Provides metadata about database connection</a:t>
+              <a:t>Allows programmer to specify data about a database connection</a:t>
+            </a:r>
+          </a:p>
+          <a:p>
+            <a:r>
+              <a:rPr lang="en-NZ" dirty="0" smtClean="0"/>
+              <a:t>Vendors often provide their own variations of the generic Java </a:t>
+            </a:r>
+            <a:r>
+              <a:rPr lang="en-NZ" dirty="0" err="1" smtClean="0"/>
+              <a:t>DataSource</a:t>
+            </a:r>
+            <a:endParaRPr lang="en-NZ" dirty="0" smtClean="0"/>
+          </a:p>
+          <a:p>
+            <a:r>
+              <a:rPr lang="en-NZ" dirty="0" smtClean="0"/>
+              <a:t>Sets up information related to database:</a:t>
             </a:r>
           </a:p>
           <a:p>
             <a:pPr lvl="1"/>
             <a:r>
               <a:rPr lang="en-NZ" dirty="0" smtClean="0"/>
-              <a:t>SQL dialect (vendor MS, Oracle etc.)</a:t>
+              <a:t>Port</a:t>
             </a:r>
           </a:p>
           <a:p>
             <a:pPr lvl="1"/>
             <a:r>
               <a:rPr lang="en-NZ" dirty="0" smtClean="0"/>
-              <a:t>Transaction isolation level</a:t>
-            </a:r>
-          </a:p>
-          <a:p>
+              <a:t>Hostname</a:t>
+            </a:r>
+          </a:p>
+          <a:p>
+            <a:pPr lvl="1"/>
             <a:r>
               <a:rPr lang="en-NZ" dirty="0" smtClean="0"/>
-              <a:t>Factory methods for creating Statement objects</a:t>
-            </a:r>
-          </a:p>
-          <a:p>
+              <a:t>Schema</a:t>
+            </a:r>
+          </a:p>
+          <a:p>
+            <a:pPr lvl="1"/>
             <a:r>
               <a:rPr lang="en-NZ" dirty="0" smtClean="0"/>
-              <a:t>Connection methods need to be explicitly closed in a finally { //… } block otherwise you may end up needing to restart your database a lot</a:t>
-            </a:r>
-          </a:p>
-          <a:p>
-            <a:r>
-              <a:rPr lang="en-NZ" dirty="0" smtClean="0"/>
-              <a:t>Factory methods to create prepared statements – which are a pool of pre-compiled SQL statements stored on a database server</a:t>
-            </a:r>
-          </a:p>
-          <a:p>
-            <a:endParaRPr lang="en-NZ" dirty="0" smtClean="0"/>
+              <a:t>And Database name</a:t>
+            </a:r>
           </a:p>
           <a:p>
             <a:pPr lvl="1"/>
@@ -11834,7 +11695,7 @@
           <a:p>
             <a:r>
               <a:rPr lang="en-NZ" dirty="0" smtClean="0"/>
-              <a:t>Statements etc</a:t>
+              <a:t>Example</a:t>
             </a:r>
             <a:endParaRPr lang="en-NZ" dirty="0"/>
           </a:p>
@@ -11853,102 +11714,295 @@
         <p:spPr/>
         <p:txBody>
           <a:bodyPr>
-            <a:normAutofit fontScale="92500" lnSpcReduction="10000"/>
+            <a:normAutofit/>
           </a:bodyPr>
           <a:lstStyle/>
           <a:p>
-            <a:r>
-              <a:rPr lang="en-NZ" dirty="0" smtClean="0"/>
-              <a:t>Statement Java wrapper around SQL DML/DDL</a:t>
-            </a:r>
-          </a:p>
-          <a:p>
-            <a:pPr lvl="1"/>
-            <a:r>
-              <a:rPr lang="en-NZ" dirty="0" smtClean="0"/>
-              <a:t>Data Manipulation Language</a:t>
-            </a:r>
-          </a:p>
-          <a:p>
-            <a:pPr marL="777240" lvl="1" indent="-457200">
-              <a:buFont typeface="+mj-lt"/>
-              <a:buAutoNum type="arabicPeriod"/>
+            <a:pPr>
+              <a:buNone/>
             </a:pPr>
             <a:r>
-              <a:rPr lang="en-NZ" dirty="0" smtClean="0"/>
-              <a:t>Insert</a:t>
-            </a:r>
-          </a:p>
-          <a:p>
-            <a:pPr marL="777240" lvl="1" indent="-457200">
-              <a:buFont typeface="+mj-lt"/>
-              <a:buAutoNum type="arabicPeriod"/>
+              <a:rPr lang="en-NZ" sz="1800" dirty="0" err="1" smtClean="0">
+                <a:latin typeface="Courier New" pitchFamily="49" charset="0"/>
+                <a:cs typeface="Courier New" pitchFamily="49" charset="0"/>
+              </a:rPr>
+              <a:t>SQLServerDataSource</a:t>
+            </a:r>
+            <a:r>
+              <a:rPr lang="en-NZ" sz="1800" dirty="0" smtClean="0">
+                <a:latin typeface="Courier New" pitchFamily="49" charset="0"/>
+                <a:cs typeface="Courier New" pitchFamily="49" charset="0"/>
+              </a:rPr>
+              <a:t> </a:t>
+            </a:r>
+            <a:r>
+              <a:rPr lang="en-NZ" sz="1800" dirty="0" err="1" smtClean="0">
+                <a:latin typeface="Courier New" pitchFamily="49" charset="0"/>
+                <a:cs typeface="Courier New" pitchFamily="49" charset="0"/>
+              </a:rPr>
+              <a:t>ds</a:t>
+            </a:r>
+            <a:r>
+              <a:rPr lang="en-NZ" sz="1800" dirty="0" smtClean="0">
+                <a:latin typeface="Courier New" pitchFamily="49" charset="0"/>
+                <a:cs typeface="Courier New" pitchFamily="49" charset="0"/>
+              </a:rPr>
+              <a:t> = </a:t>
+            </a:r>
+            <a:r>
+              <a:rPr lang="en-NZ" sz="1800" b="1" dirty="0" smtClean="0">
+                <a:latin typeface="Courier New" pitchFamily="49" charset="0"/>
+                <a:cs typeface="Courier New" pitchFamily="49" charset="0"/>
+              </a:rPr>
+              <a:t>new </a:t>
+            </a:r>
+            <a:r>
+              <a:rPr lang="en-NZ" sz="1800" b="1" dirty="0" err="1" smtClean="0">
+                <a:latin typeface="Courier New" pitchFamily="49" charset="0"/>
+                <a:cs typeface="Courier New" pitchFamily="49" charset="0"/>
+              </a:rPr>
+              <a:t>SQLServerDataSource</a:t>
+            </a:r>
+            <a:r>
+              <a:rPr lang="en-NZ" sz="1800" b="1" dirty="0" smtClean="0">
+                <a:latin typeface="Courier New" pitchFamily="49" charset="0"/>
+                <a:cs typeface="Courier New" pitchFamily="49" charset="0"/>
+              </a:rPr>
+              <a:t> ();</a:t>
+            </a:r>
+          </a:p>
+          <a:p>
+            <a:pPr>
+              <a:buNone/>
             </a:pPr>
-            <a:r>
-              <a:rPr lang="en-NZ" dirty="0" smtClean="0"/>
-              <a:t>Delete</a:t>
-            </a:r>
-          </a:p>
-          <a:p>
-            <a:pPr marL="777240" lvl="1" indent="-457200">
-              <a:buFont typeface="+mj-lt"/>
-              <a:buAutoNum type="arabicPeriod"/>
+            <a:endParaRPr lang="en-NZ" sz="1800" dirty="0" smtClean="0">
+              <a:latin typeface="Courier New" pitchFamily="49" charset="0"/>
+              <a:cs typeface="Courier New" pitchFamily="49" charset="0"/>
+            </a:endParaRPr>
+          </a:p>
+          <a:p>
+            <a:pPr>
+              <a:buNone/>
             </a:pPr>
             <a:r>
-              <a:rPr lang="en-NZ" dirty="0" smtClean="0"/>
-              <a:t>Update</a:t>
-            </a:r>
-          </a:p>
-          <a:p>
-            <a:pPr marL="777240" lvl="1" indent="-457200">
-              <a:buFont typeface="+mj-lt"/>
-              <a:buAutoNum type="arabicPeriod"/>
+              <a:rPr lang="en-NZ" sz="1800" dirty="0" err="1" smtClean="0">
+                <a:latin typeface="Courier New" pitchFamily="49" charset="0"/>
+                <a:cs typeface="Courier New" pitchFamily="49" charset="0"/>
+              </a:rPr>
+              <a:t>ds.setIntegratedSecurity</a:t>
+            </a:r>
+            <a:r>
+              <a:rPr lang="en-NZ" sz="1800" dirty="0" smtClean="0">
+                <a:latin typeface="Courier New" pitchFamily="49" charset="0"/>
+                <a:cs typeface="Courier New" pitchFamily="49" charset="0"/>
+              </a:rPr>
+              <a:t>(</a:t>
+            </a:r>
+            <a:r>
+              <a:rPr lang="en-NZ" sz="1800" b="1" dirty="0" smtClean="0">
+                <a:latin typeface="Courier New" pitchFamily="49" charset="0"/>
+                <a:cs typeface="Courier New" pitchFamily="49" charset="0"/>
+              </a:rPr>
+              <a:t>false);</a:t>
+            </a:r>
+          </a:p>
+          <a:p>
+            <a:pPr>
+              <a:buNone/>
             </a:pPr>
             <a:r>
-              <a:rPr lang="en-NZ" dirty="0" smtClean="0"/>
-              <a:t>Select</a:t>
-            </a:r>
-          </a:p>
-          <a:p>
-            <a:pPr lvl="1"/>
-            <a:r>
-              <a:rPr lang="en-NZ" dirty="0" smtClean="0"/>
-              <a:t>Data </a:t>
-            </a:r>
-            <a:r>
-              <a:rPr lang="en-NZ" smtClean="0"/>
-              <a:t>Definition Language</a:t>
-            </a:r>
+              <a:rPr lang="en-NZ" sz="1800" dirty="0" err="1" smtClean="0">
+                <a:latin typeface="Courier New" pitchFamily="49" charset="0"/>
+                <a:cs typeface="Courier New" pitchFamily="49" charset="0"/>
+              </a:rPr>
+              <a:t>ds.setServerName</a:t>
+            </a:r>
+            <a:r>
+              <a:rPr lang="en-NZ" sz="1800" dirty="0" smtClean="0">
+                <a:latin typeface="Courier New" pitchFamily="49" charset="0"/>
+                <a:cs typeface="Courier New" pitchFamily="49" charset="0"/>
+              </a:rPr>
+              <a:t>("</a:t>
+            </a:r>
+            <a:r>
+              <a:rPr lang="en-NZ" sz="1800" dirty="0" err="1" smtClean="0">
+                <a:latin typeface="Courier New" pitchFamily="49" charset="0"/>
+                <a:cs typeface="Courier New" pitchFamily="49" charset="0"/>
+              </a:rPr>
+              <a:t>hyperdisc.unitec.ac.nz</a:t>
+            </a:r>
+            <a:r>
+              <a:rPr lang="en-NZ" sz="1800" dirty="0" smtClean="0">
+                <a:latin typeface="Courier New" pitchFamily="49" charset="0"/>
+                <a:cs typeface="Courier New" pitchFamily="49" charset="0"/>
+              </a:rPr>
+              <a:t>");</a:t>
+            </a:r>
+          </a:p>
+          <a:p>
+            <a:pPr>
+              <a:buNone/>
+            </a:pPr>
+            <a:r>
+              <a:rPr lang="en-NZ" sz="1800" dirty="0" err="1" smtClean="0">
+                <a:latin typeface="Courier New" pitchFamily="49" charset="0"/>
+                <a:cs typeface="Courier New" pitchFamily="49" charset="0"/>
+              </a:rPr>
+              <a:t>ds.setPortNumber</a:t>
+            </a:r>
+            <a:r>
+              <a:rPr lang="en-NZ" sz="1800" dirty="0" smtClean="0">
+                <a:latin typeface="Courier New" pitchFamily="49" charset="0"/>
+                <a:cs typeface="Courier New" pitchFamily="49" charset="0"/>
+              </a:rPr>
+              <a:t>(1433);</a:t>
+            </a:r>
+          </a:p>
+          <a:p>
+            <a:pPr>
+              <a:buNone/>
+            </a:pPr>
+            <a:r>
+              <a:rPr lang="en-NZ" sz="1800" dirty="0" err="1" smtClean="0">
+                <a:latin typeface="Courier New" pitchFamily="49" charset="0"/>
+                <a:cs typeface="Courier New" pitchFamily="49" charset="0"/>
+              </a:rPr>
+              <a:t>ds.setUser</a:t>
+            </a:r>
+            <a:r>
+              <a:rPr lang="en-NZ" sz="1800" dirty="0" smtClean="0">
+                <a:latin typeface="Courier New" pitchFamily="49" charset="0"/>
+                <a:cs typeface="Courier New" pitchFamily="49" charset="0"/>
+              </a:rPr>
+              <a:t>("patelc08");</a:t>
+            </a:r>
+          </a:p>
+          <a:p>
+            <a:pPr>
+              <a:buNone/>
+            </a:pPr>
+            <a:r>
+              <a:rPr lang="en-NZ" sz="1800" dirty="0" err="1" smtClean="0">
+                <a:latin typeface="Courier New" pitchFamily="49" charset="0"/>
+                <a:cs typeface="Courier New" pitchFamily="49" charset="0"/>
+              </a:rPr>
+              <a:t>ds.setPassword</a:t>
+            </a:r>
+            <a:r>
+              <a:rPr lang="en-NZ" sz="1800" dirty="0" smtClean="0">
+                <a:latin typeface="Courier New" pitchFamily="49" charset="0"/>
+                <a:cs typeface="Courier New" pitchFamily="49" charset="0"/>
+              </a:rPr>
+              <a:t>(“</a:t>
+            </a:r>
+            <a:r>
+              <a:rPr lang="en-NZ" sz="1800" dirty="0" err="1" smtClean="0">
+                <a:latin typeface="Courier New" pitchFamily="49" charset="0"/>
+                <a:cs typeface="Courier New" pitchFamily="49" charset="0"/>
+              </a:rPr>
+              <a:t>xxxxxxxx</a:t>
+            </a:r>
+            <a:r>
+              <a:rPr lang="en-NZ" sz="1800" dirty="0" smtClean="0">
+                <a:latin typeface="Courier New" pitchFamily="49" charset="0"/>
+                <a:cs typeface="Courier New" pitchFamily="49" charset="0"/>
+              </a:rPr>
+              <a:t>");</a:t>
+            </a:r>
+          </a:p>
+          <a:p>
+            <a:pPr>
+              <a:buNone/>
+            </a:pPr>
+            <a:r>
+              <a:rPr lang="en-NZ" sz="1800" dirty="0" err="1" smtClean="0">
+                <a:latin typeface="Courier New" pitchFamily="49" charset="0"/>
+                <a:cs typeface="Courier New" pitchFamily="49" charset="0"/>
+              </a:rPr>
+              <a:t>ds.setDatabaseName</a:t>
+            </a:r>
+            <a:r>
+              <a:rPr lang="en-NZ" sz="1800" dirty="0" smtClean="0">
+                <a:latin typeface="Courier New" pitchFamily="49" charset="0"/>
+                <a:cs typeface="Courier New" pitchFamily="49" charset="0"/>
+              </a:rPr>
+              <a:t>("patelc08sqlserver1");</a:t>
+            </a:r>
+          </a:p>
+          <a:p>
+            <a:pPr>
+              <a:buNone/>
+            </a:pPr>
+            <a:r>
+              <a:rPr lang="en-NZ" sz="1800" dirty="0" err="1" smtClean="0">
+                <a:latin typeface="Courier New" pitchFamily="49" charset="0"/>
+                <a:cs typeface="Courier New" pitchFamily="49" charset="0"/>
+              </a:rPr>
+              <a:t>ds.setInstanceName</a:t>
+            </a:r>
+            <a:r>
+              <a:rPr lang="en-NZ" sz="1800" dirty="0" smtClean="0">
+                <a:latin typeface="Courier New" pitchFamily="49" charset="0"/>
+                <a:cs typeface="Courier New" pitchFamily="49" charset="0"/>
+              </a:rPr>
+              <a:t>("</a:t>
+            </a:r>
+            <a:r>
+              <a:rPr lang="en-NZ" sz="1800" dirty="0" err="1" smtClean="0">
+                <a:latin typeface="Courier New" pitchFamily="49" charset="0"/>
+                <a:cs typeface="Courier New" pitchFamily="49" charset="0"/>
+              </a:rPr>
+              <a:t>dbo</a:t>
+            </a:r>
+            <a:r>
+              <a:rPr lang="en-NZ" sz="1800" dirty="0" smtClean="0">
+                <a:latin typeface="Courier New" pitchFamily="49" charset="0"/>
+                <a:cs typeface="Courier New" pitchFamily="49" charset="0"/>
+              </a:rPr>
+              <a:t>");</a:t>
+            </a:r>
+          </a:p>
+          <a:p>
             <a:endParaRPr lang="en-NZ" dirty="0" smtClean="0"/>
           </a:p>
           <a:p>
-            <a:pPr marL="777240" lvl="1" indent="-457200">
-              <a:buFont typeface="+mj-lt"/>
-              <a:buAutoNum type="arabicPeriod"/>
+            <a:pPr>
+              <a:buNone/>
             </a:pPr>
             <a:r>
-              <a:rPr lang="en-NZ" dirty="0" smtClean="0"/>
-              <a:t>Create table</a:t>
-            </a:r>
-          </a:p>
-          <a:p>
-            <a:pPr marL="777240" lvl="1" indent="-457200">
-              <a:buFont typeface="+mj-lt"/>
-              <a:buAutoNum type="arabicPeriod"/>
-            </a:pPr>
-            <a:r>
-              <a:rPr lang="en-NZ" dirty="0" smtClean="0"/>
-              <a:t>Drop table</a:t>
-            </a:r>
-          </a:p>
-          <a:p>
-            <a:pPr marL="777240" lvl="1" indent="-457200">
-              <a:buFont typeface="+mj-lt"/>
-              <a:buAutoNum type="arabicPeriod"/>
-            </a:pPr>
-            <a:r>
-              <a:rPr lang="en-NZ" dirty="0" smtClean="0"/>
-              <a:t>etc.</a:t>
+              <a:rPr lang="en-NZ" sz="1800" dirty="0" smtClean="0">
+                <a:latin typeface="Courier New" pitchFamily="49" charset="0"/>
+                <a:cs typeface="Courier New" pitchFamily="49" charset="0"/>
+              </a:rPr>
+              <a:t>Connection </a:t>
+            </a:r>
+            <a:r>
+              <a:rPr lang="en-NZ" sz="1800" dirty="0" err="1" smtClean="0">
+                <a:latin typeface="Courier New" pitchFamily="49" charset="0"/>
+                <a:cs typeface="Courier New" pitchFamily="49" charset="0"/>
+              </a:rPr>
+              <a:t>conn</a:t>
+            </a:r>
+            <a:r>
+              <a:rPr lang="en-NZ" sz="1800" dirty="0" smtClean="0">
+                <a:latin typeface="Courier New" pitchFamily="49" charset="0"/>
+                <a:cs typeface="Courier New" pitchFamily="49" charset="0"/>
+              </a:rPr>
+              <a:t> = </a:t>
+            </a:r>
+            <a:r>
+              <a:rPr lang="en-NZ" sz="1800" dirty="0" err="1" smtClean="0">
+                <a:latin typeface="Courier New" pitchFamily="49" charset="0"/>
+                <a:cs typeface="Courier New" pitchFamily="49" charset="0"/>
+              </a:rPr>
+              <a:t>ds.getConnection</a:t>
+            </a:r>
+            <a:r>
+              <a:rPr lang="en-NZ" sz="1800" dirty="0" smtClean="0">
+                <a:latin typeface="Courier New" pitchFamily="49" charset="0"/>
+                <a:cs typeface="Courier New" pitchFamily="49" charset="0"/>
+              </a:rPr>
+              <a:t>();</a:t>
             </a:r>
           </a:p>
         </p:txBody>
@@ -12001,8 +12055,8 @@
           <a:lstStyle/>
           <a:p>
             <a:r>
-              <a:rPr lang="en-NZ" dirty="0" err="1" smtClean="0"/>
-              <a:t>ResultSets</a:t>
+              <a:rPr lang="en-NZ" dirty="0" smtClean="0"/>
+              <a:t>Connection</a:t>
             </a:r>
             <a:endParaRPr lang="en-NZ" dirty="0"/>
           </a:p>
@@ -12021,40 +12075,58 @@
         <p:spPr/>
         <p:txBody>
           <a:bodyPr>
-            <a:normAutofit lnSpcReduction="10000"/>
+            <a:normAutofit fontScale="92500" lnSpcReduction="20000"/>
           </a:bodyPr>
           <a:lstStyle/>
           <a:p>
             <a:r>
               <a:rPr lang="en-NZ" dirty="0" smtClean="0"/>
-              <a:t>Wrapper around a database’s SQL result set</a:t>
+              <a:t>Java wrapper around database session / connection</a:t>
             </a:r>
           </a:p>
           <a:p>
             <a:r>
               <a:rPr lang="en-NZ" dirty="0" smtClean="0"/>
-              <a:t>Allows a programmer to scroll forward through the result set using a database defined cursor</a:t>
-            </a:r>
-          </a:p>
-          <a:p>
+              <a:t>Provides metadata about database connection</a:t>
+            </a:r>
+          </a:p>
+          <a:p>
+            <a:pPr lvl="1"/>
             <a:r>
               <a:rPr lang="en-NZ" dirty="0" smtClean="0"/>
-              <a:t>Can also scroll backwards and forwards through the result set and to arbitrary positions depending on the JDBC driver and database technology</a:t>
-            </a:r>
-          </a:p>
-          <a:p>
+              <a:t>SQL dialect (vendor MS, Oracle etc.)</a:t>
+            </a:r>
+          </a:p>
+          <a:p>
+            <a:pPr lvl="1"/>
             <a:r>
               <a:rPr lang="en-NZ" dirty="0" smtClean="0"/>
-              <a:t>Provides meta data about the results such as column name and data type</a:t>
+              <a:t>Transaction isolation level</a:t>
             </a:r>
           </a:p>
           <a:p>
             <a:r>
               <a:rPr lang="en-NZ" dirty="0" smtClean="0"/>
-              <a:t>How many results were returned etc.</a:t>
-            </a:r>
-          </a:p>
-          <a:p>
+              <a:t>Factory methods for creating Statement objects</a:t>
+            </a:r>
+          </a:p>
+          <a:p>
+            <a:r>
+              <a:rPr lang="en-NZ" dirty="0" smtClean="0"/>
+              <a:t>Connection methods need to be explicitly closed in a finally { //… } block otherwise you may end up needing to restart your database a lot</a:t>
+            </a:r>
+          </a:p>
+          <a:p>
+            <a:r>
+              <a:rPr lang="en-NZ" dirty="0" smtClean="0"/>
+              <a:t>Factory methods to create prepared statements – which are a pool of pre-compiled SQL statements stored on a database server</a:t>
+            </a:r>
+          </a:p>
+          <a:p>
+            <a:endParaRPr lang="en-NZ" dirty="0" smtClean="0"/>
+          </a:p>
+          <a:p>
+            <a:pPr lvl="1"/>
             <a:endParaRPr lang="en-NZ" dirty="0"/>
           </a:p>
         </p:txBody>
@@ -12108,6 +12180,280 @@
           <a:p>
             <a:r>
               <a:rPr lang="en-NZ" dirty="0" smtClean="0"/>
+              <a:t>Statements etc</a:t>
+            </a:r>
+            <a:endParaRPr lang="en-NZ" dirty="0"/>
+          </a:p>
+        </p:txBody>
+      </p:sp>
+      <p:sp>
+        <p:nvSpPr>
+          <p:cNvPr id="5" name="Content Placeholder 4"/>
+          <p:cNvSpPr>
+            <a:spLocks noGrp="1"/>
+          </p:cNvSpPr>
+          <p:nvPr>
+            <p:ph sz="quarter" idx="13"/>
+          </p:nvPr>
+        </p:nvSpPr>
+        <p:spPr/>
+        <p:txBody>
+          <a:bodyPr>
+            <a:normAutofit fontScale="92500" lnSpcReduction="10000"/>
+          </a:bodyPr>
+          <a:lstStyle/>
+          <a:p>
+            <a:r>
+              <a:rPr lang="en-NZ" dirty="0" smtClean="0"/>
+              <a:t>Statement Java wrapper around SQL DML/DDL</a:t>
+            </a:r>
+          </a:p>
+          <a:p>
+            <a:pPr lvl="1"/>
+            <a:r>
+              <a:rPr lang="en-NZ" dirty="0" smtClean="0"/>
+              <a:t>Data Manipulation Language</a:t>
+            </a:r>
+          </a:p>
+          <a:p>
+            <a:pPr marL="777240" lvl="1" indent="-457200">
+              <a:buFont typeface="+mj-lt"/>
+              <a:buAutoNum type="arabicPeriod"/>
+            </a:pPr>
+            <a:r>
+              <a:rPr lang="en-NZ" dirty="0" smtClean="0"/>
+              <a:t>Insert</a:t>
+            </a:r>
+          </a:p>
+          <a:p>
+            <a:pPr marL="777240" lvl="1" indent="-457200">
+              <a:buFont typeface="+mj-lt"/>
+              <a:buAutoNum type="arabicPeriod"/>
+            </a:pPr>
+            <a:r>
+              <a:rPr lang="en-NZ" dirty="0" smtClean="0"/>
+              <a:t>Delete</a:t>
+            </a:r>
+          </a:p>
+          <a:p>
+            <a:pPr marL="777240" lvl="1" indent="-457200">
+              <a:buFont typeface="+mj-lt"/>
+              <a:buAutoNum type="arabicPeriod"/>
+            </a:pPr>
+            <a:r>
+              <a:rPr lang="en-NZ" dirty="0" smtClean="0"/>
+              <a:t>Update</a:t>
+            </a:r>
+          </a:p>
+          <a:p>
+            <a:pPr marL="777240" lvl="1" indent="-457200">
+              <a:buFont typeface="+mj-lt"/>
+              <a:buAutoNum type="arabicPeriod"/>
+            </a:pPr>
+            <a:r>
+              <a:rPr lang="en-NZ" dirty="0" smtClean="0"/>
+              <a:t>Select</a:t>
+            </a:r>
+          </a:p>
+          <a:p>
+            <a:pPr lvl="1"/>
+            <a:r>
+              <a:rPr lang="en-NZ" dirty="0" smtClean="0"/>
+              <a:t>Data </a:t>
+            </a:r>
+            <a:r>
+              <a:rPr lang="en-NZ" smtClean="0"/>
+              <a:t>Definition Language</a:t>
+            </a:r>
+            <a:endParaRPr lang="en-NZ" dirty="0" smtClean="0"/>
+          </a:p>
+          <a:p>
+            <a:pPr marL="777240" lvl="1" indent="-457200">
+              <a:buFont typeface="+mj-lt"/>
+              <a:buAutoNum type="arabicPeriod"/>
+            </a:pPr>
+            <a:r>
+              <a:rPr lang="en-NZ" dirty="0" smtClean="0"/>
+              <a:t>Create table</a:t>
+            </a:r>
+          </a:p>
+          <a:p>
+            <a:pPr marL="777240" lvl="1" indent="-457200">
+              <a:buFont typeface="+mj-lt"/>
+              <a:buAutoNum type="arabicPeriod"/>
+            </a:pPr>
+            <a:r>
+              <a:rPr lang="en-NZ" dirty="0" smtClean="0"/>
+              <a:t>Drop table</a:t>
+            </a:r>
+          </a:p>
+          <a:p>
+            <a:pPr marL="777240" lvl="1" indent="-457200">
+              <a:buFont typeface="+mj-lt"/>
+              <a:buAutoNum type="arabicPeriod"/>
+            </a:pPr>
+            <a:r>
+              <a:rPr lang="en-NZ" dirty="0" smtClean="0"/>
+              <a:t>etc.</a:t>
+            </a:r>
+          </a:p>
+        </p:txBody>
+      </p:sp>
+    </p:spTree>
+  </p:cSld>
+  <p:clrMapOvr>
+    <a:masterClrMapping/>
+  </p:clrMapOvr>
+  <p:timing>
+    <p:tnLst>
+      <p:par>
+        <p:cTn id="1" dur="indefinite" restart="never" nodeType="tmRoot"/>
+      </p:par>
+    </p:tnLst>
+  </p:timing>
+</p:sld>
+</file>
+
+<file path=ppt/slides/slide33.xml><?xml version="1.0" encoding="utf-8"?>
+<p:sld xmlns:a="http://schemas.openxmlformats.org/drawingml/2006/main" xmlns:r="http://schemas.openxmlformats.org/officeDocument/2006/relationships" xmlns:p="http://schemas.openxmlformats.org/presentationml/2006/main">
+  <p:cSld>
+    <p:spTree>
+      <p:nvGrpSpPr>
+        <p:cNvPr id="1" name=""/>
+        <p:cNvGrpSpPr/>
+        <p:nvPr/>
+      </p:nvGrpSpPr>
+      <p:grpSpPr>
+        <a:xfrm>
+          <a:off x="0" y="0"/>
+          <a:ext cx="0" cy="0"/>
+          <a:chOff x="0" y="0"/>
+          <a:chExt cx="0" cy="0"/>
+        </a:xfrm>
+      </p:grpSpPr>
+      <p:sp>
+        <p:nvSpPr>
+          <p:cNvPr id="2" name="Title 1"/>
+          <p:cNvSpPr>
+            <a:spLocks noGrp="1"/>
+          </p:cNvSpPr>
+          <p:nvPr>
+            <p:ph type="title"/>
+          </p:nvPr>
+        </p:nvSpPr>
+        <p:spPr/>
+        <p:txBody>
+          <a:bodyPr/>
+          <a:lstStyle/>
+          <a:p>
+            <a:r>
+              <a:rPr lang="en-NZ" dirty="0" err="1" smtClean="0"/>
+              <a:t>ResultSets</a:t>
+            </a:r>
+            <a:endParaRPr lang="en-NZ" dirty="0"/>
+          </a:p>
+        </p:txBody>
+      </p:sp>
+      <p:sp>
+        <p:nvSpPr>
+          <p:cNvPr id="5" name="Content Placeholder 4"/>
+          <p:cNvSpPr>
+            <a:spLocks noGrp="1"/>
+          </p:cNvSpPr>
+          <p:nvPr>
+            <p:ph sz="quarter" idx="13"/>
+          </p:nvPr>
+        </p:nvSpPr>
+        <p:spPr/>
+        <p:txBody>
+          <a:bodyPr>
+            <a:normAutofit lnSpcReduction="10000"/>
+          </a:bodyPr>
+          <a:lstStyle/>
+          <a:p>
+            <a:r>
+              <a:rPr lang="en-NZ" dirty="0" smtClean="0"/>
+              <a:t>Wrapper around a database’s SQL result set</a:t>
+            </a:r>
+          </a:p>
+          <a:p>
+            <a:r>
+              <a:rPr lang="en-NZ" dirty="0" smtClean="0"/>
+              <a:t>Allows a programmer to scroll forward through the result set using a database defined cursor</a:t>
+            </a:r>
+          </a:p>
+          <a:p>
+            <a:r>
+              <a:rPr lang="en-NZ" dirty="0" smtClean="0"/>
+              <a:t>Can also scroll backwards and forwards through the result set and to arbitrary positions depending on the JDBC driver and database technology</a:t>
+            </a:r>
+          </a:p>
+          <a:p>
+            <a:r>
+              <a:rPr lang="en-NZ" dirty="0" smtClean="0"/>
+              <a:t>Provides meta data about the results such as column name and data type</a:t>
+            </a:r>
+          </a:p>
+          <a:p>
+            <a:r>
+              <a:rPr lang="en-NZ" dirty="0" smtClean="0"/>
+              <a:t>How many results were returned etc.</a:t>
+            </a:r>
+          </a:p>
+          <a:p>
+            <a:endParaRPr lang="en-NZ" dirty="0"/>
+          </a:p>
+        </p:txBody>
+      </p:sp>
+    </p:spTree>
+  </p:cSld>
+  <p:clrMapOvr>
+    <a:masterClrMapping/>
+  </p:clrMapOvr>
+  <p:timing>
+    <p:tnLst>
+      <p:par>
+        <p:cTn id="1" dur="indefinite" restart="never" nodeType="tmRoot"/>
+      </p:par>
+    </p:tnLst>
+  </p:timing>
+</p:sld>
+</file>
+
+<file path=ppt/slides/slide34.xml><?xml version="1.0" encoding="utf-8"?>
+<p:sld xmlns:a="http://schemas.openxmlformats.org/drawingml/2006/main" xmlns:r="http://schemas.openxmlformats.org/officeDocument/2006/relationships" xmlns:p="http://schemas.openxmlformats.org/presentationml/2006/main">
+  <p:cSld>
+    <p:spTree>
+      <p:nvGrpSpPr>
+        <p:cNvPr id="1" name=""/>
+        <p:cNvGrpSpPr/>
+        <p:nvPr/>
+      </p:nvGrpSpPr>
+      <p:grpSpPr>
+        <a:xfrm>
+          <a:off x="0" y="0"/>
+          <a:ext cx="0" cy="0"/>
+          <a:chOff x="0" y="0"/>
+          <a:chExt cx="0" cy="0"/>
+        </a:xfrm>
+      </p:grpSpPr>
+      <p:sp>
+        <p:nvSpPr>
+          <p:cNvPr id="2" name="Title 1"/>
+          <p:cNvSpPr>
+            <a:spLocks noGrp="1"/>
+          </p:cNvSpPr>
+          <p:nvPr>
+            <p:ph type="title"/>
+          </p:nvPr>
+        </p:nvSpPr>
+        <p:spPr/>
+        <p:txBody>
+          <a:bodyPr/>
+          <a:lstStyle/>
+          <a:p>
+            <a:r>
+              <a:rPr lang="en-NZ" dirty="0" smtClean="0"/>
               <a:t>Readings</a:t>
             </a:r>
             <a:endParaRPr lang="en-NZ" dirty="0"/>
@@ -12252,11 +12598,7 @@
             <a:pPr lvl="1"/>
             <a:r>
               <a:rPr lang="en-NZ" dirty="0" smtClean="0"/>
-              <a:t>Fines and Infringement Notices </a:t>
-            </a:r>
-            <a:r>
-              <a:rPr lang="en-NZ" dirty="0" smtClean="0"/>
-              <a:t>Database – State of Tasmania</a:t>
+              <a:t>Fines and Infringement Notices Database – State of Tasmania</a:t>
             </a:r>
           </a:p>
           <a:p>
@@ -12314,6 +12656,10 @@
             <a:r>
               <a:rPr lang="en-NZ" dirty="0" err="1" smtClean="0"/>
               <a:t>Unitec</a:t>
+            </a:r>
+            <a:r>
+              <a:rPr lang="en-NZ" dirty="0" smtClean="0"/>
+              <a:t>, Auckland</a:t>
             </a:r>
             <a:endParaRPr lang="en-NZ" dirty="0"/>
           </a:p>
@@ -12326,7 +12672,7 @@
     </p:spTree>
     <p:extLst>
       <p:ext uri="{BB962C8B-B14F-4D97-AF65-F5344CB8AC3E}">
-        <p14:creationId xmlns:p14="http://schemas.microsoft.com/office/powerpoint/2010/main" xmlns="" val="2755129392"/>
+        <p14:creationId xmlns:p14="http://schemas.microsoft.com/office/powerpoint/2010/main" val="2755129392"/>
       </p:ext>
     </p:extLst>
   </p:cSld>
@@ -12539,7 +12885,15 @@
           <a:p>
             <a:r>
               <a:rPr lang="en-NZ" dirty="0" smtClean="0"/>
-              <a:t>You want to know what else is out there (open source frameworks etc.) – ninja programming techniques, design patterns etc.</a:t>
+              <a:t>You want to know what else is out there (open source </a:t>
+            </a:r>
+            <a:r>
+              <a:rPr lang="en-NZ" dirty="0" smtClean="0"/>
+              <a:t>frameworks) – </a:t>
+            </a:r>
+            <a:r>
+              <a:rPr lang="en-NZ" dirty="0" smtClean="0"/>
+              <a:t>design patterns etc.</a:t>
             </a:r>
           </a:p>
           <a:p>
@@ -12631,36 +12985,9 @@
           <a:p>
             <a:r>
               <a:rPr lang="en-NZ" dirty="0" smtClean="0"/>
-              <a:t>Students can do well if they are</a:t>
-            </a:r>
-          </a:p>
-          <a:p>
-            <a:pPr lvl="1"/>
-            <a:r>
-              <a:rPr lang="en-NZ" dirty="0" smtClean="0"/>
-              <a:t>Motivated</a:t>
-            </a:r>
-          </a:p>
-          <a:p>
-            <a:pPr lvl="1"/>
-            <a:r>
-              <a:rPr lang="en-NZ" dirty="0" smtClean="0"/>
-              <a:t>Have Self-Control and Perseverance</a:t>
-            </a:r>
-          </a:p>
-          <a:p>
-            <a:pPr lvl="1"/>
-            <a:r>
-              <a:rPr lang="en-NZ" dirty="0" smtClean="0"/>
-              <a:t>Have a logical mind</a:t>
-            </a:r>
-          </a:p>
-          <a:p>
-            <a:pPr lvl="1"/>
-            <a:r>
-              <a:rPr lang="en-NZ" dirty="0" smtClean="0"/>
-              <a:t>Enjoy programming</a:t>
-            </a:r>
+              <a:t>Try the first lab exercise if its too hard come back next semester</a:t>
+            </a:r>
+            <a:endParaRPr lang="en-NZ" dirty="0" smtClean="0"/>
           </a:p>
         </p:txBody>
       </p:sp>
@@ -12712,10 +13039,10 @@
           <a:lstStyle/>
           <a:p>
             <a:r>
-              <a:rPr lang="en-NZ" dirty="0" smtClean="0"/>
+              <a:rPr lang="en-AU" dirty="0" smtClean="0"/>
               <a:t>Technologies</a:t>
             </a:r>
-            <a:endParaRPr lang="en-NZ" dirty="0"/>
+            <a:endParaRPr lang="en-AU" dirty="0"/>
           </a:p>
         </p:txBody>
       </p:sp>
@@ -12731,88 +13058,60 @@
         </p:nvSpPr>
         <p:spPr/>
         <p:txBody>
-          <a:bodyPr>
-            <a:normAutofit lnSpcReduction="10000"/>
-          </a:bodyPr>
+          <a:bodyPr/>
           <a:lstStyle/>
           <a:p>
             <a:r>
-              <a:rPr lang="en-NZ" dirty="0" smtClean="0"/>
-              <a:t>Apache </a:t>
-            </a:r>
-            <a:r>
-              <a:rPr lang="en-NZ" dirty="0" err="1" smtClean="0"/>
-              <a:t>Lucene</a:t>
-            </a:r>
-            <a:endParaRPr lang="en-NZ" dirty="0" smtClean="0"/>
+              <a:rPr lang="en-AU" dirty="0" smtClean="0"/>
+              <a:t>Version Control</a:t>
+            </a:r>
           </a:p>
           <a:p>
             <a:pPr lvl="1"/>
             <a:r>
-              <a:rPr lang="en-NZ" dirty="0" smtClean="0"/>
-              <a:t>Open source free text search engine</a:t>
+              <a:rPr lang="en-AU" dirty="0" smtClean="0"/>
+              <a:t>GIT</a:t>
+            </a:r>
+          </a:p>
+          <a:p>
+            <a:r>
+              <a:rPr lang="en-AU" dirty="0" smtClean="0"/>
+              <a:t>Package Management and Build Files</a:t>
             </a:r>
           </a:p>
           <a:p>
             <a:pPr lvl="1"/>
             <a:r>
-              <a:rPr lang="en-NZ" dirty="0" smtClean="0"/>
-              <a:t>Breaks documents into keywords, counts word frequencies, builds an index</a:t>
+              <a:rPr lang="en-AU" dirty="0" err="1" smtClean="0"/>
+              <a:t>Gradle</a:t>
+            </a:r>
+            <a:endParaRPr lang="en-AU" dirty="0" smtClean="0"/>
+          </a:p>
+          <a:p>
+            <a:r>
+              <a:rPr lang="en-AU" dirty="0" smtClean="0"/>
+              <a:t>Unit Testing</a:t>
             </a:r>
           </a:p>
           <a:p>
             <a:pPr lvl="1"/>
             <a:r>
-              <a:rPr lang="en-NZ" dirty="0" smtClean="0"/>
-              <a:t>Indexes keywords by document, weights query matches based on term frequency</a:t>
-            </a:r>
-          </a:p>
-          <a:p>
-            <a:r>
-              <a:rPr lang="en-NZ" dirty="0" smtClean="0"/>
-              <a:t>Apache Struts</a:t>
-            </a:r>
-          </a:p>
-          <a:p>
-            <a:pPr lvl="1"/>
-            <a:r>
-              <a:rPr lang="en-NZ" dirty="0" smtClean="0"/>
-              <a:t>Model View Controller</a:t>
-            </a:r>
-          </a:p>
-          <a:p>
-            <a:pPr lvl="1"/>
-            <a:r>
-              <a:rPr lang="en-NZ" dirty="0" smtClean="0"/>
-              <a:t>Separate business logic, database, screen and control</a:t>
-            </a:r>
-          </a:p>
-          <a:p>
-            <a:pPr lvl="1"/>
-            <a:r>
-              <a:rPr lang="en-NZ" dirty="0" smtClean="0"/>
-              <a:t>Based on JSP and </a:t>
-            </a:r>
-            <a:r>
-              <a:rPr lang="en-NZ" dirty="0" err="1" smtClean="0"/>
-              <a:t>Servlets</a:t>
-            </a:r>
-            <a:endParaRPr lang="en-NZ" dirty="0"/>
+              <a:rPr lang="en-AU" dirty="0" smtClean="0"/>
+              <a:t>JUnit</a:t>
+            </a:r>
           </a:p>
         </p:txBody>
       </p:sp>
     </p:spTree>
+    <p:extLst>
+      <p:ext uri="{BB962C8B-B14F-4D97-AF65-F5344CB8AC3E}">
+        <p14:creationId xmlns:p14="http://schemas.microsoft.com/office/powerpoint/2010/main" val="1662314469"/>
+      </p:ext>
+    </p:extLst>
   </p:cSld>
   <p:clrMapOvr>
     <a:masterClrMapping/>
   </p:clrMapOvr>
-  <p:timing>
-    <p:tnLst>
-      <p:par>
-        <p:cTn id="1" dur="indefinite" restart="never" nodeType="tmRoot"/>
-      </p:par>
-    </p:tnLst>
-  </p:timing>
 </p:sld>
 </file>
 
@@ -12849,109 +13148,74 @@
           <a:lstStyle/>
           <a:p>
             <a:r>
-              <a:rPr lang="en-NZ" dirty="0" smtClean="0"/>
+              <a:rPr lang="en-AU" dirty="0" smtClean="0"/>
               <a:t>Technologies</a:t>
             </a:r>
+            <a:endParaRPr lang="en-AU" dirty="0"/>
+          </a:p>
+        </p:txBody>
+      </p:sp>
+      <p:sp>
+        <p:nvSpPr>
+          <p:cNvPr id="3" name="Content Placeholder 2"/>
+          <p:cNvSpPr>
+            <a:spLocks noGrp="1"/>
+          </p:cNvSpPr>
+          <p:nvPr>
+            <p:ph sz="quarter" idx="13"/>
+          </p:nvPr>
+        </p:nvSpPr>
+        <p:spPr/>
+        <p:txBody>
+          <a:bodyPr/>
+          <a:lstStyle/>
+          <a:p>
+            <a:r>
+              <a:rPr lang="en-NZ" dirty="0"/>
+              <a:t>Apache </a:t>
+            </a:r>
+            <a:r>
+              <a:rPr lang="en-NZ" dirty="0" err="1"/>
+              <a:t>Lucene</a:t>
+            </a:r>
             <a:endParaRPr lang="en-NZ" dirty="0"/>
           </a:p>
-        </p:txBody>
-      </p:sp>
-      <p:sp>
-        <p:nvSpPr>
-          <p:cNvPr id="3" name="Content Placeholder 2"/>
-          <p:cNvSpPr>
-            <a:spLocks noGrp="1"/>
-          </p:cNvSpPr>
-          <p:nvPr>
-            <p:ph sz="quarter" idx="13"/>
-          </p:nvPr>
-        </p:nvSpPr>
-        <p:spPr/>
-        <p:txBody>
-          <a:bodyPr>
-            <a:normAutofit fontScale="92500" lnSpcReduction="10000"/>
-          </a:bodyPr>
-          <a:lstStyle/>
-          <a:p>
-            <a:r>
-              <a:rPr lang="en-NZ" dirty="0" smtClean="0"/>
-              <a:t>Java Server Faces</a:t>
-            </a:r>
-          </a:p>
           <a:p>
             <a:pPr lvl="1"/>
             <a:r>
-              <a:rPr lang="en-NZ" dirty="0" smtClean="0"/>
-              <a:t>Another Model View Controller framework</a:t>
+              <a:rPr lang="en-NZ" dirty="0"/>
+              <a:t>Open source free text search engine</a:t>
             </a:r>
           </a:p>
           <a:p>
             <a:pPr lvl="1"/>
             <a:r>
-              <a:rPr lang="en-NZ" dirty="0" smtClean="0"/>
-              <a:t>Component based and event oriented</a:t>
+              <a:rPr lang="en-NZ" dirty="0"/>
+              <a:t>Breaks documents into keywords, counts word frequencies, builds an index</a:t>
             </a:r>
           </a:p>
           <a:p>
             <a:pPr lvl="1"/>
             <a:r>
-              <a:rPr lang="en-NZ" dirty="0" smtClean="0"/>
-              <a:t>Uses </a:t>
-            </a:r>
-            <a:r>
-              <a:rPr lang="en-NZ" dirty="0" err="1" smtClean="0"/>
-              <a:t>Facelets</a:t>
-            </a:r>
-            <a:r>
-              <a:rPr lang="en-NZ" dirty="0" smtClean="0"/>
-              <a:t> which is another presentation tech (similar to JSP)</a:t>
-            </a:r>
-          </a:p>
-          <a:p>
-            <a:r>
-              <a:rPr lang="en-NZ" dirty="0" smtClean="0"/>
-              <a:t>Hibernate</a:t>
-            </a:r>
-          </a:p>
-          <a:p>
-            <a:pPr lvl="1"/>
-            <a:r>
-              <a:rPr lang="en-NZ" dirty="0" smtClean="0"/>
-              <a:t>Object-Relational Mapping between code and database</a:t>
-            </a:r>
-          </a:p>
-          <a:p>
-            <a:pPr lvl="1"/>
-            <a:r>
-              <a:rPr lang="en-NZ" dirty="0" smtClean="0"/>
-              <a:t>Auto generates code and database mappings based on either class files or database schema</a:t>
-            </a:r>
-          </a:p>
-          <a:p>
-            <a:pPr lvl="1"/>
-            <a:r>
-              <a:rPr lang="en-NZ" dirty="0" smtClean="0"/>
-              <a:t>Saves lots of time as you do not have to embed SQL in your application</a:t>
-            </a:r>
-          </a:p>
-          <a:p>
-            <a:pPr lvl="1"/>
-            <a:endParaRPr lang="en-NZ" dirty="0"/>
+              <a:rPr lang="en-NZ" dirty="0"/>
+              <a:t>Indexes keywords by document, weights query matches based on term frequency</a:t>
+            </a:r>
+          </a:p>
+          <a:p>
+            <a:endParaRPr lang="en-AU" dirty="0"/>
           </a:p>
         </p:txBody>
       </p:sp>
     </p:spTree>
+    <p:extLst>
+      <p:ext uri="{BB962C8B-B14F-4D97-AF65-F5344CB8AC3E}">
+        <p14:creationId xmlns:p14="http://schemas.microsoft.com/office/powerpoint/2010/main" val="2437429984"/>
+      </p:ext>
+    </p:extLst>
   </p:cSld>
   <p:clrMapOvr>
     <a:masterClrMapping/>
   </p:clrMapOvr>
-  <p:timing>
-    <p:tnLst>
-      <p:par>
-        <p:cTn id="1" dur="indefinite" restart="never" nodeType="tmRoot"/>
-      </p:par>
-    </p:tnLst>
-  </p:timing>
 </p:sld>
 </file>
 
